--- a/web scraping/AI-Core prezzy.pptx
+++ b/web scraping/AI-Core prezzy.pptx
@@ -2,24 +2,22 @@
 <file path=ppt/presentation.xml><?xml version="1.0" encoding="utf-8"?>
 <p:presentation xmlns:a="http://schemas.openxmlformats.org/drawingml/2006/main" xmlns:r="http://schemas.openxmlformats.org/officeDocument/2006/relationships" xmlns:p="http://schemas.openxmlformats.org/presentationml/2006/main" saveSubsetFonts="1">
   <p:sldMasterIdLst>
-    <p:sldMasterId id="2147483648" r:id="rId1"/>
+    <p:sldMasterId id="2147483707" r:id="rId1"/>
   </p:sldMasterIdLst>
   <p:sldIdLst>
-    <p:sldId id="256" r:id="rId2"/>
-    <p:sldId id="257" r:id="rId3"/>
+    <p:sldId id="272" r:id="rId2"/>
+    <p:sldId id="274" r:id="rId3"/>
     <p:sldId id="258" r:id="rId4"/>
-    <p:sldId id="261" r:id="rId5"/>
-    <p:sldId id="259" r:id="rId6"/>
-    <p:sldId id="263" r:id="rId7"/>
-    <p:sldId id="262" r:id="rId8"/>
-    <p:sldId id="264" r:id="rId9"/>
-    <p:sldId id="265" r:id="rId10"/>
-    <p:sldId id="266" r:id="rId11"/>
-    <p:sldId id="267" r:id="rId12"/>
-    <p:sldId id="268" r:id="rId13"/>
-    <p:sldId id="269" r:id="rId14"/>
-    <p:sldId id="270" r:id="rId15"/>
-    <p:sldId id="271" r:id="rId16"/>
+    <p:sldId id="276" r:id="rId5"/>
+    <p:sldId id="277" r:id="rId6"/>
+    <p:sldId id="278" r:id="rId7"/>
+    <p:sldId id="279" r:id="rId8"/>
+    <p:sldId id="280" r:id="rId9"/>
+    <p:sldId id="281" r:id="rId10"/>
+    <p:sldId id="282" r:id="rId11"/>
+    <p:sldId id="283" r:id="rId12"/>
+    <p:sldId id="284" r:id="rId13"/>
+    <p:sldId id="285" r:id="rId14"/>
   </p:sldIdLst>
   <p:sldSz cx="12192000" cy="6858000"/>
   <p:notesSz cx="6858000" cy="9144000"/>
@@ -27,7 +25,7 @@
     <a:defPPr>
       <a:defRPr lang="en-US"/>
     </a:defPPr>
-    <a:lvl1pPr marL="0" algn="l" defTabSz="914400" rtl="0" eaLnBrk="1" latinLnBrk="0" hangingPunct="1">
+    <a:lvl1pPr marL="0" algn="l" defTabSz="457200" rtl="0" eaLnBrk="1" latinLnBrk="0" hangingPunct="1">
       <a:defRPr sz="1800" kern="1200">
         <a:solidFill>
           <a:schemeClr val="tx1"/>
@@ -37,7 +35,7 @@
         <a:cs typeface="+mn-cs"/>
       </a:defRPr>
     </a:lvl1pPr>
-    <a:lvl2pPr marL="457200" algn="l" defTabSz="914400" rtl="0" eaLnBrk="1" latinLnBrk="0" hangingPunct="1">
+    <a:lvl2pPr marL="457200" algn="l" defTabSz="457200" rtl="0" eaLnBrk="1" latinLnBrk="0" hangingPunct="1">
       <a:defRPr sz="1800" kern="1200">
         <a:solidFill>
           <a:schemeClr val="tx1"/>
@@ -47,7 +45,7 @@
         <a:cs typeface="+mn-cs"/>
       </a:defRPr>
     </a:lvl2pPr>
-    <a:lvl3pPr marL="914400" algn="l" defTabSz="914400" rtl="0" eaLnBrk="1" latinLnBrk="0" hangingPunct="1">
+    <a:lvl3pPr marL="914400" algn="l" defTabSz="457200" rtl="0" eaLnBrk="1" latinLnBrk="0" hangingPunct="1">
       <a:defRPr sz="1800" kern="1200">
         <a:solidFill>
           <a:schemeClr val="tx1"/>
@@ -57,7 +55,7 @@
         <a:cs typeface="+mn-cs"/>
       </a:defRPr>
     </a:lvl3pPr>
-    <a:lvl4pPr marL="1371600" algn="l" defTabSz="914400" rtl="0" eaLnBrk="1" latinLnBrk="0" hangingPunct="1">
+    <a:lvl4pPr marL="1371600" algn="l" defTabSz="457200" rtl="0" eaLnBrk="1" latinLnBrk="0" hangingPunct="1">
       <a:defRPr sz="1800" kern="1200">
         <a:solidFill>
           <a:schemeClr val="tx1"/>
@@ -67,7 +65,7 @@
         <a:cs typeface="+mn-cs"/>
       </a:defRPr>
     </a:lvl4pPr>
-    <a:lvl5pPr marL="1828800" algn="l" defTabSz="914400" rtl="0" eaLnBrk="1" latinLnBrk="0" hangingPunct="1">
+    <a:lvl5pPr marL="1828800" algn="l" defTabSz="457200" rtl="0" eaLnBrk="1" latinLnBrk="0" hangingPunct="1">
       <a:defRPr sz="1800" kern="1200">
         <a:solidFill>
           <a:schemeClr val="tx1"/>
@@ -77,7 +75,7 @@
         <a:cs typeface="+mn-cs"/>
       </a:defRPr>
     </a:lvl5pPr>
-    <a:lvl6pPr marL="2286000" algn="l" defTabSz="914400" rtl="0" eaLnBrk="1" latinLnBrk="0" hangingPunct="1">
+    <a:lvl6pPr marL="2286000" algn="l" defTabSz="457200" rtl="0" eaLnBrk="1" latinLnBrk="0" hangingPunct="1">
       <a:defRPr sz="1800" kern="1200">
         <a:solidFill>
           <a:schemeClr val="tx1"/>
@@ -87,7 +85,7 @@
         <a:cs typeface="+mn-cs"/>
       </a:defRPr>
     </a:lvl6pPr>
-    <a:lvl7pPr marL="2743200" algn="l" defTabSz="914400" rtl="0" eaLnBrk="1" latinLnBrk="0" hangingPunct="1">
+    <a:lvl7pPr marL="2743200" algn="l" defTabSz="457200" rtl="0" eaLnBrk="1" latinLnBrk="0" hangingPunct="1">
       <a:defRPr sz="1800" kern="1200">
         <a:solidFill>
           <a:schemeClr val="tx1"/>
@@ -97,7 +95,7 @@
         <a:cs typeface="+mn-cs"/>
       </a:defRPr>
     </a:lvl7pPr>
-    <a:lvl8pPr marL="3200400" algn="l" defTabSz="914400" rtl="0" eaLnBrk="1" latinLnBrk="0" hangingPunct="1">
+    <a:lvl8pPr marL="3200400" algn="l" defTabSz="457200" rtl="0" eaLnBrk="1" latinLnBrk="0" hangingPunct="1">
       <a:defRPr sz="1800" kern="1200">
         <a:solidFill>
           <a:schemeClr val="tx1"/>
@@ -107,7 +105,7 @@
         <a:cs typeface="+mn-cs"/>
       </a:defRPr>
     </a:lvl8pPr>
-    <a:lvl9pPr marL="3657600" algn="l" defTabSz="914400" rtl="0" eaLnBrk="1" latinLnBrk="0" hangingPunct="1">
+    <a:lvl9pPr marL="3657600" algn="l" defTabSz="457200" rtl="0" eaLnBrk="1" latinLnBrk="0" hangingPunct="1">
       <a:defRPr sz="1800" kern="1200">
         <a:solidFill>
           <a:schemeClr val="tx1"/>
@@ -145,13 +143,7 @@
       </p:grpSpPr>
       <p:sp>
         <p:nvSpPr>
-          <p:cNvPr id="2" name="Title 1">
-            <a:extLst>
-              <a:ext uri="{FF2B5EF4-FFF2-40B4-BE49-F238E27FC236}">
-                <a16:creationId xmlns:a16="http://schemas.microsoft.com/office/drawing/2014/main" id="{FD123587-A0E9-48F6-ACE8-89F7F0B1EC4F}"/>
-              </a:ext>
-            </a:extLst>
-          </p:cNvPr>
+          <p:cNvPr id="2" name="Title 1"/>
           <p:cNvSpPr>
             <a:spLocks noGrp="1"/>
           </p:cNvSpPr>
@@ -161,15 +153,15 @@
         </p:nvSpPr>
         <p:spPr>
           <a:xfrm>
-            <a:off x="1524000" y="1122363"/>
-            <a:ext cx="9144000" cy="2387600"/>
+            <a:off x="1154955" y="1447800"/>
+            <a:ext cx="8825658" cy="3329581"/>
           </a:xfrm>
         </p:spPr>
         <p:txBody>
           <a:bodyPr anchor="b"/>
           <a:lstStyle>
-            <a:lvl1pPr algn="ctr">
-              <a:defRPr sz="6000"/>
+            <a:lvl1pPr>
+              <a:defRPr sz="7200"/>
             </a:lvl1pPr>
           </a:lstStyle>
           <a:p>
@@ -177,19 +169,13 @@
               <a:rPr lang="en-US"/>
               <a:t>Click to edit Master title style</a:t>
             </a:r>
-            <a:endParaRPr lang="en-GB"/>
-          </a:p>
-        </p:txBody>
-      </p:sp>
-      <p:sp>
-        <p:nvSpPr>
-          <p:cNvPr id="3" name="Subtitle 2">
-            <a:extLst>
-              <a:ext uri="{FF2B5EF4-FFF2-40B4-BE49-F238E27FC236}">
-                <a16:creationId xmlns:a16="http://schemas.microsoft.com/office/drawing/2014/main" id="{3FFE1C82-0CD5-45C5-9440-FCE4ACAF7A80}"/>
-              </a:ext>
-            </a:extLst>
-          </p:cNvPr>
+            <a:endParaRPr lang="en-US" dirty="0"/>
+          </a:p>
+        </p:txBody>
+      </p:sp>
+      <p:sp>
+        <p:nvSpPr>
+          <p:cNvPr id="3" name="Subtitle 2"/>
           <p:cNvSpPr>
             <a:spLocks noGrp="1"/>
           </p:cNvSpPr>
@@ -199,48 +185,103 @@
         </p:nvSpPr>
         <p:spPr>
           <a:xfrm>
-            <a:off x="1524000" y="3602038"/>
-            <a:ext cx="9144000" cy="1655762"/>
-          </a:xfrm>
-        </p:spPr>
-        <p:txBody>
-          <a:bodyPr/>
+            <a:off x="1154955" y="4777380"/>
+            <a:ext cx="8825658" cy="861420"/>
+          </a:xfrm>
+        </p:spPr>
+        <p:txBody>
+          <a:bodyPr anchor="t"/>
           <a:lstStyle>
-            <a:lvl1pPr marL="0" indent="0" algn="ctr">
-              <a:buNone/>
-              <a:defRPr sz="2400"/>
+            <a:lvl1pPr marL="0" indent="0" algn="l">
+              <a:buNone/>
+              <a:defRPr cap="all">
+                <a:solidFill>
+                  <a:schemeClr val="bg2">
+                    <a:lumMod val="40000"/>
+                    <a:lumOff val="60000"/>
+                  </a:schemeClr>
+                </a:solidFill>
+              </a:defRPr>
             </a:lvl1pPr>
             <a:lvl2pPr marL="457200" indent="0" algn="ctr">
               <a:buNone/>
-              <a:defRPr sz="2000"/>
+              <a:defRPr>
+                <a:solidFill>
+                  <a:schemeClr val="tx1">
+                    <a:tint val="75000"/>
+                  </a:schemeClr>
+                </a:solidFill>
+              </a:defRPr>
             </a:lvl2pPr>
             <a:lvl3pPr marL="914400" indent="0" algn="ctr">
               <a:buNone/>
-              <a:defRPr sz="1800"/>
+              <a:defRPr>
+                <a:solidFill>
+                  <a:schemeClr val="tx1">
+                    <a:tint val="75000"/>
+                  </a:schemeClr>
+                </a:solidFill>
+              </a:defRPr>
             </a:lvl3pPr>
             <a:lvl4pPr marL="1371600" indent="0" algn="ctr">
               <a:buNone/>
-              <a:defRPr sz="1600"/>
+              <a:defRPr>
+                <a:solidFill>
+                  <a:schemeClr val="tx1">
+                    <a:tint val="75000"/>
+                  </a:schemeClr>
+                </a:solidFill>
+              </a:defRPr>
             </a:lvl4pPr>
             <a:lvl5pPr marL="1828800" indent="0" algn="ctr">
               <a:buNone/>
-              <a:defRPr sz="1600"/>
+              <a:defRPr>
+                <a:solidFill>
+                  <a:schemeClr val="tx1">
+                    <a:tint val="75000"/>
+                  </a:schemeClr>
+                </a:solidFill>
+              </a:defRPr>
             </a:lvl5pPr>
             <a:lvl6pPr marL="2286000" indent="0" algn="ctr">
               <a:buNone/>
-              <a:defRPr sz="1600"/>
+              <a:defRPr>
+                <a:solidFill>
+                  <a:schemeClr val="tx1">
+                    <a:tint val="75000"/>
+                  </a:schemeClr>
+                </a:solidFill>
+              </a:defRPr>
             </a:lvl6pPr>
             <a:lvl7pPr marL="2743200" indent="0" algn="ctr">
               <a:buNone/>
-              <a:defRPr sz="1600"/>
+              <a:defRPr>
+                <a:solidFill>
+                  <a:schemeClr val="tx1">
+                    <a:tint val="75000"/>
+                  </a:schemeClr>
+                </a:solidFill>
+              </a:defRPr>
             </a:lvl7pPr>
             <a:lvl8pPr marL="3200400" indent="0" algn="ctr">
               <a:buNone/>
-              <a:defRPr sz="1600"/>
+              <a:defRPr>
+                <a:solidFill>
+                  <a:schemeClr val="tx1">
+                    <a:tint val="75000"/>
+                  </a:schemeClr>
+                </a:solidFill>
+              </a:defRPr>
             </a:lvl8pPr>
             <a:lvl9pPr marL="3657600" indent="0" algn="ctr">
               <a:buNone/>
-              <a:defRPr sz="1600"/>
+              <a:defRPr>
+                <a:solidFill>
+                  <a:schemeClr val="tx1">
+                    <a:tint val="75000"/>
+                  </a:schemeClr>
+                </a:solidFill>
+              </a:defRPr>
             </a:lvl9pPr>
           </a:lstStyle>
           <a:p>
@@ -248,19 +289,13 @@
               <a:rPr lang="en-US"/>
               <a:t>Click to edit Master subtitle style</a:t>
             </a:r>
-            <a:endParaRPr lang="en-GB"/>
-          </a:p>
-        </p:txBody>
-      </p:sp>
-      <p:sp>
-        <p:nvSpPr>
-          <p:cNvPr id="4" name="Date Placeholder 3">
-            <a:extLst>
-              <a:ext uri="{FF2B5EF4-FFF2-40B4-BE49-F238E27FC236}">
-                <a16:creationId xmlns:a16="http://schemas.microsoft.com/office/drawing/2014/main" id="{5CD2F10E-90BC-437F-A855-BBB22BD6765E}"/>
-              </a:ext>
-            </a:extLst>
-          </p:cNvPr>
+            <a:endParaRPr lang="en-US" dirty="0"/>
+          </a:p>
+        </p:txBody>
+      </p:sp>
+      <p:sp>
+        <p:nvSpPr>
+          <p:cNvPr id="4" name="Date Placeholder 3"/>
           <p:cNvSpPr>
             <a:spLocks noGrp="1"/>
           </p:cNvSpPr>
@@ -275,7 +310,7 @@
           <a:p>
             <a:fld id="{6F67D289-0847-4A7F-A587-1F4431DE23A3}" type="datetimeFigureOut">
               <a:rPr lang="en-GB" smtClean="0"/>
-              <a:t>28/06/2021</a:t>
+              <a:t>29/06/2021</a:t>
             </a:fld>
             <a:endParaRPr lang="en-GB"/>
           </a:p>
@@ -283,13 +318,7 @@
       </p:sp>
       <p:sp>
         <p:nvSpPr>
-          <p:cNvPr id="5" name="Footer Placeholder 4">
-            <a:extLst>
-              <a:ext uri="{FF2B5EF4-FFF2-40B4-BE49-F238E27FC236}">
-                <a16:creationId xmlns:a16="http://schemas.microsoft.com/office/drawing/2014/main" id="{512FE487-BF68-4614-952A-41B4BA41ED52}"/>
-              </a:ext>
-            </a:extLst>
-          </p:cNvPr>
+          <p:cNvPr id="5" name="Footer Placeholder 4"/>
           <p:cNvSpPr>
             <a:spLocks noGrp="1"/>
           </p:cNvSpPr>
@@ -308,13 +337,7 @@
       </p:sp>
       <p:sp>
         <p:nvSpPr>
-          <p:cNvPr id="6" name="Slide Number Placeholder 5">
-            <a:extLst>
-              <a:ext uri="{FF2B5EF4-FFF2-40B4-BE49-F238E27FC236}">
-                <a16:creationId xmlns:a16="http://schemas.microsoft.com/office/drawing/2014/main" id="{58660136-CA6C-4193-B0B0-60D998CEE642}"/>
-              </a:ext>
-            </a:extLst>
-          </p:cNvPr>
+          <p:cNvPr id="6" name="Slide Number Placeholder 5"/>
           <p:cNvSpPr>
             <a:spLocks noGrp="1"/>
           </p:cNvSpPr>
@@ -338,7 +361,7 @@
     </p:spTree>
     <p:extLst>
       <p:ext uri="{BB962C8B-B14F-4D97-AF65-F5344CB8AC3E}">
-        <p14:creationId xmlns:p14="http://schemas.microsoft.com/office/powerpoint/2010/main" val="839813383"/>
+        <p14:creationId xmlns:p14="http://schemas.microsoft.com/office/powerpoint/2010/main" val="1187274252"/>
       </p:ext>
     </p:extLst>
   </p:cSld>
@@ -349,6 +372,2572 @@
 </file>
 
 <file path=ppt/slideLayouts/slideLayout10.xml><?xml version="1.0" encoding="utf-8"?>
+<p:sldLayout xmlns:a="http://schemas.openxmlformats.org/drawingml/2006/main" xmlns:r="http://schemas.openxmlformats.org/officeDocument/2006/relationships" xmlns:p="http://schemas.openxmlformats.org/presentationml/2006/main" preserve="1">
+  <p:cSld name="Panoramic Picture with Caption">
+    <p:spTree>
+      <p:nvGrpSpPr>
+        <p:cNvPr id="1" name=""/>
+        <p:cNvGrpSpPr/>
+        <p:nvPr/>
+      </p:nvGrpSpPr>
+      <p:grpSpPr>
+        <a:xfrm>
+          <a:off x="0" y="0"/>
+          <a:ext cx="0" cy="0"/>
+          <a:chOff x="0" y="0"/>
+          <a:chExt cx="0" cy="0"/>
+        </a:xfrm>
+      </p:grpSpPr>
+      <p:sp>
+        <p:nvSpPr>
+          <p:cNvPr id="2" name="Title 1"/>
+          <p:cNvSpPr>
+            <a:spLocks noGrp="1"/>
+          </p:cNvSpPr>
+          <p:nvPr>
+            <p:ph type="title"/>
+          </p:nvPr>
+        </p:nvSpPr>
+        <p:spPr>
+          <a:xfrm>
+            <a:off x="1154956" y="4800587"/>
+            <a:ext cx="8825657" cy="566738"/>
+          </a:xfrm>
+        </p:spPr>
+        <p:txBody>
+          <a:bodyPr anchor="b">
+            <a:normAutofit/>
+          </a:bodyPr>
+          <a:lstStyle>
+            <a:lvl1pPr algn="l">
+              <a:defRPr sz="2400" b="0"/>
+            </a:lvl1pPr>
+          </a:lstStyle>
+          <a:p>
+            <a:r>
+              <a:rPr lang="en-US"/>
+              <a:t>Click to edit Master title style</a:t>
+            </a:r>
+            <a:endParaRPr lang="en-US" dirty="0"/>
+          </a:p>
+        </p:txBody>
+      </p:sp>
+      <p:sp>
+        <p:nvSpPr>
+          <p:cNvPr id="3" name="Picture Placeholder 2"/>
+          <p:cNvSpPr>
+            <a:spLocks noGrp="1" noChangeAspect="1"/>
+          </p:cNvSpPr>
+          <p:nvPr>
+            <p:ph type="pic" idx="1"/>
+          </p:nvPr>
+        </p:nvSpPr>
+        <p:spPr>
+          <a:xfrm>
+            <a:off x="1154955" y="685800"/>
+            <a:ext cx="8825658" cy="3640666"/>
+          </a:xfrm>
+          <a:prstGeom prst="roundRect">
+            <a:avLst>
+              <a:gd name="adj" fmla="val 1858"/>
+            </a:avLst>
+          </a:prstGeom>
+          <a:effectLst>
+            <a:outerShdw blurRad="50800" dist="50800" dir="5400000" algn="tl" rotWithShape="0">
+              <a:srgbClr val="000000">
+                <a:alpha val="43000"/>
+              </a:srgbClr>
+            </a:outerShdw>
+          </a:effectLst>
+        </p:spPr>
+        <p:txBody>
+          <a:bodyPr anchor="t">
+            <a:normAutofit/>
+          </a:bodyPr>
+          <a:lstStyle>
+            <a:lvl1pPr marL="0" indent="0" algn="ctr">
+              <a:buNone/>
+              <a:defRPr sz="1600"/>
+            </a:lvl1pPr>
+            <a:lvl2pPr marL="457200" indent="0">
+              <a:buNone/>
+              <a:defRPr sz="1600"/>
+            </a:lvl2pPr>
+            <a:lvl3pPr marL="914400" indent="0">
+              <a:buNone/>
+              <a:defRPr sz="1600"/>
+            </a:lvl3pPr>
+            <a:lvl4pPr marL="1371600" indent="0">
+              <a:buNone/>
+              <a:defRPr sz="1600"/>
+            </a:lvl4pPr>
+            <a:lvl5pPr marL="1828800" indent="0">
+              <a:buNone/>
+              <a:defRPr sz="1600"/>
+            </a:lvl5pPr>
+            <a:lvl6pPr marL="2286000" indent="0">
+              <a:buNone/>
+              <a:defRPr sz="1600"/>
+            </a:lvl6pPr>
+            <a:lvl7pPr marL="2743200" indent="0">
+              <a:buNone/>
+              <a:defRPr sz="1600"/>
+            </a:lvl7pPr>
+            <a:lvl8pPr marL="3200400" indent="0">
+              <a:buNone/>
+              <a:defRPr sz="1600"/>
+            </a:lvl8pPr>
+            <a:lvl9pPr marL="3657600" indent="0">
+              <a:buNone/>
+              <a:defRPr sz="1600"/>
+            </a:lvl9pPr>
+          </a:lstStyle>
+          <a:p>
+            <a:r>
+              <a:rPr lang="en-US"/>
+              <a:t>Click icon to add picture</a:t>
+            </a:r>
+            <a:endParaRPr lang="en-US" dirty="0"/>
+          </a:p>
+        </p:txBody>
+      </p:sp>
+      <p:sp>
+        <p:nvSpPr>
+          <p:cNvPr id="4" name="Text Placeholder 3"/>
+          <p:cNvSpPr>
+            <a:spLocks noGrp="1"/>
+          </p:cNvSpPr>
+          <p:nvPr>
+            <p:ph type="body" sz="half" idx="2"/>
+          </p:nvPr>
+        </p:nvSpPr>
+        <p:spPr>
+          <a:xfrm>
+            <a:off x="1154956" y="5367325"/>
+            <a:ext cx="8825656" cy="493712"/>
+          </a:xfrm>
+        </p:spPr>
+        <p:txBody>
+          <a:bodyPr>
+            <a:normAutofit/>
+          </a:bodyPr>
+          <a:lstStyle>
+            <a:lvl1pPr marL="0" indent="0">
+              <a:buNone/>
+              <a:defRPr sz="1200"/>
+            </a:lvl1pPr>
+            <a:lvl2pPr marL="457200" indent="0">
+              <a:buNone/>
+              <a:defRPr sz="1200"/>
+            </a:lvl2pPr>
+            <a:lvl3pPr marL="914400" indent="0">
+              <a:buNone/>
+              <a:defRPr sz="1000"/>
+            </a:lvl3pPr>
+            <a:lvl4pPr marL="1371600" indent="0">
+              <a:buNone/>
+              <a:defRPr sz="900"/>
+            </a:lvl4pPr>
+            <a:lvl5pPr marL="1828800" indent="0">
+              <a:buNone/>
+              <a:defRPr sz="900"/>
+            </a:lvl5pPr>
+            <a:lvl6pPr marL="2286000" indent="0">
+              <a:buNone/>
+              <a:defRPr sz="900"/>
+            </a:lvl6pPr>
+            <a:lvl7pPr marL="2743200" indent="0">
+              <a:buNone/>
+              <a:defRPr sz="900"/>
+            </a:lvl7pPr>
+            <a:lvl8pPr marL="3200400" indent="0">
+              <a:buNone/>
+              <a:defRPr sz="900"/>
+            </a:lvl8pPr>
+            <a:lvl9pPr marL="3657600" indent="0">
+              <a:buNone/>
+              <a:defRPr sz="900"/>
+            </a:lvl9pPr>
+          </a:lstStyle>
+          <a:p>
+            <a:pPr lvl="0"/>
+            <a:r>
+              <a:rPr lang="en-US"/>
+              <a:t>Click to edit Master text styles</a:t>
+            </a:r>
+          </a:p>
+        </p:txBody>
+      </p:sp>
+      <p:sp>
+        <p:nvSpPr>
+          <p:cNvPr id="5" name="Date Placeholder 4"/>
+          <p:cNvSpPr>
+            <a:spLocks noGrp="1"/>
+          </p:cNvSpPr>
+          <p:nvPr>
+            <p:ph type="dt" sz="half" idx="10"/>
+          </p:nvPr>
+        </p:nvSpPr>
+        <p:spPr/>
+        <p:txBody>
+          <a:bodyPr/>
+          <a:lstStyle/>
+          <a:p>
+            <a:fld id="{6F67D289-0847-4A7F-A587-1F4431DE23A3}" type="datetimeFigureOut">
+              <a:rPr lang="en-GB" smtClean="0"/>
+              <a:t>29/06/2021</a:t>
+            </a:fld>
+            <a:endParaRPr lang="en-GB"/>
+          </a:p>
+        </p:txBody>
+      </p:sp>
+      <p:sp>
+        <p:nvSpPr>
+          <p:cNvPr id="6" name="Footer Placeholder 5"/>
+          <p:cNvSpPr>
+            <a:spLocks noGrp="1"/>
+          </p:cNvSpPr>
+          <p:nvPr>
+            <p:ph type="ftr" sz="quarter" idx="11"/>
+          </p:nvPr>
+        </p:nvSpPr>
+        <p:spPr/>
+        <p:txBody>
+          <a:bodyPr/>
+          <a:lstStyle/>
+          <a:p>
+            <a:endParaRPr lang="en-GB"/>
+          </a:p>
+        </p:txBody>
+      </p:sp>
+      <p:sp>
+        <p:nvSpPr>
+          <p:cNvPr id="7" name="Slide Number Placeholder 6"/>
+          <p:cNvSpPr>
+            <a:spLocks noGrp="1"/>
+          </p:cNvSpPr>
+          <p:nvPr>
+            <p:ph type="sldNum" sz="quarter" idx="12"/>
+          </p:nvPr>
+        </p:nvSpPr>
+        <p:spPr/>
+        <p:txBody>
+          <a:bodyPr/>
+          <a:lstStyle/>
+          <a:p>
+            <a:fld id="{8A48CC1F-C91D-43F7-A9EF-A62610DB53E4}" type="slidenum">
+              <a:rPr lang="en-GB" smtClean="0"/>
+              <a:t>‹#›</a:t>
+            </a:fld>
+            <a:endParaRPr lang="en-GB"/>
+          </a:p>
+        </p:txBody>
+      </p:sp>
+    </p:spTree>
+    <p:extLst>
+      <p:ext uri="{BB962C8B-B14F-4D97-AF65-F5344CB8AC3E}">
+        <p14:creationId xmlns:p14="http://schemas.microsoft.com/office/powerpoint/2010/main" val="995494060"/>
+      </p:ext>
+    </p:extLst>
+  </p:cSld>
+  <p:clrMapOvr>
+    <a:masterClrMapping/>
+  </p:clrMapOvr>
+</p:sldLayout>
+</file>
+
+<file path=ppt/slideLayouts/slideLayout11.xml><?xml version="1.0" encoding="utf-8"?>
+<p:sldLayout xmlns:a="http://schemas.openxmlformats.org/drawingml/2006/main" xmlns:r="http://schemas.openxmlformats.org/officeDocument/2006/relationships" xmlns:p="http://schemas.openxmlformats.org/presentationml/2006/main" preserve="1">
+  <p:cSld name="Title and Caption">
+    <p:spTree>
+      <p:nvGrpSpPr>
+        <p:cNvPr id="1" name=""/>
+        <p:cNvGrpSpPr/>
+        <p:nvPr/>
+      </p:nvGrpSpPr>
+      <p:grpSpPr>
+        <a:xfrm>
+          <a:off x="0" y="0"/>
+          <a:ext cx="0" cy="0"/>
+          <a:chOff x="0" y="0"/>
+          <a:chExt cx="0" cy="0"/>
+        </a:xfrm>
+      </p:grpSpPr>
+      <p:sp>
+        <p:nvSpPr>
+          <p:cNvPr id="2" name="Title 1"/>
+          <p:cNvSpPr>
+            <a:spLocks noGrp="1"/>
+          </p:cNvSpPr>
+          <p:nvPr>
+            <p:ph type="title"/>
+          </p:nvPr>
+        </p:nvSpPr>
+        <p:spPr>
+          <a:xfrm>
+            <a:off x="1154954" y="1447800"/>
+            <a:ext cx="8825659" cy="1981200"/>
+          </a:xfrm>
+        </p:spPr>
+        <p:txBody>
+          <a:bodyPr/>
+          <a:lstStyle>
+            <a:lvl1pPr>
+              <a:defRPr sz="4800"/>
+            </a:lvl1pPr>
+          </a:lstStyle>
+          <a:p>
+            <a:r>
+              <a:rPr lang="en-US"/>
+              <a:t>Click to edit Master title style</a:t>
+            </a:r>
+            <a:endParaRPr lang="en-US" dirty="0"/>
+          </a:p>
+        </p:txBody>
+      </p:sp>
+      <p:sp>
+        <p:nvSpPr>
+          <p:cNvPr id="8" name="Text Placeholder 3"/>
+          <p:cNvSpPr>
+            <a:spLocks noGrp="1"/>
+          </p:cNvSpPr>
+          <p:nvPr>
+            <p:ph type="body" sz="half" idx="2"/>
+          </p:nvPr>
+        </p:nvSpPr>
+        <p:spPr>
+          <a:xfrm>
+            <a:off x="1154954" y="3657600"/>
+            <a:ext cx="8825659" cy="2362200"/>
+          </a:xfrm>
+        </p:spPr>
+        <p:txBody>
+          <a:bodyPr anchor="ctr">
+            <a:normAutofit/>
+          </a:bodyPr>
+          <a:lstStyle>
+            <a:lvl1pPr marL="0" indent="0">
+              <a:buNone/>
+              <a:defRPr sz="1800"/>
+            </a:lvl1pPr>
+            <a:lvl2pPr marL="457200" indent="0">
+              <a:buNone/>
+              <a:defRPr sz="1200"/>
+            </a:lvl2pPr>
+            <a:lvl3pPr marL="914400" indent="0">
+              <a:buNone/>
+              <a:defRPr sz="1000"/>
+            </a:lvl3pPr>
+            <a:lvl4pPr marL="1371600" indent="0">
+              <a:buNone/>
+              <a:defRPr sz="900"/>
+            </a:lvl4pPr>
+            <a:lvl5pPr marL="1828800" indent="0">
+              <a:buNone/>
+              <a:defRPr sz="900"/>
+            </a:lvl5pPr>
+            <a:lvl6pPr marL="2286000" indent="0">
+              <a:buNone/>
+              <a:defRPr sz="900"/>
+            </a:lvl6pPr>
+            <a:lvl7pPr marL="2743200" indent="0">
+              <a:buNone/>
+              <a:defRPr sz="900"/>
+            </a:lvl7pPr>
+            <a:lvl8pPr marL="3200400" indent="0">
+              <a:buNone/>
+              <a:defRPr sz="900"/>
+            </a:lvl8pPr>
+            <a:lvl9pPr marL="3657600" indent="0">
+              <a:buNone/>
+              <a:defRPr sz="900"/>
+            </a:lvl9pPr>
+          </a:lstStyle>
+          <a:p>
+            <a:pPr lvl="0"/>
+            <a:r>
+              <a:rPr lang="en-US"/>
+              <a:t>Click to edit Master text styles</a:t>
+            </a:r>
+          </a:p>
+        </p:txBody>
+      </p:sp>
+      <p:sp>
+        <p:nvSpPr>
+          <p:cNvPr id="4" name="Date Placeholder 3"/>
+          <p:cNvSpPr>
+            <a:spLocks noGrp="1"/>
+          </p:cNvSpPr>
+          <p:nvPr>
+            <p:ph type="dt" sz="half" idx="10"/>
+          </p:nvPr>
+        </p:nvSpPr>
+        <p:spPr/>
+        <p:txBody>
+          <a:bodyPr/>
+          <a:lstStyle/>
+          <a:p>
+            <a:fld id="{6F67D289-0847-4A7F-A587-1F4431DE23A3}" type="datetimeFigureOut">
+              <a:rPr lang="en-GB" smtClean="0"/>
+              <a:t>29/06/2021</a:t>
+            </a:fld>
+            <a:endParaRPr lang="en-GB"/>
+          </a:p>
+        </p:txBody>
+      </p:sp>
+      <p:sp>
+        <p:nvSpPr>
+          <p:cNvPr id="5" name="Footer Placeholder 4"/>
+          <p:cNvSpPr>
+            <a:spLocks noGrp="1"/>
+          </p:cNvSpPr>
+          <p:nvPr>
+            <p:ph type="ftr" sz="quarter" idx="11"/>
+          </p:nvPr>
+        </p:nvSpPr>
+        <p:spPr/>
+        <p:txBody>
+          <a:bodyPr/>
+          <a:lstStyle/>
+          <a:p>
+            <a:endParaRPr lang="en-GB"/>
+          </a:p>
+        </p:txBody>
+      </p:sp>
+      <p:sp>
+        <p:nvSpPr>
+          <p:cNvPr id="6" name="Slide Number Placeholder 5"/>
+          <p:cNvSpPr>
+            <a:spLocks noGrp="1"/>
+          </p:cNvSpPr>
+          <p:nvPr>
+            <p:ph type="sldNum" sz="quarter" idx="12"/>
+          </p:nvPr>
+        </p:nvSpPr>
+        <p:spPr/>
+        <p:txBody>
+          <a:bodyPr/>
+          <a:lstStyle/>
+          <a:p>
+            <a:fld id="{8A48CC1F-C91D-43F7-A9EF-A62610DB53E4}" type="slidenum">
+              <a:rPr lang="en-GB" smtClean="0"/>
+              <a:t>‹#›</a:t>
+            </a:fld>
+            <a:endParaRPr lang="en-GB"/>
+          </a:p>
+        </p:txBody>
+      </p:sp>
+    </p:spTree>
+    <p:extLst>
+      <p:ext uri="{BB962C8B-B14F-4D97-AF65-F5344CB8AC3E}">
+        <p14:creationId xmlns:p14="http://schemas.microsoft.com/office/powerpoint/2010/main" val="4194347532"/>
+      </p:ext>
+    </p:extLst>
+  </p:cSld>
+  <p:clrMapOvr>
+    <a:masterClrMapping/>
+  </p:clrMapOvr>
+</p:sldLayout>
+</file>
+
+<file path=ppt/slideLayouts/slideLayout12.xml><?xml version="1.0" encoding="utf-8"?>
+<p:sldLayout xmlns:a="http://schemas.openxmlformats.org/drawingml/2006/main" xmlns:r="http://schemas.openxmlformats.org/officeDocument/2006/relationships" xmlns:p="http://schemas.openxmlformats.org/presentationml/2006/main" preserve="1">
+  <p:cSld name="Quote with Caption">
+    <p:spTree>
+      <p:nvGrpSpPr>
+        <p:cNvPr id="1" name=""/>
+        <p:cNvGrpSpPr/>
+        <p:nvPr/>
+      </p:nvGrpSpPr>
+      <p:grpSpPr>
+        <a:xfrm>
+          <a:off x="0" y="0"/>
+          <a:ext cx="0" cy="0"/>
+          <a:chOff x="0" y="0"/>
+          <a:chExt cx="0" cy="0"/>
+        </a:xfrm>
+      </p:grpSpPr>
+      <p:sp>
+        <p:nvSpPr>
+          <p:cNvPr id="2" name="Title 1"/>
+          <p:cNvSpPr>
+            <a:spLocks noGrp="1"/>
+          </p:cNvSpPr>
+          <p:nvPr>
+            <p:ph type="title"/>
+          </p:nvPr>
+        </p:nvSpPr>
+        <p:spPr>
+          <a:xfrm>
+            <a:off x="1574801" y="1447800"/>
+            <a:ext cx="7999315" cy="2323374"/>
+          </a:xfrm>
+        </p:spPr>
+        <p:txBody>
+          <a:bodyPr/>
+          <a:lstStyle>
+            <a:lvl1pPr>
+              <a:defRPr sz="4800"/>
+            </a:lvl1pPr>
+          </a:lstStyle>
+          <a:p>
+            <a:r>
+              <a:rPr lang="en-US"/>
+              <a:t>Click to edit Master title style</a:t>
+            </a:r>
+            <a:endParaRPr lang="en-US" dirty="0"/>
+          </a:p>
+        </p:txBody>
+      </p:sp>
+      <p:sp>
+        <p:nvSpPr>
+          <p:cNvPr id="11" name="Text Placeholder 3"/>
+          <p:cNvSpPr>
+            <a:spLocks noGrp="1"/>
+          </p:cNvSpPr>
+          <p:nvPr>
+            <p:ph type="body" sz="half" idx="14"/>
+          </p:nvPr>
+        </p:nvSpPr>
+        <p:spPr>
+          <a:xfrm>
+            <a:off x="1930400" y="3771174"/>
+            <a:ext cx="7279649" cy="342174"/>
+          </a:xfrm>
+        </p:spPr>
+        <p:txBody>
+          <a:bodyPr vert="horz" lIns="91440" tIns="45720" rIns="91440" bIns="45720" rtlCol="0" anchor="t">
+            <a:normAutofit/>
+          </a:bodyPr>
+          <a:lstStyle>
+            <a:lvl1pPr marL="0" indent="0">
+              <a:buNone/>
+              <a:defRPr lang="en-US" sz="1400" b="0" i="0" kern="1200" cap="small" dirty="0">
+                <a:solidFill>
+                  <a:schemeClr val="bg2">
+                    <a:lumMod val="40000"/>
+                    <a:lumOff val="60000"/>
+                  </a:schemeClr>
+                </a:solidFill>
+                <a:latin typeface="+mj-lt"/>
+                <a:ea typeface="+mj-ea"/>
+                <a:cs typeface="+mj-cs"/>
+              </a:defRPr>
+            </a:lvl1pPr>
+            <a:lvl2pPr marL="457200" indent="0">
+              <a:buNone/>
+              <a:defRPr sz="1200"/>
+            </a:lvl2pPr>
+            <a:lvl3pPr marL="914400" indent="0">
+              <a:buNone/>
+              <a:defRPr sz="1000"/>
+            </a:lvl3pPr>
+            <a:lvl4pPr marL="1371600" indent="0">
+              <a:buNone/>
+              <a:defRPr sz="900"/>
+            </a:lvl4pPr>
+            <a:lvl5pPr marL="1828800" indent="0">
+              <a:buNone/>
+              <a:defRPr sz="900"/>
+            </a:lvl5pPr>
+            <a:lvl6pPr marL="2286000" indent="0">
+              <a:buNone/>
+              <a:defRPr sz="900"/>
+            </a:lvl6pPr>
+            <a:lvl7pPr marL="2743200" indent="0">
+              <a:buNone/>
+              <a:defRPr sz="900"/>
+            </a:lvl7pPr>
+            <a:lvl8pPr marL="3200400" indent="0">
+              <a:buNone/>
+              <a:defRPr sz="900"/>
+            </a:lvl8pPr>
+            <a:lvl9pPr marL="3657600" indent="0">
+              <a:buNone/>
+              <a:defRPr sz="900"/>
+            </a:lvl9pPr>
+          </a:lstStyle>
+          <a:p>
+            <a:pPr marL="0" lvl="0" indent="0">
+              <a:buNone/>
+            </a:pPr>
+            <a:r>
+              <a:rPr lang="en-US"/>
+              <a:t>Click to edit Master text styles</a:t>
+            </a:r>
+          </a:p>
+        </p:txBody>
+      </p:sp>
+      <p:sp>
+        <p:nvSpPr>
+          <p:cNvPr id="10" name="Text Placeholder 3"/>
+          <p:cNvSpPr>
+            <a:spLocks noGrp="1"/>
+          </p:cNvSpPr>
+          <p:nvPr>
+            <p:ph type="body" sz="half" idx="2"/>
+          </p:nvPr>
+        </p:nvSpPr>
+        <p:spPr>
+          <a:xfrm>
+            <a:off x="1154954" y="4350657"/>
+            <a:ext cx="8825659" cy="1676400"/>
+          </a:xfrm>
+        </p:spPr>
+        <p:txBody>
+          <a:bodyPr anchor="ctr">
+            <a:normAutofit/>
+          </a:bodyPr>
+          <a:lstStyle>
+            <a:lvl1pPr marL="0" indent="0">
+              <a:buNone/>
+              <a:defRPr sz="1800"/>
+            </a:lvl1pPr>
+            <a:lvl2pPr marL="457200" indent="0">
+              <a:buNone/>
+              <a:defRPr sz="1200"/>
+            </a:lvl2pPr>
+            <a:lvl3pPr marL="914400" indent="0">
+              <a:buNone/>
+              <a:defRPr sz="1000"/>
+            </a:lvl3pPr>
+            <a:lvl4pPr marL="1371600" indent="0">
+              <a:buNone/>
+              <a:defRPr sz="900"/>
+            </a:lvl4pPr>
+            <a:lvl5pPr marL="1828800" indent="0">
+              <a:buNone/>
+              <a:defRPr sz="900"/>
+            </a:lvl5pPr>
+            <a:lvl6pPr marL="2286000" indent="0">
+              <a:buNone/>
+              <a:defRPr sz="900"/>
+            </a:lvl6pPr>
+            <a:lvl7pPr marL="2743200" indent="0">
+              <a:buNone/>
+              <a:defRPr sz="900"/>
+            </a:lvl7pPr>
+            <a:lvl8pPr marL="3200400" indent="0">
+              <a:buNone/>
+              <a:defRPr sz="900"/>
+            </a:lvl8pPr>
+            <a:lvl9pPr marL="3657600" indent="0">
+              <a:buNone/>
+              <a:defRPr sz="900"/>
+            </a:lvl9pPr>
+          </a:lstStyle>
+          <a:p>
+            <a:pPr lvl="0"/>
+            <a:r>
+              <a:rPr lang="en-US"/>
+              <a:t>Click to edit Master text styles</a:t>
+            </a:r>
+          </a:p>
+        </p:txBody>
+      </p:sp>
+      <p:sp>
+        <p:nvSpPr>
+          <p:cNvPr id="4" name="Date Placeholder 3"/>
+          <p:cNvSpPr>
+            <a:spLocks noGrp="1"/>
+          </p:cNvSpPr>
+          <p:nvPr>
+            <p:ph type="dt" sz="half" idx="10"/>
+          </p:nvPr>
+        </p:nvSpPr>
+        <p:spPr/>
+        <p:txBody>
+          <a:bodyPr/>
+          <a:lstStyle/>
+          <a:p>
+            <a:fld id="{6F67D289-0847-4A7F-A587-1F4431DE23A3}" type="datetimeFigureOut">
+              <a:rPr lang="en-GB" smtClean="0"/>
+              <a:t>29/06/2021</a:t>
+            </a:fld>
+            <a:endParaRPr lang="en-GB"/>
+          </a:p>
+        </p:txBody>
+      </p:sp>
+      <p:sp>
+        <p:nvSpPr>
+          <p:cNvPr id="5" name="Footer Placeholder 4"/>
+          <p:cNvSpPr>
+            <a:spLocks noGrp="1"/>
+          </p:cNvSpPr>
+          <p:nvPr>
+            <p:ph type="ftr" sz="quarter" idx="11"/>
+          </p:nvPr>
+        </p:nvSpPr>
+        <p:spPr/>
+        <p:txBody>
+          <a:bodyPr/>
+          <a:lstStyle/>
+          <a:p>
+            <a:endParaRPr lang="en-GB"/>
+          </a:p>
+        </p:txBody>
+      </p:sp>
+      <p:sp>
+        <p:nvSpPr>
+          <p:cNvPr id="6" name="Slide Number Placeholder 5"/>
+          <p:cNvSpPr>
+            <a:spLocks noGrp="1"/>
+          </p:cNvSpPr>
+          <p:nvPr>
+            <p:ph type="sldNum" sz="quarter" idx="12"/>
+          </p:nvPr>
+        </p:nvSpPr>
+        <p:spPr/>
+        <p:txBody>
+          <a:bodyPr/>
+          <a:lstStyle/>
+          <a:p>
+            <a:fld id="{8A48CC1F-C91D-43F7-A9EF-A62610DB53E4}" type="slidenum">
+              <a:rPr lang="en-GB" smtClean="0"/>
+              <a:t>‹#›</a:t>
+            </a:fld>
+            <a:endParaRPr lang="en-GB"/>
+          </a:p>
+        </p:txBody>
+      </p:sp>
+      <p:sp>
+        <p:nvSpPr>
+          <p:cNvPr id="12" name="TextBox 11"/>
+          <p:cNvSpPr txBox="1"/>
+          <p:nvPr/>
+        </p:nvSpPr>
+        <p:spPr>
+          <a:xfrm>
+            <a:off x="898295" y="971253"/>
+            <a:ext cx="801912" cy="1969770"/>
+          </a:xfrm>
+          <a:prstGeom prst="rect">
+            <a:avLst/>
+          </a:prstGeom>
+          <a:noFill/>
+        </p:spPr>
+        <p:txBody>
+          <a:bodyPr wrap="square" rtlCol="0">
+            <a:spAutoFit/>
+          </a:bodyPr>
+          <a:lstStyle>
+            <a:defPPr>
+              <a:defRPr lang="en-US"/>
+            </a:defPPr>
+            <a:lvl1pPr algn="r">
+              <a:defRPr sz="12200" b="0" i="0">
+                <a:solidFill>
+                  <a:schemeClr val="bg2">
+                    <a:lumMod val="40000"/>
+                    <a:lumOff val="60000"/>
+                  </a:schemeClr>
+                </a:solidFill>
+                <a:latin typeface="Arial"/>
+                <a:ea typeface="+mj-ea"/>
+                <a:cs typeface="+mj-cs"/>
+              </a:defRPr>
+            </a:lvl1pPr>
+          </a:lstStyle>
+          <a:p>
+            <a:pPr lvl="0"/>
+            <a:r>
+              <a:rPr lang="en-US" dirty="0"/>
+              <a:t>“</a:t>
+            </a:r>
+          </a:p>
+        </p:txBody>
+      </p:sp>
+      <p:sp>
+        <p:nvSpPr>
+          <p:cNvPr id="15" name="TextBox 14"/>
+          <p:cNvSpPr txBox="1"/>
+          <p:nvPr/>
+        </p:nvSpPr>
+        <p:spPr>
+          <a:xfrm>
+            <a:off x="9330490" y="2613787"/>
+            <a:ext cx="801912" cy="1969770"/>
+          </a:xfrm>
+          <a:prstGeom prst="rect">
+            <a:avLst/>
+          </a:prstGeom>
+          <a:noFill/>
+        </p:spPr>
+        <p:txBody>
+          <a:bodyPr wrap="square" rtlCol="0">
+            <a:spAutoFit/>
+          </a:bodyPr>
+          <a:lstStyle>
+            <a:defPPr>
+              <a:defRPr lang="en-US"/>
+            </a:defPPr>
+            <a:lvl1pPr algn="r">
+              <a:defRPr sz="12200" b="0" i="0">
+                <a:solidFill>
+                  <a:schemeClr val="bg2">
+                    <a:lumMod val="40000"/>
+                    <a:lumOff val="60000"/>
+                  </a:schemeClr>
+                </a:solidFill>
+                <a:latin typeface="Arial"/>
+                <a:ea typeface="+mj-ea"/>
+                <a:cs typeface="+mj-cs"/>
+              </a:defRPr>
+            </a:lvl1pPr>
+          </a:lstStyle>
+          <a:p>
+            <a:pPr lvl="0"/>
+            <a:r>
+              <a:rPr lang="en-US" dirty="0"/>
+              <a:t>”</a:t>
+            </a:r>
+          </a:p>
+        </p:txBody>
+      </p:sp>
+    </p:spTree>
+    <p:extLst>
+      <p:ext uri="{BB962C8B-B14F-4D97-AF65-F5344CB8AC3E}">
+        <p14:creationId xmlns:p14="http://schemas.microsoft.com/office/powerpoint/2010/main" val="3161617146"/>
+      </p:ext>
+    </p:extLst>
+  </p:cSld>
+  <p:clrMapOvr>
+    <a:masterClrMapping/>
+  </p:clrMapOvr>
+</p:sldLayout>
+</file>
+
+<file path=ppt/slideLayouts/slideLayout13.xml><?xml version="1.0" encoding="utf-8"?>
+<p:sldLayout xmlns:a="http://schemas.openxmlformats.org/drawingml/2006/main" xmlns:r="http://schemas.openxmlformats.org/officeDocument/2006/relationships" xmlns:p="http://schemas.openxmlformats.org/presentationml/2006/main" preserve="1">
+  <p:cSld name="Name Card">
+    <p:spTree>
+      <p:nvGrpSpPr>
+        <p:cNvPr id="1" name=""/>
+        <p:cNvGrpSpPr/>
+        <p:nvPr/>
+      </p:nvGrpSpPr>
+      <p:grpSpPr>
+        <a:xfrm>
+          <a:off x="0" y="0"/>
+          <a:ext cx="0" cy="0"/>
+          <a:chOff x="0" y="0"/>
+          <a:chExt cx="0" cy="0"/>
+        </a:xfrm>
+      </p:grpSpPr>
+      <p:sp>
+        <p:nvSpPr>
+          <p:cNvPr id="2" name="Title 1"/>
+          <p:cNvSpPr>
+            <a:spLocks noGrp="1"/>
+          </p:cNvSpPr>
+          <p:nvPr>
+            <p:ph type="title"/>
+          </p:nvPr>
+        </p:nvSpPr>
+        <p:spPr>
+          <a:xfrm>
+            <a:off x="1154954" y="3124201"/>
+            <a:ext cx="8825660" cy="1653180"/>
+          </a:xfrm>
+        </p:spPr>
+        <p:txBody>
+          <a:bodyPr anchor="b"/>
+          <a:lstStyle>
+            <a:lvl1pPr algn="l">
+              <a:defRPr sz="4000" b="0" cap="none"/>
+            </a:lvl1pPr>
+          </a:lstStyle>
+          <a:p>
+            <a:r>
+              <a:rPr lang="en-US"/>
+              <a:t>Click to edit Master title style</a:t>
+            </a:r>
+            <a:endParaRPr lang="en-US" dirty="0"/>
+          </a:p>
+        </p:txBody>
+      </p:sp>
+      <p:sp>
+        <p:nvSpPr>
+          <p:cNvPr id="3" name="Text Placeholder 2"/>
+          <p:cNvSpPr>
+            <a:spLocks noGrp="1"/>
+          </p:cNvSpPr>
+          <p:nvPr>
+            <p:ph type="body" idx="1"/>
+          </p:nvPr>
+        </p:nvSpPr>
+        <p:spPr>
+          <a:xfrm>
+            <a:off x="1154954" y="4777381"/>
+            <a:ext cx="8825659" cy="860400"/>
+          </a:xfrm>
+        </p:spPr>
+        <p:txBody>
+          <a:bodyPr anchor="t"/>
+          <a:lstStyle>
+            <a:lvl1pPr marL="0" indent="0" algn="l">
+              <a:buNone/>
+              <a:defRPr sz="2000" cap="none">
+                <a:solidFill>
+                  <a:schemeClr val="bg2">
+                    <a:lumMod val="40000"/>
+                    <a:lumOff val="60000"/>
+                  </a:schemeClr>
+                </a:solidFill>
+              </a:defRPr>
+            </a:lvl1pPr>
+            <a:lvl2pPr marL="457200" indent="0">
+              <a:buNone/>
+              <a:defRPr sz="1800">
+                <a:solidFill>
+                  <a:schemeClr val="tx1">
+                    <a:tint val="75000"/>
+                  </a:schemeClr>
+                </a:solidFill>
+              </a:defRPr>
+            </a:lvl2pPr>
+            <a:lvl3pPr marL="914400" indent="0">
+              <a:buNone/>
+              <a:defRPr sz="1600">
+                <a:solidFill>
+                  <a:schemeClr val="tx1">
+                    <a:tint val="75000"/>
+                  </a:schemeClr>
+                </a:solidFill>
+              </a:defRPr>
+            </a:lvl3pPr>
+            <a:lvl4pPr marL="1371600" indent="0">
+              <a:buNone/>
+              <a:defRPr sz="1400">
+                <a:solidFill>
+                  <a:schemeClr val="tx1">
+                    <a:tint val="75000"/>
+                  </a:schemeClr>
+                </a:solidFill>
+              </a:defRPr>
+            </a:lvl4pPr>
+            <a:lvl5pPr marL="1828800" indent="0">
+              <a:buNone/>
+              <a:defRPr sz="1400">
+                <a:solidFill>
+                  <a:schemeClr val="tx1">
+                    <a:tint val="75000"/>
+                  </a:schemeClr>
+                </a:solidFill>
+              </a:defRPr>
+            </a:lvl5pPr>
+            <a:lvl6pPr marL="2286000" indent="0">
+              <a:buNone/>
+              <a:defRPr sz="1400">
+                <a:solidFill>
+                  <a:schemeClr val="tx1">
+                    <a:tint val="75000"/>
+                  </a:schemeClr>
+                </a:solidFill>
+              </a:defRPr>
+            </a:lvl6pPr>
+            <a:lvl7pPr marL="2743200" indent="0">
+              <a:buNone/>
+              <a:defRPr sz="1400">
+                <a:solidFill>
+                  <a:schemeClr val="tx1">
+                    <a:tint val="75000"/>
+                  </a:schemeClr>
+                </a:solidFill>
+              </a:defRPr>
+            </a:lvl7pPr>
+            <a:lvl8pPr marL="3200400" indent="0">
+              <a:buNone/>
+              <a:defRPr sz="1400">
+                <a:solidFill>
+                  <a:schemeClr val="tx1">
+                    <a:tint val="75000"/>
+                  </a:schemeClr>
+                </a:solidFill>
+              </a:defRPr>
+            </a:lvl8pPr>
+            <a:lvl9pPr marL="3657600" indent="0">
+              <a:buNone/>
+              <a:defRPr sz="1400">
+                <a:solidFill>
+                  <a:schemeClr val="tx1">
+                    <a:tint val="75000"/>
+                  </a:schemeClr>
+                </a:solidFill>
+              </a:defRPr>
+            </a:lvl9pPr>
+          </a:lstStyle>
+          <a:p>
+            <a:pPr lvl="0"/>
+            <a:r>
+              <a:rPr lang="en-US"/>
+              <a:t>Click to edit Master text styles</a:t>
+            </a:r>
+          </a:p>
+        </p:txBody>
+      </p:sp>
+      <p:sp>
+        <p:nvSpPr>
+          <p:cNvPr id="4" name="Date Placeholder 3"/>
+          <p:cNvSpPr>
+            <a:spLocks noGrp="1"/>
+          </p:cNvSpPr>
+          <p:nvPr>
+            <p:ph type="dt" sz="half" idx="10"/>
+          </p:nvPr>
+        </p:nvSpPr>
+        <p:spPr/>
+        <p:txBody>
+          <a:bodyPr/>
+          <a:lstStyle/>
+          <a:p>
+            <a:fld id="{6F67D289-0847-4A7F-A587-1F4431DE23A3}" type="datetimeFigureOut">
+              <a:rPr lang="en-GB" smtClean="0"/>
+              <a:t>29/06/2021</a:t>
+            </a:fld>
+            <a:endParaRPr lang="en-GB"/>
+          </a:p>
+        </p:txBody>
+      </p:sp>
+      <p:sp>
+        <p:nvSpPr>
+          <p:cNvPr id="5" name="Footer Placeholder 4"/>
+          <p:cNvSpPr>
+            <a:spLocks noGrp="1"/>
+          </p:cNvSpPr>
+          <p:nvPr>
+            <p:ph type="ftr" sz="quarter" idx="11"/>
+          </p:nvPr>
+        </p:nvSpPr>
+        <p:spPr/>
+        <p:txBody>
+          <a:bodyPr/>
+          <a:lstStyle/>
+          <a:p>
+            <a:endParaRPr lang="en-GB"/>
+          </a:p>
+        </p:txBody>
+      </p:sp>
+      <p:sp>
+        <p:nvSpPr>
+          <p:cNvPr id="6" name="Slide Number Placeholder 5"/>
+          <p:cNvSpPr>
+            <a:spLocks noGrp="1"/>
+          </p:cNvSpPr>
+          <p:nvPr>
+            <p:ph type="sldNum" sz="quarter" idx="12"/>
+          </p:nvPr>
+        </p:nvSpPr>
+        <p:spPr/>
+        <p:txBody>
+          <a:bodyPr/>
+          <a:lstStyle/>
+          <a:p>
+            <a:fld id="{8A48CC1F-C91D-43F7-A9EF-A62610DB53E4}" type="slidenum">
+              <a:rPr lang="en-GB" smtClean="0"/>
+              <a:t>‹#›</a:t>
+            </a:fld>
+            <a:endParaRPr lang="en-GB"/>
+          </a:p>
+        </p:txBody>
+      </p:sp>
+    </p:spTree>
+    <p:extLst>
+      <p:ext uri="{BB962C8B-B14F-4D97-AF65-F5344CB8AC3E}">
+        <p14:creationId xmlns:p14="http://schemas.microsoft.com/office/powerpoint/2010/main" val="2346389048"/>
+      </p:ext>
+    </p:extLst>
+  </p:cSld>
+  <p:clrMapOvr>
+    <a:masterClrMapping/>
+  </p:clrMapOvr>
+</p:sldLayout>
+</file>
+
+<file path=ppt/slideLayouts/slideLayout14.xml><?xml version="1.0" encoding="utf-8"?>
+<p:sldLayout xmlns:a="http://schemas.openxmlformats.org/drawingml/2006/main" xmlns:r="http://schemas.openxmlformats.org/officeDocument/2006/relationships" xmlns:p="http://schemas.openxmlformats.org/presentationml/2006/main" preserve="1">
+  <p:cSld name="3 Column">
+    <p:spTree>
+      <p:nvGrpSpPr>
+        <p:cNvPr id="1" name=""/>
+        <p:cNvGrpSpPr/>
+        <p:nvPr/>
+      </p:nvGrpSpPr>
+      <p:grpSpPr>
+        <a:xfrm>
+          <a:off x="0" y="0"/>
+          <a:ext cx="0" cy="0"/>
+          <a:chOff x="0" y="0"/>
+          <a:chExt cx="0" cy="0"/>
+        </a:xfrm>
+      </p:grpSpPr>
+      <p:sp>
+        <p:nvSpPr>
+          <p:cNvPr id="2" name="Title 1"/>
+          <p:cNvSpPr>
+            <a:spLocks noGrp="1"/>
+          </p:cNvSpPr>
+          <p:nvPr>
+            <p:ph type="title"/>
+          </p:nvPr>
+        </p:nvSpPr>
+        <p:spPr/>
+        <p:txBody>
+          <a:bodyPr/>
+          <a:lstStyle>
+            <a:lvl1pPr>
+              <a:defRPr sz="4200"/>
+            </a:lvl1pPr>
+          </a:lstStyle>
+          <a:p>
+            <a:r>
+              <a:rPr lang="en-US"/>
+              <a:t>Click to edit Master title style</a:t>
+            </a:r>
+            <a:endParaRPr lang="en-US" dirty="0"/>
+          </a:p>
+        </p:txBody>
+      </p:sp>
+      <p:sp>
+        <p:nvSpPr>
+          <p:cNvPr id="3" name="Text Placeholder 2"/>
+          <p:cNvSpPr>
+            <a:spLocks noGrp="1"/>
+          </p:cNvSpPr>
+          <p:nvPr>
+            <p:ph type="body" idx="1"/>
+          </p:nvPr>
+        </p:nvSpPr>
+        <p:spPr>
+          <a:xfrm>
+            <a:off x="632947" y="1981200"/>
+            <a:ext cx="2946866" cy="576262"/>
+          </a:xfrm>
+        </p:spPr>
+        <p:txBody>
+          <a:bodyPr anchor="b">
+            <a:noAutofit/>
+          </a:bodyPr>
+          <a:lstStyle>
+            <a:lvl1pPr marL="0" indent="0">
+              <a:buNone/>
+              <a:defRPr sz="2400" b="0">
+                <a:solidFill>
+                  <a:schemeClr val="bg2">
+                    <a:lumMod val="40000"/>
+                    <a:lumOff val="60000"/>
+                  </a:schemeClr>
+                </a:solidFill>
+              </a:defRPr>
+            </a:lvl1pPr>
+            <a:lvl2pPr marL="457200" indent="0">
+              <a:buNone/>
+              <a:defRPr sz="2000" b="1"/>
+            </a:lvl2pPr>
+            <a:lvl3pPr marL="914400" indent="0">
+              <a:buNone/>
+              <a:defRPr sz="1800" b="1"/>
+            </a:lvl3pPr>
+            <a:lvl4pPr marL="1371600" indent="0">
+              <a:buNone/>
+              <a:defRPr sz="1600" b="1"/>
+            </a:lvl4pPr>
+            <a:lvl5pPr marL="1828800" indent="0">
+              <a:buNone/>
+              <a:defRPr sz="1600" b="1"/>
+            </a:lvl5pPr>
+            <a:lvl6pPr marL="2286000" indent="0">
+              <a:buNone/>
+              <a:defRPr sz="1600" b="1"/>
+            </a:lvl6pPr>
+            <a:lvl7pPr marL="2743200" indent="0">
+              <a:buNone/>
+              <a:defRPr sz="1600" b="1"/>
+            </a:lvl7pPr>
+            <a:lvl8pPr marL="3200400" indent="0">
+              <a:buNone/>
+              <a:defRPr sz="1600" b="1"/>
+            </a:lvl8pPr>
+            <a:lvl9pPr marL="3657600" indent="0">
+              <a:buNone/>
+              <a:defRPr sz="1600" b="1"/>
+            </a:lvl9pPr>
+          </a:lstStyle>
+          <a:p>
+            <a:pPr lvl="0"/>
+            <a:r>
+              <a:rPr lang="en-US"/>
+              <a:t>Click to edit Master text styles</a:t>
+            </a:r>
+          </a:p>
+        </p:txBody>
+      </p:sp>
+      <p:sp>
+        <p:nvSpPr>
+          <p:cNvPr id="16" name="Text Placeholder 3"/>
+          <p:cNvSpPr>
+            <a:spLocks noGrp="1"/>
+          </p:cNvSpPr>
+          <p:nvPr>
+            <p:ph type="body" sz="half" idx="15"/>
+          </p:nvPr>
+        </p:nvSpPr>
+        <p:spPr>
+          <a:xfrm>
+            <a:off x="652463" y="2667000"/>
+            <a:ext cx="2927350" cy="3589338"/>
+          </a:xfrm>
+        </p:spPr>
+        <p:txBody>
+          <a:bodyPr anchor="t">
+            <a:normAutofit/>
+          </a:bodyPr>
+          <a:lstStyle>
+            <a:lvl1pPr marL="0" indent="0">
+              <a:buNone/>
+              <a:defRPr sz="1400"/>
+            </a:lvl1pPr>
+            <a:lvl2pPr marL="457200" indent="0">
+              <a:buNone/>
+              <a:defRPr sz="1200"/>
+            </a:lvl2pPr>
+            <a:lvl3pPr marL="914400" indent="0">
+              <a:buNone/>
+              <a:defRPr sz="1000"/>
+            </a:lvl3pPr>
+            <a:lvl4pPr marL="1371600" indent="0">
+              <a:buNone/>
+              <a:defRPr sz="900"/>
+            </a:lvl4pPr>
+            <a:lvl5pPr marL="1828800" indent="0">
+              <a:buNone/>
+              <a:defRPr sz="900"/>
+            </a:lvl5pPr>
+            <a:lvl6pPr marL="2286000" indent="0">
+              <a:buNone/>
+              <a:defRPr sz="900"/>
+            </a:lvl6pPr>
+            <a:lvl7pPr marL="2743200" indent="0">
+              <a:buNone/>
+              <a:defRPr sz="900"/>
+            </a:lvl7pPr>
+            <a:lvl8pPr marL="3200400" indent="0">
+              <a:buNone/>
+              <a:defRPr sz="900"/>
+            </a:lvl8pPr>
+            <a:lvl9pPr marL="3657600" indent="0">
+              <a:buNone/>
+              <a:defRPr sz="900"/>
+            </a:lvl9pPr>
+          </a:lstStyle>
+          <a:p>
+            <a:pPr lvl="0"/>
+            <a:r>
+              <a:rPr lang="en-US"/>
+              <a:t>Click to edit Master text styles</a:t>
+            </a:r>
+          </a:p>
+        </p:txBody>
+      </p:sp>
+      <p:sp>
+        <p:nvSpPr>
+          <p:cNvPr id="5" name="Text Placeholder 4"/>
+          <p:cNvSpPr>
+            <a:spLocks noGrp="1"/>
+          </p:cNvSpPr>
+          <p:nvPr>
+            <p:ph type="body" sz="quarter" idx="3"/>
+          </p:nvPr>
+        </p:nvSpPr>
+        <p:spPr>
+          <a:xfrm>
+            <a:off x="3883659" y="1981200"/>
+            <a:ext cx="2936241" cy="576262"/>
+          </a:xfrm>
+        </p:spPr>
+        <p:txBody>
+          <a:bodyPr anchor="b">
+            <a:noAutofit/>
+          </a:bodyPr>
+          <a:lstStyle>
+            <a:lvl1pPr marL="0" indent="0">
+              <a:buNone/>
+              <a:defRPr sz="2400" b="0">
+                <a:solidFill>
+                  <a:schemeClr val="bg2">
+                    <a:lumMod val="40000"/>
+                    <a:lumOff val="60000"/>
+                  </a:schemeClr>
+                </a:solidFill>
+              </a:defRPr>
+            </a:lvl1pPr>
+            <a:lvl2pPr marL="457200" indent="0">
+              <a:buNone/>
+              <a:defRPr sz="2000" b="1"/>
+            </a:lvl2pPr>
+            <a:lvl3pPr marL="914400" indent="0">
+              <a:buNone/>
+              <a:defRPr sz="1800" b="1"/>
+            </a:lvl3pPr>
+            <a:lvl4pPr marL="1371600" indent="0">
+              <a:buNone/>
+              <a:defRPr sz="1600" b="1"/>
+            </a:lvl4pPr>
+            <a:lvl5pPr marL="1828800" indent="0">
+              <a:buNone/>
+              <a:defRPr sz="1600" b="1"/>
+            </a:lvl5pPr>
+            <a:lvl6pPr marL="2286000" indent="0">
+              <a:buNone/>
+              <a:defRPr sz="1600" b="1"/>
+            </a:lvl6pPr>
+            <a:lvl7pPr marL="2743200" indent="0">
+              <a:buNone/>
+              <a:defRPr sz="1600" b="1"/>
+            </a:lvl7pPr>
+            <a:lvl8pPr marL="3200400" indent="0">
+              <a:buNone/>
+              <a:defRPr sz="1600" b="1"/>
+            </a:lvl8pPr>
+            <a:lvl9pPr marL="3657600" indent="0">
+              <a:buNone/>
+              <a:defRPr sz="1600" b="1"/>
+            </a:lvl9pPr>
+          </a:lstStyle>
+          <a:p>
+            <a:pPr lvl="0"/>
+            <a:r>
+              <a:rPr lang="en-US"/>
+              <a:t>Click to edit Master text styles</a:t>
+            </a:r>
+          </a:p>
+        </p:txBody>
+      </p:sp>
+      <p:sp>
+        <p:nvSpPr>
+          <p:cNvPr id="19" name="Text Placeholder 3"/>
+          <p:cNvSpPr>
+            <a:spLocks noGrp="1"/>
+          </p:cNvSpPr>
+          <p:nvPr>
+            <p:ph type="body" sz="half" idx="16"/>
+          </p:nvPr>
+        </p:nvSpPr>
+        <p:spPr>
+          <a:xfrm>
+            <a:off x="3873106" y="2667000"/>
+            <a:ext cx="2946794" cy="3589338"/>
+          </a:xfrm>
+        </p:spPr>
+        <p:txBody>
+          <a:bodyPr anchor="t">
+            <a:normAutofit/>
+          </a:bodyPr>
+          <a:lstStyle>
+            <a:lvl1pPr marL="0" indent="0">
+              <a:buNone/>
+              <a:defRPr sz="1400"/>
+            </a:lvl1pPr>
+            <a:lvl2pPr marL="457200" indent="0">
+              <a:buNone/>
+              <a:defRPr sz="1200"/>
+            </a:lvl2pPr>
+            <a:lvl3pPr marL="914400" indent="0">
+              <a:buNone/>
+              <a:defRPr sz="1000"/>
+            </a:lvl3pPr>
+            <a:lvl4pPr marL="1371600" indent="0">
+              <a:buNone/>
+              <a:defRPr sz="900"/>
+            </a:lvl4pPr>
+            <a:lvl5pPr marL="1828800" indent="0">
+              <a:buNone/>
+              <a:defRPr sz="900"/>
+            </a:lvl5pPr>
+            <a:lvl6pPr marL="2286000" indent="0">
+              <a:buNone/>
+              <a:defRPr sz="900"/>
+            </a:lvl6pPr>
+            <a:lvl7pPr marL="2743200" indent="0">
+              <a:buNone/>
+              <a:defRPr sz="900"/>
+            </a:lvl7pPr>
+            <a:lvl8pPr marL="3200400" indent="0">
+              <a:buNone/>
+              <a:defRPr sz="900"/>
+            </a:lvl8pPr>
+            <a:lvl9pPr marL="3657600" indent="0">
+              <a:buNone/>
+              <a:defRPr sz="900"/>
+            </a:lvl9pPr>
+          </a:lstStyle>
+          <a:p>
+            <a:pPr lvl="0"/>
+            <a:r>
+              <a:rPr lang="en-US"/>
+              <a:t>Click to edit Master text styles</a:t>
+            </a:r>
+          </a:p>
+        </p:txBody>
+      </p:sp>
+      <p:sp>
+        <p:nvSpPr>
+          <p:cNvPr id="14" name="Text Placeholder 4"/>
+          <p:cNvSpPr>
+            <a:spLocks noGrp="1"/>
+          </p:cNvSpPr>
+          <p:nvPr>
+            <p:ph type="body" sz="quarter" idx="13"/>
+          </p:nvPr>
+        </p:nvSpPr>
+        <p:spPr>
+          <a:xfrm>
+            <a:off x="7124700" y="1981200"/>
+            <a:ext cx="2932113" cy="576262"/>
+          </a:xfrm>
+        </p:spPr>
+        <p:txBody>
+          <a:bodyPr anchor="b">
+            <a:noAutofit/>
+          </a:bodyPr>
+          <a:lstStyle>
+            <a:lvl1pPr marL="0" indent="0">
+              <a:buNone/>
+              <a:defRPr sz="2400" b="0">
+                <a:solidFill>
+                  <a:schemeClr val="bg2">
+                    <a:lumMod val="40000"/>
+                    <a:lumOff val="60000"/>
+                  </a:schemeClr>
+                </a:solidFill>
+              </a:defRPr>
+            </a:lvl1pPr>
+            <a:lvl2pPr marL="457200" indent="0">
+              <a:buNone/>
+              <a:defRPr sz="2000" b="1"/>
+            </a:lvl2pPr>
+            <a:lvl3pPr marL="914400" indent="0">
+              <a:buNone/>
+              <a:defRPr sz="1800" b="1"/>
+            </a:lvl3pPr>
+            <a:lvl4pPr marL="1371600" indent="0">
+              <a:buNone/>
+              <a:defRPr sz="1600" b="1"/>
+            </a:lvl4pPr>
+            <a:lvl5pPr marL="1828800" indent="0">
+              <a:buNone/>
+              <a:defRPr sz="1600" b="1"/>
+            </a:lvl5pPr>
+            <a:lvl6pPr marL="2286000" indent="0">
+              <a:buNone/>
+              <a:defRPr sz="1600" b="1"/>
+            </a:lvl6pPr>
+            <a:lvl7pPr marL="2743200" indent="0">
+              <a:buNone/>
+              <a:defRPr sz="1600" b="1"/>
+            </a:lvl7pPr>
+            <a:lvl8pPr marL="3200400" indent="0">
+              <a:buNone/>
+              <a:defRPr sz="1600" b="1"/>
+            </a:lvl8pPr>
+            <a:lvl9pPr marL="3657600" indent="0">
+              <a:buNone/>
+              <a:defRPr sz="1600" b="1"/>
+            </a:lvl9pPr>
+          </a:lstStyle>
+          <a:p>
+            <a:pPr lvl="0"/>
+            <a:r>
+              <a:rPr lang="en-US"/>
+              <a:t>Click to edit Master text styles</a:t>
+            </a:r>
+          </a:p>
+        </p:txBody>
+      </p:sp>
+      <p:sp>
+        <p:nvSpPr>
+          <p:cNvPr id="20" name="Text Placeholder 3"/>
+          <p:cNvSpPr>
+            <a:spLocks noGrp="1"/>
+          </p:cNvSpPr>
+          <p:nvPr>
+            <p:ph type="body" sz="half" idx="17"/>
+          </p:nvPr>
+        </p:nvSpPr>
+        <p:spPr>
+          <a:xfrm>
+            <a:off x="7124700" y="2667000"/>
+            <a:ext cx="2932113" cy="3589338"/>
+          </a:xfrm>
+        </p:spPr>
+        <p:txBody>
+          <a:bodyPr anchor="t">
+            <a:normAutofit/>
+          </a:bodyPr>
+          <a:lstStyle>
+            <a:lvl1pPr marL="0" indent="0">
+              <a:buNone/>
+              <a:defRPr sz="1400"/>
+            </a:lvl1pPr>
+            <a:lvl2pPr marL="457200" indent="0">
+              <a:buNone/>
+              <a:defRPr sz="1200"/>
+            </a:lvl2pPr>
+            <a:lvl3pPr marL="914400" indent="0">
+              <a:buNone/>
+              <a:defRPr sz="1000"/>
+            </a:lvl3pPr>
+            <a:lvl4pPr marL="1371600" indent="0">
+              <a:buNone/>
+              <a:defRPr sz="900"/>
+            </a:lvl4pPr>
+            <a:lvl5pPr marL="1828800" indent="0">
+              <a:buNone/>
+              <a:defRPr sz="900"/>
+            </a:lvl5pPr>
+            <a:lvl6pPr marL="2286000" indent="0">
+              <a:buNone/>
+              <a:defRPr sz="900"/>
+            </a:lvl6pPr>
+            <a:lvl7pPr marL="2743200" indent="0">
+              <a:buNone/>
+              <a:defRPr sz="900"/>
+            </a:lvl7pPr>
+            <a:lvl8pPr marL="3200400" indent="0">
+              <a:buNone/>
+              <a:defRPr sz="900"/>
+            </a:lvl8pPr>
+            <a:lvl9pPr marL="3657600" indent="0">
+              <a:buNone/>
+              <a:defRPr sz="900"/>
+            </a:lvl9pPr>
+          </a:lstStyle>
+          <a:p>
+            <a:pPr lvl="0"/>
+            <a:r>
+              <a:rPr lang="en-US"/>
+              <a:t>Click to edit Master text styles</a:t>
+            </a:r>
+          </a:p>
+        </p:txBody>
+      </p:sp>
+      <p:cxnSp>
+        <p:nvCxnSpPr>
+          <p:cNvPr id="17" name="Straight Connector 16"/>
+          <p:cNvCxnSpPr/>
+          <p:nvPr/>
+        </p:nvCxnSpPr>
+        <p:spPr>
+          <a:xfrm>
+            <a:off x="3726142" y="2133600"/>
+            <a:ext cx="0" cy="3962400"/>
+          </a:xfrm>
+          <a:prstGeom prst="line">
+            <a:avLst/>
+          </a:prstGeom>
+          <a:ln w="12700" cmpd="sng">
+            <a:solidFill>
+              <a:schemeClr val="bg2">
+                <a:lumMod val="40000"/>
+                <a:lumOff val="60000"/>
+                <a:alpha val="40000"/>
+              </a:schemeClr>
+            </a:solidFill>
+          </a:ln>
+        </p:spPr>
+        <p:style>
+          <a:lnRef idx="2">
+            <a:schemeClr val="accent1"/>
+          </a:lnRef>
+          <a:fillRef idx="0">
+            <a:schemeClr val="accent1"/>
+          </a:fillRef>
+          <a:effectRef idx="1">
+            <a:schemeClr val="accent1"/>
+          </a:effectRef>
+          <a:fontRef idx="minor">
+            <a:schemeClr val="tx1"/>
+          </a:fontRef>
+        </p:style>
+      </p:cxnSp>
+      <p:cxnSp>
+        <p:nvCxnSpPr>
+          <p:cNvPr id="18" name="Straight Connector 17"/>
+          <p:cNvCxnSpPr/>
+          <p:nvPr/>
+        </p:nvCxnSpPr>
+        <p:spPr>
+          <a:xfrm>
+            <a:off x="6962227" y="2133600"/>
+            <a:ext cx="0" cy="3966882"/>
+          </a:xfrm>
+          <a:prstGeom prst="line">
+            <a:avLst/>
+          </a:prstGeom>
+          <a:ln w="12700" cmpd="sng">
+            <a:solidFill>
+              <a:schemeClr val="bg2">
+                <a:lumMod val="40000"/>
+                <a:lumOff val="60000"/>
+                <a:alpha val="40000"/>
+              </a:schemeClr>
+            </a:solidFill>
+          </a:ln>
+        </p:spPr>
+        <p:style>
+          <a:lnRef idx="2">
+            <a:schemeClr val="accent1"/>
+          </a:lnRef>
+          <a:fillRef idx="0">
+            <a:schemeClr val="accent1"/>
+          </a:fillRef>
+          <a:effectRef idx="1">
+            <a:schemeClr val="accent1"/>
+          </a:effectRef>
+          <a:fontRef idx="minor">
+            <a:schemeClr val="tx1"/>
+          </a:fontRef>
+        </p:style>
+      </p:cxnSp>
+      <p:sp>
+        <p:nvSpPr>
+          <p:cNvPr id="7" name="Date Placeholder 3"/>
+          <p:cNvSpPr>
+            <a:spLocks noGrp="1"/>
+          </p:cNvSpPr>
+          <p:nvPr>
+            <p:ph type="dt" sz="half" idx="10"/>
+          </p:nvPr>
+        </p:nvSpPr>
+        <p:spPr/>
+        <p:txBody>
+          <a:bodyPr/>
+          <a:lstStyle/>
+          <a:p>
+            <a:fld id="{6F67D289-0847-4A7F-A587-1F4431DE23A3}" type="datetimeFigureOut">
+              <a:rPr lang="en-GB" smtClean="0"/>
+              <a:t>29/06/2021</a:t>
+            </a:fld>
+            <a:endParaRPr lang="en-GB"/>
+          </a:p>
+        </p:txBody>
+      </p:sp>
+      <p:sp>
+        <p:nvSpPr>
+          <p:cNvPr id="4" name="Footer Placeholder 4"/>
+          <p:cNvSpPr>
+            <a:spLocks noGrp="1"/>
+          </p:cNvSpPr>
+          <p:nvPr>
+            <p:ph type="ftr" sz="quarter" idx="11"/>
+          </p:nvPr>
+        </p:nvSpPr>
+        <p:spPr/>
+        <p:txBody>
+          <a:bodyPr/>
+          <a:lstStyle/>
+          <a:p>
+            <a:endParaRPr lang="en-GB"/>
+          </a:p>
+        </p:txBody>
+      </p:sp>
+      <p:sp>
+        <p:nvSpPr>
+          <p:cNvPr id="6" name="Slide Number Placeholder 5"/>
+          <p:cNvSpPr>
+            <a:spLocks noGrp="1"/>
+          </p:cNvSpPr>
+          <p:nvPr>
+            <p:ph type="sldNum" sz="quarter" idx="12"/>
+          </p:nvPr>
+        </p:nvSpPr>
+        <p:spPr/>
+        <p:txBody>
+          <a:bodyPr/>
+          <a:lstStyle/>
+          <a:p>
+            <a:fld id="{8A48CC1F-C91D-43F7-A9EF-A62610DB53E4}" type="slidenum">
+              <a:rPr lang="en-GB" smtClean="0"/>
+              <a:t>‹#›</a:t>
+            </a:fld>
+            <a:endParaRPr lang="en-GB"/>
+          </a:p>
+        </p:txBody>
+      </p:sp>
+    </p:spTree>
+    <p:extLst>
+      <p:ext uri="{BB962C8B-B14F-4D97-AF65-F5344CB8AC3E}">
+        <p14:creationId xmlns:p14="http://schemas.microsoft.com/office/powerpoint/2010/main" val="516115660"/>
+      </p:ext>
+    </p:extLst>
+  </p:cSld>
+  <p:clrMapOvr>
+    <a:masterClrMapping/>
+  </p:clrMapOvr>
+</p:sldLayout>
+</file>
+
+<file path=ppt/slideLayouts/slideLayout15.xml><?xml version="1.0" encoding="utf-8"?>
+<p:sldLayout xmlns:a="http://schemas.openxmlformats.org/drawingml/2006/main" xmlns:r="http://schemas.openxmlformats.org/officeDocument/2006/relationships" xmlns:p="http://schemas.openxmlformats.org/presentationml/2006/main" preserve="1">
+  <p:cSld name="3 Picture Column">
+    <p:spTree>
+      <p:nvGrpSpPr>
+        <p:cNvPr id="1" name=""/>
+        <p:cNvGrpSpPr/>
+        <p:nvPr/>
+      </p:nvGrpSpPr>
+      <p:grpSpPr>
+        <a:xfrm>
+          <a:off x="0" y="0"/>
+          <a:ext cx="0" cy="0"/>
+          <a:chOff x="0" y="0"/>
+          <a:chExt cx="0" cy="0"/>
+        </a:xfrm>
+      </p:grpSpPr>
+      <p:sp>
+        <p:nvSpPr>
+          <p:cNvPr id="2" name="Title 1"/>
+          <p:cNvSpPr>
+            <a:spLocks noGrp="1"/>
+          </p:cNvSpPr>
+          <p:nvPr>
+            <p:ph type="title"/>
+          </p:nvPr>
+        </p:nvSpPr>
+        <p:spPr/>
+        <p:txBody>
+          <a:bodyPr/>
+          <a:lstStyle>
+            <a:lvl1pPr>
+              <a:defRPr sz="4200"/>
+            </a:lvl1pPr>
+          </a:lstStyle>
+          <a:p>
+            <a:r>
+              <a:rPr lang="en-US"/>
+              <a:t>Click to edit Master title style</a:t>
+            </a:r>
+            <a:endParaRPr lang="en-US" dirty="0"/>
+          </a:p>
+        </p:txBody>
+      </p:sp>
+      <p:sp>
+        <p:nvSpPr>
+          <p:cNvPr id="3" name="Text Placeholder 2"/>
+          <p:cNvSpPr>
+            <a:spLocks noGrp="1"/>
+          </p:cNvSpPr>
+          <p:nvPr>
+            <p:ph type="body" idx="1"/>
+          </p:nvPr>
+        </p:nvSpPr>
+        <p:spPr>
+          <a:xfrm>
+            <a:off x="652463" y="4250949"/>
+            <a:ext cx="2940050" cy="576262"/>
+          </a:xfrm>
+        </p:spPr>
+        <p:txBody>
+          <a:bodyPr anchor="b">
+            <a:noAutofit/>
+          </a:bodyPr>
+          <a:lstStyle>
+            <a:lvl1pPr marL="0" indent="0">
+              <a:buNone/>
+              <a:defRPr sz="2400" b="0">
+                <a:solidFill>
+                  <a:schemeClr val="bg2">
+                    <a:lumMod val="40000"/>
+                    <a:lumOff val="60000"/>
+                  </a:schemeClr>
+                </a:solidFill>
+              </a:defRPr>
+            </a:lvl1pPr>
+            <a:lvl2pPr marL="457200" indent="0">
+              <a:buNone/>
+              <a:defRPr sz="2000" b="1"/>
+            </a:lvl2pPr>
+            <a:lvl3pPr marL="914400" indent="0">
+              <a:buNone/>
+              <a:defRPr sz="1800" b="1"/>
+            </a:lvl3pPr>
+            <a:lvl4pPr marL="1371600" indent="0">
+              <a:buNone/>
+              <a:defRPr sz="1600" b="1"/>
+            </a:lvl4pPr>
+            <a:lvl5pPr marL="1828800" indent="0">
+              <a:buNone/>
+              <a:defRPr sz="1600" b="1"/>
+            </a:lvl5pPr>
+            <a:lvl6pPr marL="2286000" indent="0">
+              <a:buNone/>
+              <a:defRPr sz="1600" b="1"/>
+            </a:lvl6pPr>
+            <a:lvl7pPr marL="2743200" indent="0">
+              <a:buNone/>
+              <a:defRPr sz="1600" b="1"/>
+            </a:lvl7pPr>
+            <a:lvl8pPr marL="3200400" indent="0">
+              <a:buNone/>
+              <a:defRPr sz="1600" b="1"/>
+            </a:lvl8pPr>
+            <a:lvl9pPr marL="3657600" indent="0">
+              <a:buNone/>
+              <a:defRPr sz="1600" b="1"/>
+            </a:lvl9pPr>
+          </a:lstStyle>
+          <a:p>
+            <a:pPr lvl="0"/>
+            <a:r>
+              <a:rPr lang="en-US"/>
+              <a:t>Click to edit Master text styles</a:t>
+            </a:r>
+          </a:p>
+        </p:txBody>
+      </p:sp>
+      <p:sp>
+        <p:nvSpPr>
+          <p:cNvPr id="29" name="Picture Placeholder 2"/>
+          <p:cNvSpPr>
+            <a:spLocks noGrp="1" noChangeAspect="1"/>
+          </p:cNvSpPr>
+          <p:nvPr>
+            <p:ph type="pic" idx="15"/>
+          </p:nvPr>
+        </p:nvSpPr>
+        <p:spPr>
+          <a:xfrm>
+            <a:off x="652463" y="2209800"/>
+            <a:ext cx="2940050" cy="1524000"/>
+          </a:xfrm>
+          <a:prstGeom prst="roundRect">
+            <a:avLst>
+              <a:gd name="adj" fmla="val 1858"/>
+            </a:avLst>
+          </a:prstGeom>
+          <a:effectLst>
+            <a:outerShdw blurRad="50800" dist="50800" dir="5400000" algn="tl" rotWithShape="0">
+              <a:srgbClr val="000000">
+                <a:alpha val="43000"/>
+              </a:srgbClr>
+            </a:outerShdw>
+          </a:effectLst>
+        </p:spPr>
+        <p:txBody>
+          <a:bodyPr anchor="t">
+            <a:normAutofit/>
+          </a:bodyPr>
+          <a:lstStyle>
+            <a:lvl1pPr marL="0" indent="0" algn="ctr">
+              <a:buNone/>
+              <a:defRPr sz="1600"/>
+            </a:lvl1pPr>
+            <a:lvl2pPr marL="457200" indent="0">
+              <a:buNone/>
+              <a:defRPr sz="1600"/>
+            </a:lvl2pPr>
+            <a:lvl3pPr marL="914400" indent="0">
+              <a:buNone/>
+              <a:defRPr sz="1600"/>
+            </a:lvl3pPr>
+            <a:lvl4pPr marL="1371600" indent="0">
+              <a:buNone/>
+              <a:defRPr sz="1600"/>
+            </a:lvl4pPr>
+            <a:lvl5pPr marL="1828800" indent="0">
+              <a:buNone/>
+              <a:defRPr sz="1600"/>
+            </a:lvl5pPr>
+            <a:lvl6pPr marL="2286000" indent="0">
+              <a:buNone/>
+              <a:defRPr sz="1600"/>
+            </a:lvl6pPr>
+            <a:lvl7pPr marL="2743200" indent="0">
+              <a:buNone/>
+              <a:defRPr sz="1600"/>
+            </a:lvl7pPr>
+            <a:lvl8pPr marL="3200400" indent="0">
+              <a:buNone/>
+              <a:defRPr sz="1600"/>
+            </a:lvl8pPr>
+            <a:lvl9pPr marL="3657600" indent="0">
+              <a:buNone/>
+              <a:defRPr sz="1600"/>
+            </a:lvl9pPr>
+          </a:lstStyle>
+          <a:p>
+            <a:r>
+              <a:rPr lang="en-US"/>
+              <a:t>Click icon to add picture</a:t>
+            </a:r>
+            <a:endParaRPr lang="en-US" dirty="0"/>
+          </a:p>
+        </p:txBody>
+      </p:sp>
+      <p:sp>
+        <p:nvSpPr>
+          <p:cNvPr id="22" name="Text Placeholder 3"/>
+          <p:cNvSpPr>
+            <a:spLocks noGrp="1"/>
+          </p:cNvSpPr>
+          <p:nvPr>
+            <p:ph type="body" sz="half" idx="18"/>
+          </p:nvPr>
+        </p:nvSpPr>
+        <p:spPr>
+          <a:xfrm>
+            <a:off x="652463" y="4827211"/>
+            <a:ext cx="2940050" cy="659189"/>
+          </a:xfrm>
+        </p:spPr>
+        <p:txBody>
+          <a:bodyPr anchor="t">
+            <a:normAutofit/>
+          </a:bodyPr>
+          <a:lstStyle>
+            <a:lvl1pPr marL="0" indent="0">
+              <a:buNone/>
+              <a:defRPr sz="1400"/>
+            </a:lvl1pPr>
+            <a:lvl2pPr marL="457200" indent="0">
+              <a:buNone/>
+              <a:defRPr sz="1200"/>
+            </a:lvl2pPr>
+            <a:lvl3pPr marL="914400" indent="0">
+              <a:buNone/>
+              <a:defRPr sz="1000"/>
+            </a:lvl3pPr>
+            <a:lvl4pPr marL="1371600" indent="0">
+              <a:buNone/>
+              <a:defRPr sz="900"/>
+            </a:lvl4pPr>
+            <a:lvl5pPr marL="1828800" indent="0">
+              <a:buNone/>
+              <a:defRPr sz="900"/>
+            </a:lvl5pPr>
+            <a:lvl6pPr marL="2286000" indent="0">
+              <a:buNone/>
+              <a:defRPr sz="900"/>
+            </a:lvl6pPr>
+            <a:lvl7pPr marL="2743200" indent="0">
+              <a:buNone/>
+              <a:defRPr sz="900"/>
+            </a:lvl7pPr>
+            <a:lvl8pPr marL="3200400" indent="0">
+              <a:buNone/>
+              <a:defRPr sz="900"/>
+            </a:lvl8pPr>
+            <a:lvl9pPr marL="3657600" indent="0">
+              <a:buNone/>
+              <a:defRPr sz="900"/>
+            </a:lvl9pPr>
+          </a:lstStyle>
+          <a:p>
+            <a:pPr lvl="0"/>
+            <a:r>
+              <a:rPr lang="en-US"/>
+              <a:t>Click to edit Master text styles</a:t>
+            </a:r>
+          </a:p>
+        </p:txBody>
+      </p:sp>
+      <p:sp>
+        <p:nvSpPr>
+          <p:cNvPr id="5" name="Text Placeholder 4"/>
+          <p:cNvSpPr>
+            <a:spLocks noGrp="1"/>
+          </p:cNvSpPr>
+          <p:nvPr>
+            <p:ph type="body" sz="quarter" idx="3"/>
+          </p:nvPr>
+        </p:nvSpPr>
+        <p:spPr>
+          <a:xfrm>
+            <a:off x="3889375" y="4250949"/>
+            <a:ext cx="2930525" cy="576262"/>
+          </a:xfrm>
+        </p:spPr>
+        <p:txBody>
+          <a:bodyPr anchor="b">
+            <a:noAutofit/>
+          </a:bodyPr>
+          <a:lstStyle>
+            <a:lvl1pPr marL="0" indent="0">
+              <a:buNone/>
+              <a:defRPr sz="2400" b="0">
+                <a:solidFill>
+                  <a:schemeClr val="bg2">
+                    <a:lumMod val="40000"/>
+                    <a:lumOff val="60000"/>
+                  </a:schemeClr>
+                </a:solidFill>
+              </a:defRPr>
+            </a:lvl1pPr>
+            <a:lvl2pPr marL="457200" indent="0">
+              <a:buNone/>
+              <a:defRPr sz="2000" b="1"/>
+            </a:lvl2pPr>
+            <a:lvl3pPr marL="914400" indent="0">
+              <a:buNone/>
+              <a:defRPr sz="1800" b="1"/>
+            </a:lvl3pPr>
+            <a:lvl4pPr marL="1371600" indent="0">
+              <a:buNone/>
+              <a:defRPr sz="1600" b="1"/>
+            </a:lvl4pPr>
+            <a:lvl5pPr marL="1828800" indent="0">
+              <a:buNone/>
+              <a:defRPr sz="1600" b="1"/>
+            </a:lvl5pPr>
+            <a:lvl6pPr marL="2286000" indent="0">
+              <a:buNone/>
+              <a:defRPr sz="1600" b="1"/>
+            </a:lvl6pPr>
+            <a:lvl7pPr marL="2743200" indent="0">
+              <a:buNone/>
+              <a:defRPr sz="1600" b="1"/>
+            </a:lvl7pPr>
+            <a:lvl8pPr marL="3200400" indent="0">
+              <a:buNone/>
+              <a:defRPr sz="1600" b="1"/>
+            </a:lvl8pPr>
+            <a:lvl9pPr marL="3657600" indent="0">
+              <a:buNone/>
+              <a:defRPr sz="1600" b="1"/>
+            </a:lvl9pPr>
+          </a:lstStyle>
+          <a:p>
+            <a:pPr lvl="0"/>
+            <a:r>
+              <a:rPr lang="en-US"/>
+              <a:t>Click to edit Master text styles</a:t>
+            </a:r>
+          </a:p>
+        </p:txBody>
+      </p:sp>
+      <p:sp>
+        <p:nvSpPr>
+          <p:cNvPr id="30" name="Picture Placeholder 2"/>
+          <p:cNvSpPr>
+            <a:spLocks noGrp="1" noChangeAspect="1"/>
+          </p:cNvSpPr>
+          <p:nvPr>
+            <p:ph type="pic" idx="21"/>
+          </p:nvPr>
+        </p:nvSpPr>
+        <p:spPr>
+          <a:xfrm>
+            <a:off x="3889374" y="2209800"/>
+            <a:ext cx="2930525" cy="1524000"/>
+          </a:xfrm>
+          <a:prstGeom prst="roundRect">
+            <a:avLst>
+              <a:gd name="adj" fmla="val 1858"/>
+            </a:avLst>
+          </a:prstGeom>
+          <a:effectLst>
+            <a:outerShdw blurRad="50800" dist="50800" dir="5400000" algn="tl" rotWithShape="0">
+              <a:srgbClr val="000000">
+                <a:alpha val="43000"/>
+              </a:srgbClr>
+            </a:outerShdw>
+          </a:effectLst>
+        </p:spPr>
+        <p:txBody>
+          <a:bodyPr anchor="t">
+            <a:normAutofit/>
+          </a:bodyPr>
+          <a:lstStyle>
+            <a:lvl1pPr marL="0" indent="0" algn="ctr">
+              <a:buNone/>
+              <a:defRPr sz="1600"/>
+            </a:lvl1pPr>
+            <a:lvl2pPr marL="457200" indent="0">
+              <a:buNone/>
+              <a:defRPr sz="1600"/>
+            </a:lvl2pPr>
+            <a:lvl3pPr marL="914400" indent="0">
+              <a:buNone/>
+              <a:defRPr sz="1600"/>
+            </a:lvl3pPr>
+            <a:lvl4pPr marL="1371600" indent="0">
+              <a:buNone/>
+              <a:defRPr sz="1600"/>
+            </a:lvl4pPr>
+            <a:lvl5pPr marL="1828800" indent="0">
+              <a:buNone/>
+              <a:defRPr sz="1600"/>
+            </a:lvl5pPr>
+            <a:lvl6pPr marL="2286000" indent="0">
+              <a:buNone/>
+              <a:defRPr sz="1600"/>
+            </a:lvl6pPr>
+            <a:lvl7pPr marL="2743200" indent="0">
+              <a:buNone/>
+              <a:defRPr sz="1600"/>
+            </a:lvl7pPr>
+            <a:lvl8pPr marL="3200400" indent="0">
+              <a:buNone/>
+              <a:defRPr sz="1600"/>
+            </a:lvl8pPr>
+            <a:lvl9pPr marL="3657600" indent="0">
+              <a:buNone/>
+              <a:defRPr sz="1600"/>
+            </a:lvl9pPr>
+          </a:lstStyle>
+          <a:p>
+            <a:r>
+              <a:rPr lang="en-US"/>
+              <a:t>Click icon to add picture</a:t>
+            </a:r>
+            <a:endParaRPr lang="en-US" dirty="0"/>
+          </a:p>
+        </p:txBody>
+      </p:sp>
+      <p:sp>
+        <p:nvSpPr>
+          <p:cNvPr id="23" name="Text Placeholder 3"/>
+          <p:cNvSpPr>
+            <a:spLocks noGrp="1"/>
+          </p:cNvSpPr>
+          <p:nvPr>
+            <p:ph type="body" sz="half" idx="19"/>
+          </p:nvPr>
+        </p:nvSpPr>
+        <p:spPr>
+          <a:xfrm>
+            <a:off x="3888022" y="4827210"/>
+            <a:ext cx="2934406" cy="659189"/>
+          </a:xfrm>
+        </p:spPr>
+        <p:txBody>
+          <a:bodyPr anchor="t">
+            <a:normAutofit/>
+          </a:bodyPr>
+          <a:lstStyle>
+            <a:lvl1pPr marL="0" indent="0">
+              <a:buNone/>
+              <a:defRPr sz="1400"/>
+            </a:lvl1pPr>
+            <a:lvl2pPr marL="457200" indent="0">
+              <a:buNone/>
+              <a:defRPr sz="1200"/>
+            </a:lvl2pPr>
+            <a:lvl3pPr marL="914400" indent="0">
+              <a:buNone/>
+              <a:defRPr sz="1000"/>
+            </a:lvl3pPr>
+            <a:lvl4pPr marL="1371600" indent="0">
+              <a:buNone/>
+              <a:defRPr sz="900"/>
+            </a:lvl4pPr>
+            <a:lvl5pPr marL="1828800" indent="0">
+              <a:buNone/>
+              <a:defRPr sz="900"/>
+            </a:lvl5pPr>
+            <a:lvl6pPr marL="2286000" indent="0">
+              <a:buNone/>
+              <a:defRPr sz="900"/>
+            </a:lvl6pPr>
+            <a:lvl7pPr marL="2743200" indent="0">
+              <a:buNone/>
+              <a:defRPr sz="900"/>
+            </a:lvl7pPr>
+            <a:lvl8pPr marL="3200400" indent="0">
+              <a:buNone/>
+              <a:defRPr sz="900"/>
+            </a:lvl8pPr>
+            <a:lvl9pPr marL="3657600" indent="0">
+              <a:buNone/>
+              <a:defRPr sz="900"/>
+            </a:lvl9pPr>
+          </a:lstStyle>
+          <a:p>
+            <a:pPr lvl="0"/>
+            <a:r>
+              <a:rPr lang="en-US"/>
+              <a:t>Click to edit Master text styles</a:t>
+            </a:r>
+          </a:p>
+        </p:txBody>
+      </p:sp>
+      <p:sp>
+        <p:nvSpPr>
+          <p:cNvPr id="14" name="Text Placeholder 4"/>
+          <p:cNvSpPr>
+            <a:spLocks noGrp="1"/>
+          </p:cNvSpPr>
+          <p:nvPr>
+            <p:ph type="body" sz="quarter" idx="13"/>
+          </p:nvPr>
+        </p:nvSpPr>
+        <p:spPr>
+          <a:xfrm>
+            <a:off x="7124700" y="4250949"/>
+            <a:ext cx="2932113" cy="576262"/>
+          </a:xfrm>
+        </p:spPr>
+        <p:txBody>
+          <a:bodyPr anchor="b">
+            <a:noAutofit/>
+          </a:bodyPr>
+          <a:lstStyle>
+            <a:lvl1pPr marL="0" indent="0">
+              <a:buNone/>
+              <a:defRPr sz="2400" b="0">
+                <a:solidFill>
+                  <a:schemeClr val="bg2">
+                    <a:lumMod val="40000"/>
+                    <a:lumOff val="60000"/>
+                  </a:schemeClr>
+                </a:solidFill>
+              </a:defRPr>
+            </a:lvl1pPr>
+            <a:lvl2pPr marL="457200" indent="0">
+              <a:buNone/>
+              <a:defRPr sz="2000" b="1"/>
+            </a:lvl2pPr>
+            <a:lvl3pPr marL="914400" indent="0">
+              <a:buNone/>
+              <a:defRPr sz="1800" b="1"/>
+            </a:lvl3pPr>
+            <a:lvl4pPr marL="1371600" indent="0">
+              <a:buNone/>
+              <a:defRPr sz="1600" b="1"/>
+            </a:lvl4pPr>
+            <a:lvl5pPr marL="1828800" indent="0">
+              <a:buNone/>
+              <a:defRPr sz="1600" b="1"/>
+            </a:lvl5pPr>
+            <a:lvl6pPr marL="2286000" indent="0">
+              <a:buNone/>
+              <a:defRPr sz="1600" b="1"/>
+            </a:lvl6pPr>
+            <a:lvl7pPr marL="2743200" indent="0">
+              <a:buNone/>
+              <a:defRPr sz="1600" b="1"/>
+            </a:lvl7pPr>
+            <a:lvl8pPr marL="3200400" indent="0">
+              <a:buNone/>
+              <a:defRPr sz="1600" b="1"/>
+            </a:lvl8pPr>
+            <a:lvl9pPr marL="3657600" indent="0">
+              <a:buNone/>
+              <a:defRPr sz="1600" b="1"/>
+            </a:lvl9pPr>
+          </a:lstStyle>
+          <a:p>
+            <a:pPr lvl="0"/>
+            <a:r>
+              <a:rPr lang="en-US"/>
+              <a:t>Click to edit Master text styles</a:t>
+            </a:r>
+          </a:p>
+        </p:txBody>
+      </p:sp>
+      <p:sp>
+        <p:nvSpPr>
+          <p:cNvPr id="31" name="Picture Placeholder 2"/>
+          <p:cNvSpPr>
+            <a:spLocks noGrp="1" noChangeAspect="1"/>
+          </p:cNvSpPr>
+          <p:nvPr>
+            <p:ph type="pic" idx="22"/>
+          </p:nvPr>
+        </p:nvSpPr>
+        <p:spPr>
+          <a:xfrm>
+            <a:off x="7124699" y="2209800"/>
+            <a:ext cx="2932113" cy="1524000"/>
+          </a:xfrm>
+          <a:prstGeom prst="roundRect">
+            <a:avLst>
+              <a:gd name="adj" fmla="val 1858"/>
+            </a:avLst>
+          </a:prstGeom>
+          <a:effectLst>
+            <a:outerShdw blurRad="50800" dist="50800" dir="5400000" algn="tl" rotWithShape="0">
+              <a:srgbClr val="000000">
+                <a:alpha val="43000"/>
+              </a:srgbClr>
+            </a:outerShdw>
+          </a:effectLst>
+        </p:spPr>
+        <p:txBody>
+          <a:bodyPr anchor="t">
+            <a:normAutofit/>
+          </a:bodyPr>
+          <a:lstStyle>
+            <a:lvl1pPr marL="0" indent="0" algn="ctr">
+              <a:buNone/>
+              <a:defRPr sz="1600"/>
+            </a:lvl1pPr>
+            <a:lvl2pPr marL="457200" indent="0">
+              <a:buNone/>
+              <a:defRPr sz="1600"/>
+            </a:lvl2pPr>
+            <a:lvl3pPr marL="914400" indent="0">
+              <a:buNone/>
+              <a:defRPr sz="1600"/>
+            </a:lvl3pPr>
+            <a:lvl4pPr marL="1371600" indent="0">
+              <a:buNone/>
+              <a:defRPr sz="1600"/>
+            </a:lvl4pPr>
+            <a:lvl5pPr marL="1828800" indent="0">
+              <a:buNone/>
+              <a:defRPr sz="1600"/>
+            </a:lvl5pPr>
+            <a:lvl6pPr marL="2286000" indent="0">
+              <a:buNone/>
+              <a:defRPr sz="1600"/>
+            </a:lvl6pPr>
+            <a:lvl7pPr marL="2743200" indent="0">
+              <a:buNone/>
+              <a:defRPr sz="1600"/>
+            </a:lvl7pPr>
+            <a:lvl8pPr marL="3200400" indent="0">
+              <a:buNone/>
+              <a:defRPr sz="1600"/>
+            </a:lvl8pPr>
+            <a:lvl9pPr marL="3657600" indent="0">
+              <a:buNone/>
+              <a:defRPr sz="1600"/>
+            </a:lvl9pPr>
+          </a:lstStyle>
+          <a:p>
+            <a:r>
+              <a:rPr lang="en-US"/>
+              <a:t>Click icon to add picture</a:t>
+            </a:r>
+            <a:endParaRPr lang="en-US" dirty="0"/>
+          </a:p>
+        </p:txBody>
+      </p:sp>
+      <p:sp>
+        <p:nvSpPr>
+          <p:cNvPr id="24" name="Text Placeholder 3"/>
+          <p:cNvSpPr>
+            <a:spLocks noGrp="1"/>
+          </p:cNvSpPr>
+          <p:nvPr>
+            <p:ph type="body" sz="half" idx="20"/>
+          </p:nvPr>
+        </p:nvSpPr>
+        <p:spPr>
+          <a:xfrm>
+            <a:off x="7124575" y="4827208"/>
+            <a:ext cx="2935997" cy="659189"/>
+          </a:xfrm>
+        </p:spPr>
+        <p:txBody>
+          <a:bodyPr anchor="t">
+            <a:normAutofit/>
+          </a:bodyPr>
+          <a:lstStyle>
+            <a:lvl1pPr marL="0" indent="0">
+              <a:buNone/>
+              <a:defRPr sz="1400"/>
+            </a:lvl1pPr>
+            <a:lvl2pPr marL="457200" indent="0">
+              <a:buNone/>
+              <a:defRPr sz="1200"/>
+            </a:lvl2pPr>
+            <a:lvl3pPr marL="914400" indent="0">
+              <a:buNone/>
+              <a:defRPr sz="1000"/>
+            </a:lvl3pPr>
+            <a:lvl4pPr marL="1371600" indent="0">
+              <a:buNone/>
+              <a:defRPr sz="900"/>
+            </a:lvl4pPr>
+            <a:lvl5pPr marL="1828800" indent="0">
+              <a:buNone/>
+              <a:defRPr sz="900"/>
+            </a:lvl5pPr>
+            <a:lvl6pPr marL="2286000" indent="0">
+              <a:buNone/>
+              <a:defRPr sz="900"/>
+            </a:lvl6pPr>
+            <a:lvl7pPr marL="2743200" indent="0">
+              <a:buNone/>
+              <a:defRPr sz="900"/>
+            </a:lvl7pPr>
+            <a:lvl8pPr marL="3200400" indent="0">
+              <a:buNone/>
+              <a:defRPr sz="900"/>
+            </a:lvl8pPr>
+            <a:lvl9pPr marL="3657600" indent="0">
+              <a:buNone/>
+              <a:defRPr sz="900"/>
+            </a:lvl9pPr>
+          </a:lstStyle>
+          <a:p>
+            <a:pPr lvl="0"/>
+            <a:r>
+              <a:rPr lang="en-US"/>
+              <a:t>Click to edit Master text styles</a:t>
+            </a:r>
+          </a:p>
+        </p:txBody>
+      </p:sp>
+      <p:cxnSp>
+        <p:nvCxnSpPr>
+          <p:cNvPr id="19" name="Straight Connector 18"/>
+          <p:cNvCxnSpPr/>
+          <p:nvPr/>
+        </p:nvCxnSpPr>
+        <p:spPr>
+          <a:xfrm>
+            <a:off x="3726142" y="2133600"/>
+            <a:ext cx="0" cy="3962400"/>
+          </a:xfrm>
+          <a:prstGeom prst="line">
+            <a:avLst/>
+          </a:prstGeom>
+          <a:ln w="12700" cmpd="sng">
+            <a:solidFill>
+              <a:schemeClr val="bg2">
+                <a:lumMod val="40000"/>
+                <a:lumOff val="60000"/>
+                <a:alpha val="40000"/>
+              </a:schemeClr>
+            </a:solidFill>
+          </a:ln>
+        </p:spPr>
+        <p:style>
+          <a:lnRef idx="2">
+            <a:schemeClr val="accent1"/>
+          </a:lnRef>
+          <a:fillRef idx="0">
+            <a:schemeClr val="accent1"/>
+          </a:fillRef>
+          <a:effectRef idx="1">
+            <a:schemeClr val="accent1"/>
+          </a:effectRef>
+          <a:fontRef idx="minor">
+            <a:schemeClr val="tx1"/>
+          </a:fontRef>
+        </p:style>
+      </p:cxnSp>
+      <p:cxnSp>
+        <p:nvCxnSpPr>
+          <p:cNvPr id="20" name="Straight Connector 19"/>
+          <p:cNvCxnSpPr/>
+          <p:nvPr/>
+        </p:nvCxnSpPr>
+        <p:spPr>
+          <a:xfrm>
+            <a:off x="6962227" y="2133600"/>
+            <a:ext cx="0" cy="3966882"/>
+          </a:xfrm>
+          <a:prstGeom prst="line">
+            <a:avLst/>
+          </a:prstGeom>
+          <a:ln w="12700" cmpd="sng">
+            <a:solidFill>
+              <a:schemeClr val="bg2">
+                <a:lumMod val="40000"/>
+                <a:lumOff val="60000"/>
+                <a:alpha val="40000"/>
+              </a:schemeClr>
+            </a:solidFill>
+          </a:ln>
+        </p:spPr>
+        <p:style>
+          <a:lnRef idx="2">
+            <a:schemeClr val="accent1"/>
+          </a:lnRef>
+          <a:fillRef idx="0">
+            <a:schemeClr val="accent1"/>
+          </a:fillRef>
+          <a:effectRef idx="1">
+            <a:schemeClr val="accent1"/>
+          </a:effectRef>
+          <a:fontRef idx="minor">
+            <a:schemeClr val="tx1"/>
+          </a:fontRef>
+        </p:style>
+      </p:cxnSp>
+      <p:sp>
+        <p:nvSpPr>
+          <p:cNvPr id="7" name="Date Placeholder 3"/>
+          <p:cNvSpPr>
+            <a:spLocks noGrp="1"/>
+          </p:cNvSpPr>
+          <p:nvPr>
+            <p:ph type="dt" sz="half" idx="10"/>
+          </p:nvPr>
+        </p:nvSpPr>
+        <p:spPr/>
+        <p:txBody>
+          <a:bodyPr/>
+          <a:lstStyle/>
+          <a:p>
+            <a:fld id="{6F67D289-0847-4A7F-A587-1F4431DE23A3}" type="datetimeFigureOut">
+              <a:rPr lang="en-GB" smtClean="0"/>
+              <a:t>29/06/2021</a:t>
+            </a:fld>
+            <a:endParaRPr lang="en-GB"/>
+          </a:p>
+        </p:txBody>
+      </p:sp>
+      <p:sp>
+        <p:nvSpPr>
+          <p:cNvPr id="4" name="Footer Placeholder 4"/>
+          <p:cNvSpPr>
+            <a:spLocks noGrp="1"/>
+          </p:cNvSpPr>
+          <p:nvPr>
+            <p:ph type="ftr" sz="quarter" idx="11"/>
+          </p:nvPr>
+        </p:nvSpPr>
+        <p:spPr/>
+        <p:txBody>
+          <a:bodyPr/>
+          <a:lstStyle/>
+          <a:p>
+            <a:endParaRPr lang="en-GB"/>
+          </a:p>
+        </p:txBody>
+      </p:sp>
+      <p:sp>
+        <p:nvSpPr>
+          <p:cNvPr id="6" name="Slide Number Placeholder 5"/>
+          <p:cNvSpPr>
+            <a:spLocks noGrp="1"/>
+          </p:cNvSpPr>
+          <p:nvPr>
+            <p:ph type="sldNum" sz="quarter" idx="12"/>
+          </p:nvPr>
+        </p:nvSpPr>
+        <p:spPr/>
+        <p:txBody>
+          <a:bodyPr/>
+          <a:lstStyle/>
+          <a:p>
+            <a:fld id="{8A48CC1F-C91D-43F7-A9EF-A62610DB53E4}" type="slidenum">
+              <a:rPr lang="en-GB" smtClean="0"/>
+              <a:t>‹#›</a:t>
+            </a:fld>
+            <a:endParaRPr lang="en-GB"/>
+          </a:p>
+        </p:txBody>
+      </p:sp>
+    </p:spTree>
+    <p:extLst>
+      <p:ext uri="{BB962C8B-B14F-4D97-AF65-F5344CB8AC3E}">
+        <p14:creationId xmlns:p14="http://schemas.microsoft.com/office/powerpoint/2010/main" val="4118328585"/>
+      </p:ext>
+    </p:extLst>
+  </p:cSld>
+  <p:clrMapOvr>
+    <a:masterClrMapping/>
+  </p:clrMapOvr>
+</p:sldLayout>
+</file>
+
+<file path=ppt/slideLayouts/slideLayout16.xml><?xml version="1.0" encoding="utf-8"?>
 <p:sldLayout xmlns:a="http://schemas.openxmlformats.org/drawingml/2006/main" xmlns:r="http://schemas.openxmlformats.org/officeDocument/2006/relationships" xmlns:p="http://schemas.openxmlformats.org/presentationml/2006/main" type="vertTx" preserve="1">
   <p:cSld name="Title and Vertical Text">
     <p:spTree>
@@ -367,13 +2956,7 @@
       </p:grpSpPr>
       <p:sp>
         <p:nvSpPr>
-          <p:cNvPr id="2" name="Title 1">
-            <a:extLst>
-              <a:ext uri="{FF2B5EF4-FFF2-40B4-BE49-F238E27FC236}">
-                <a16:creationId xmlns:a16="http://schemas.microsoft.com/office/drawing/2014/main" id="{C43BDA92-B6DE-42DF-A079-6326D648877C}"/>
-              </a:ext>
-            </a:extLst>
-          </p:cNvPr>
+          <p:cNvPr id="2" name="Title 1"/>
           <p:cNvSpPr>
             <a:spLocks noGrp="1"/>
           </p:cNvSpPr>
@@ -390,19 +2973,13 @@
               <a:rPr lang="en-US"/>
               <a:t>Click to edit Master title style</a:t>
             </a:r>
-            <a:endParaRPr lang="en-GB"/>
-          </a:p>
-        </p:txBody>
-      </p:sp>
-      <p:sp>
-        <p:nvSpPr>
-          <p:cNvPr id="3" name="Vertical Text Placeholder 2">
-            <a:extLst>
-              <a:ext uri="{FF2B5EF4-FFF2-40B4-BE49-F238E27FC236}">
-                <a16:creationId xmlns:a16="http://schemas.microsoft.com/office/drawing/2014/main" id="{62D5B96B-54E0-4D95-9524-F460F6600C1D}"/>
-              </a:ext>
-            </a:extLst>
-          </p:cNvPr>
+            <a:endParaRPr lang="en-US" dirty="0"/>
+          </a:p>
+        </p:txBody>
+      </p:sp>
+      <p:sp>
+        <p:nvSpPr>
+          <p:cNvPr id="3" name="Vertical Text Placeholder 2"/>
           <p:cNvSpPr>
             <a:spLocks noGrp="1"/>
           </p:cNvSpPr>
@@ -412,7 +2989,7 @@
         </p:nvSpPr>
         <p:spPr/>
         <p:txBody>
-          <a:bodyPr vert="eaVert"/>
+          <a:bodyPr vert="eaVert" anchor="t" anchorCtr="0"/>
           <a:lstStyle/>
           <a:p>
             <a:pPr lvl="0"/>
@@ -448,19 +3025,13 @@
               <a:rPr lang="en-US"/>
               <a:t>Fifth level</a:t>
             </a:r>
-            <a:endParaRPr lang="en-GB"/>
-          </a:p>
-        </p:txBody>
-      </p:sp>
-      <p:sp>
-        <p:nvSpPr>
-          <p:cNvPr id="4" name="Date Placeholder 3">
-            <a:extLst>
-              <a:ext uri="{FF2B5EF4-FFF2-40B4-BE49-F238E27FC236}">
-                <a16:creationId xmlns:a16="http://schemas.microsoft.com/office/drawing/2014/main" id="{1FEAD091-2355-4E25-B7D5-CF04DBB0CA92}"/>
-              </a:ext>
-            </a:extLst>
-          </p:cNvPr>
+            <a:endParaRPr lang="en-US" dirty="0"/>
+          </a:p>
+        </p:txBody>
+      </p:sp>
+      <p:sp>
+        <p:nvSpPr>
+          <p:cNvPr id="4" name="Date Placeholder 3"/>
           <p:cNvSpPr>
             <a:spLocks noGrp="1"/>
           </p:cNvSpPr>
@@ -475,7 +3046,7 @@
           <a:p>
             <a:fld id="{6F67D289-0847-4A7F-A587-1F4431DE23A3}" type="datetimeFigureOut">
               <a:rPr lang="en-GB" smtClean="0"/>
-              <a:t>28/06/2021</a:t>
+              <a:t>29/06/2021</a:t>
             </a:fld>
             <a:endParaRPr lang="en-GB"/>
           </a:p>
@@ -483,13 +3054,7 @@
       </p:sp>
       <p:sp>
         <p:nvSpPr>
-          <p:cNvPr id="5" name="Footer Placeholder 4">
-            <a:extLst>
-              <a:ext uri="{FF2B5EF4-FFF2-40B4-BE49-F238E27FC236}">
-                <a16:creationId xmlns:a16="http://schemas.microsoft.com/office/drawing/2014/main" id="{346363C1-7275-4EBF-BD56-886288113D6B}"/>
-              </a:ext>
-            </a:extLst>
-          </p:cNvPr>
+          <p:cNvPr id="5" name="Footer Placeholder 4"/>
           <p:cNvSpPr>
             <a:spLocks noGrp="1"/>
           </p:cNvSpPr>
@@ -508,13 +3073,7 @@
       </p:sp>
       <p:sp>
         <p:nvSpPr>
-          <p:cNvPr id="6" name="Slide Number Placeholder 5">
-            <a:extLst>
-              <a:ext uri="{FF2B5EF4-FFF2-40B4-BE49-F238E27FC236}">
-                <a16:creationId xmlns:a16="http://schemas.microsoft.com/office/drawing/2014/main" id="{083E6CA0-63DE-4597-AFB6-8405DF7D71A6}"/>
-              </a:ext>
-            </a:extLst>
-          </p:cNvPr>
+          <p:cNvPr id="6" name="Slide Number Placeholder 5"/>
           <p:cNvSpPr>
             <a:spLocks noGrp="1"/>
           </p:cNvSpPr>
@@ -538,7 +3097,7 @@
     </p:spTree>
     <p:extLst>
       <p:ext uri="{BB962C8B-B14F-4D97-AF65-F5344CB8AC3E}">
-        <p14:creationId xmlns:p14="http://schemas.microsoft.com/office/powerpoint/2010/main" val="3728336394"/>
+        <p14:creationId xmlns:p14="http://schemas.microsoft.com/office/powerpoint/2010/main" val="650245547"/>
       </p:ext>
     </p:extLst>
   </p:cSld>
@@ -548,7 +3107,7 @@
 </p:sldLayout>
 </file>
 
-<file path=ppt/slideLayouts/slideLayout11.xml><?xml version="1.0" encoding="utf-8"?>
+<file path=ppt/slideLayouts/slideLayout17.xml><?xml version="1.0" encoding="utf-8"?>
 <p:sldLayout xmlns:a="http://schemas.openxmlformats.org/drawingml/2006/main" xmlns:r="http://schemas.openxmlformats.org/officeDocument/2006/relationships" xmlns:p="http://schemas.openxmlformats.org/presentationml/2006/main" type="vertTitleAndTx" preserve="1">
   <p:cSld name="Vertical Title and Text">
     <p:spTree>
@@ -567,13 +3126,7 @@
       </p:grpSpPr>
       <p:sp>
         <p:nvSpPr>
-          <p:cNvPr id="2" name="Vertical Title 1">
-            <a:extLst>
-              <a:ext uri="{FF2B5EF4-FFF2-40B4-BE49-F238E27FC236}">
-                <a16:creationId xmlns:a16="http://schemas.microsoft.com/office/drawing/2014/main" id="{4B9F4D1C-F2A5-48E6-9DA2-2992A623B047}"/>
-              </a:ext>
-            </a:extLst>
-          </p:cNvPr>
+          <p:cNvPr id="2" name="Vertical Title 1"/>
           <p:cNvSpPr>
             <a:spLocks noGrp="1"/>
           </p:cNvSpPr>
@@ -583,48 +3136,42 @@
         </p:nvSpPr>
         <p:spPr>
           <a:xfrm>
-            <a:off x="8724900" y="365125"/>
-            <a:ext cx="2628900" cy="5811838"/>
+            <a:off x="8304212" y="430213"/>
+            <a:ext cx="1752601" cy="5826125"/>
+          </a:xfrm>
+        </p:spPr>
+        <p:txBody>
+          <a:bodyPr vert="eaVert" anchor="b" anchorCtr="0"/>
+          <a:lstStyle/>
+          <a:p>
+            <a:r>
+              <a:rPr lang="en-US"/>
+              <a:t>Click to edit Master title style</a:t>
+            </a:r>
+            <a:endParaRPr lang="en-US" dirty="0"/>
+          </a:p>
+        </p:txBody>
+      </p:sp>
+      <p:sp>
+        <p:nvSpPr>
+          <p:cNvPr id="3" name="Vertical Text Placeholder 2"/>
+          <p:cNvSpPr>
+            <a:spLocks noGrp="1"/>
+          </p:cNvSpPr>
+          <p:nvPr>
+            <p:ph type="body" orient="vert" idx="1"/>
+          </p:nvPr>
+        </p:nvSpPr>
+        <p:spPr>
+          <a:xfrm>
+            <a:off x="652463" y="887414"/>
+            <a:ext cx="7423149" cy="5368924"/>
           </a:xfrm>
         </p:spPr>
         <p:txBody>
           <a:bodyPr vert="eaVert"/>
           <a:lstStyle/>
           <a:p>
-            <a:r>
-              <a:rPr lang="en-US"/>
-              <a:t>Click to edit Master title style</a:t>
-            </a:r>
-            <a:endParaRPr lang="en-GB"/>
-          </a:p>
-        </p:txBody>
-      </p:sp>
-      <p:sp>
-        <p:nvSpPr>
-          <p:cNvPr id="3" name="Vertical Text Placeholder 2">
-            <a:extLst>
-              <a:ext uri="{FF2B5EF4-FFF2-40B4-BE49-F238E27FC236}">
-                <a16:creationId xmlns:a16="http://schemas.microsoft.com/office/drawing/2014/main" id="{A84DF6D3-7703-4F7C-BA8C-B9B887410AFC}"/>
-              </a:ext>
-            </a:extLst>
-          </p:cNvPr>
-          <p:cNvSpPr>
-            <a:spLocks noGrp="1"/>
-          </p:cNvSpPr>
-          <p:nvPr>
-            <p:ph type="body" orient="vert" idx="1"/>
-          </p:nvPr>
-        </p:nvSpPr>
-        <p:spPr>
-          <a:xfrm>
-            <a:off x="838200" y="365125"/>
-            <a:ext cx="7734300" cy="5811838"/>
-          </a:xfrm>
-        </p:spPr>
-        <p:txBody>
-          <a:bodyPr vert="eaVert"/>
-          <a:lstStyle/>
-          <a:p>
             <a:pPr lvl="0"/>
             <a:r>
               <a:rPr lang="en-US"/>
@@ -658,19 +3205,13 @@
               <a:rPr lang="en-US"/>
               <a:t>Fifth level</a:t>
             </a:r>
-            <a:endParaRPr lang="en-GB"/>
-          </a:p>
-        </p:txBody>
-      </p:sp>
-      <p:sp>
-        <p:nvSpPr>
-          <p:cNvPr id="4" name="Date Placeholder 3">
-            <a:extLst>
-              <a:ext uri="{FF2B5EF4-FFF2-40B4-BE49-F238E27FC236}">
-                <a16:creationId xmlns:a16="http://schemas.microsoft.com/office/drawing/2014/main" id="{6C409839-9E83-4028-9BF9-62E78E2C1589}"/>
-              </a:ext>
-            </a:extLst>
-          </p:cNvPr>
+            <a:endParaRPr lang="en-US" dirty="0"/>
+          </a:p>
+        </p:txBody>
+      </p:sp>
+      <p:sp>
+        <p:nvSpPr>
+          <p:cNvPr id="4" name="Date Placeholder 3"/>
           <p:cNvSpPr>
             <a:spLocks noGrp="1"/>
           </p:cNvSpPr>
@@ -685,7 +3226,7 @@
           <a:p>
             <a:fld id="{6F67D289-0847-4A7F-A587-1F4431DE23A3}" type="datetimeFigureOut">
               <a:rPr lang="en-GB" smtClean="0"/>
-              <a:t>28/06/2021</a:t>
+              <a:t>29/06/2021</a:t>
             </a:fld>
             <a:endParaRPr lang="en-GB"/>
           </a:p>
@@ -693,13 +3234,7 @@
       </p:sp>
       <p:sp>
         <p:nvSpPr>
-          <p:cNvPr id="5" name="Footer Placeholder 4">
-            <a:extLst>
-              <a:ext uri="{FF2B5EF4-FFF2-40B4-BE49-F238E27FC236}">
-                <a16:creationId xmlns:a16="http://schemas.microsoft.com/office/drawing/2014/main" id="{0A38A5E0-EC4D-448B-B9FB-467B1420BDB4}"/>
-              </a:ext>
-            </a:extLst>
-          </p:cNvPr>
+          <p:cNvPr id="5" name="Footer Placeholder 4"/>
           <p:cNvSpPr>
             <a:spLocks noGrp="1"/>
           </p:cNvSpPr>
@@ -718,13 +3253,7 @@
       </p:sp>
       <p:sp>
         <p:nvSpPr>
-          <p:cNvPr id="6" name="Slide Number Placeholder 5">
-            <a:extLst>
-              <a:ext uri="{FF2B5EF4-FFF2-40B4-BE49-F238E27FC236}">
-                <a16:creationId xmlns:a16="http://schemas.microsoft.com/office/drawing/2014/main" id="{F5F3B9E5-F617-4C21-AA30-83A18F77357E}"/>
-              </a:ext>
-            </a:extLst>
-          </p:cNvPr>
+          <p:cNvPr id="6" name="Slide Number Placeholder 5"/>
           <p:cNvSpPr>
             <a:spLocks noGrp="1"/>
           </p:cNvSpPr>
@@ -748,7 +3277,7 @@
     </p:spTree>
     <p:extLst>
       <p:ext uri="{BB962C8B-B14F-4D97-AF65-F5344CB8AC3E}">
-        <p14:creationId xmlns:p14="http://schemas.microsoft.com/office/powerpoint/2010/main" val="1957600948"/>
+        <p14:creationId xmlns:p14="http://schemas.microsoft.com/office/powerpoint/2010/main" val="2264688416"/>
       </p:ext>
     </p:extLst>
   </p:cSld>
@@ -777,13 +3306,7 @@
       </p:grpSpPr>
       <p:sp>
         <p:nvSpPr>
-          <p:cNvPr id="2" name="Title 1">
-            <a:extLst>
-              <a:ext uri="{FF2B5EF4-FFF2-40B4-BE49-F238E27FC236}">
-                <a16:creationId xmlns:a16="http://schemas.microsoft.com/office/drawing/2014/main" id="{CCDE0E31-9B34-405B-940D-E1B3AF6FD348}"/>
-              </a:ext>
-            </a:extLst>
-          </p:cNvPr>
+          <p:cNvPr id="2" name="Title 1"/>
           <p:cNvSpPr>
             <a:spLocks noGrp="1"/>
           </p:cNvSpPr>
@@ -800,19 +3323,13 @@
               <a:rPr lang="en-US"/>
               <a:t>Click to edit Master title style</a:t>
             </a:r>
-            <a:endParaRPr lang="en-GB"/>
-          </a:p>
-        </p:txBody>
-      </p:sp>
-      <p:sp>
-        <p:nvSpPr>
-          <p:cNvPr id="3" name="Content Placeholder 2">
-            <a:extLst>
-              <a:ext uri="{FF2B5EF4-FFF2-40B4-BE49-F238E27FC236}">
-                <a16:creationId xmlns:a16="http://schemas.microsoft.com/office/drawing/2014/main" id="{FF3BBE97-1DB0-41E2-ADF7-4563ABEF5808}"/>
-              </a:ext>
-            </a:extLst>
-          </p:cNvPr>
+            <a:endParaRPr lang="en-US" dirty="0"/>
+          </a:p>
+        </p:txBody>
+      </p:sp>
+      <p:sp>
+        <p:nvSpPr>
+          <p:cNvPr id="3" name="Content Placeholder 2"/>
           <p:cNvSpPr>
             <a:spLocks noGrp="1"/>
           </p:cNvSpPr>
@@ -858,19 +3375,13 @@
               <a:rPr lang="en-US"/>
               <a:t>Fifth level</a:t>
             </a:r>
-            <a:endParaRPr lang="en-GB"/>
-          </a:p>
-        </p:txBody>
-      </p:sp>
-      <p:sp>
-        <p:nvSpPr>
-          <p:cNvPr id="4" name="Date Placeholder 3">
-            <a:extLst>
-              <a:ext uri="{FF2B5EF4-FFF2-40B4-BE49-F238E27FC236}">
-                <a16:creationId xmlns:a16="http://schemas.microsoft.com/office/drawing/2014/main" id="{2260A4D7-FF4C-4B9C-8C6C-FE6413CCEF79}"/>
-              </a:ext>
-            </a:extLst>
-          </p:cNvPr>
+            <a:endParaRPr lang="en-US" dirty="0"/>
+          </a:p>
+        </p:txBody>
+      </p:sp>
+      <p:sp>
+        <p:nvSpPr>
+          <p:cNvPr id="7" name="Date Placeholder 3"/>
           <p:cNvSpPr>
             <a:spLocks noGrp="1"/>
           </p:cNvSpPr>
@@ -885,7 +3396,7 @@
           <a:p>
             <a:fld id="{6F67D289-0847-4A7F-A587-1F4431DE23A3}" type="datetimeFigureOut">
               <a:rPr lang="en-GB" smtClean="0"/>
-              <a:t>28/06/2021</a:t>
+              <a:t>29/06/2021</a:t>
             </a:fld>
             <a:endParaRPr lang="en-GB"/>
           </a:p>
@@ -893,13 +3404,7 @@
       </p:sp>
       <p:sp>
         <p:nvSpPr>
-          <p:cNvPr id="5" name="Footer Placeholder 4">
-            <a:extLst>
-              <a:ext uri="{FF2B5EF4-FFF2-40B4-BE49-F238E27FC236}">
-                <a16:creationId xmlns:a16="http://schemas.microsoft.com/office/drawing/2014/main" id="{BC9F863A-6491-4A64-ACBF-6D588AF50DCD}"/>
-              </a:ext>
-            </a:extLst>
-          </p:cNvPr>
+          <p:cNvPr id="5" name="Footer Placeholder 4"/>
           <p:cNvSpPr>
             <a:spLocks noGrp="1"/>
           </p:cNvSpPr>
@@ -918,13 +3423,7 @@
       </p:sp>
       <p:sp>
         <p:nvSpPr>
-          <p:cNvPr id="6" name="Slide Number Placeholder 5">
-            <a:extLst>
-              <a:ext uri="{FF2B5EF4-FFF2-40B4-BE49-F238E27FC236}">
-                <a16:creationId xmlns:a16="http://schemas.microsoft.com/office/drawing/2014/main" id="{4E55986C-AF74-4161-95C3-705350931E7D}"/>
-              </a:ext>
-            </a:extLst>
-          </p:cNvPr>
+          <p:cNvPr id="6" name="Slide Number Placeholder 5"/>
           <p:cNvSpPr>
             <a:spLocks noGrp="1"/>
           </p:cNvSpPr>
@@ -948,7 +3447,7 @@
     </p:spTree>
     <p:extLst>
       <p:ext uri="{BB962C8B-B14F-4D97-AF65-F5344CB8AC3E}">
-        <p14:creationId xmlns:p14="http://schemas.microsoft.com/office/powerpoint/2010/main" val="2723006657"/>
+        <p14:creationId xmlns:p14="http://schemas.microsoft.com/office/powerpoint/2010/main" val="437077851"/>
       </p:ext>
     </p:extLst>
   </p:cSld>
@@ -977,13 +3476,7 @@
       </p:grpSpPr>
       <p:sp>
         <p:nvSpPr>
-          <p:cNvPr id="2" name="Title 1">
-            <a:extLst>
-              <a:ext uri="{FF2B5EF4-FFF2-40B4-BE49-F238E27FC236}">
-                <a16:creationId xmlns:a16="http://schemas.microsoft.com/office/drawing/2014/main" id="{45E204A0-FF49-4A0E-8B70-C2AB1727CAE6}"/>
-              </a:ext>
-            </a:extLst>
-          </p:cNvPr>
+          <p:cNvPr id="2" name="Title 1"/>
           <p:cNvSpPr>
             <a:spLocks noGrp="1"/>
           </p:cNvSpPr>
@@ -993,15 +3486,15 @@
         </p:nvSpPr>
         <p:spPr>
           <a:xfrm>
-            <a:off x="831850" y="1709738"/>
-            <a:ext cx="10515600" cy="2852737"/>
+            <a:off x="1154956" y="2861733"/>
+            <a:ext cx="8825657" cy="1915647"/>
           </a:xfrm>
         </p:spPr>
         <p:txBody>
           <a:bodyPr anchor="b"/>
           <a:lstStyle>
-            <a:lvl1pPr>
-              <a:defRPr sz="6000"/>
+            <a:lvl1pPr algn="l">
+              <a:defRPr sz="4000" b="0" cap="none"/>
             </a:lvl1pPr>
           </a:lstStyle>
           <a:p>
@@ -1009,19 +3502,13 @@
               <a:rPr lang="en-US"/>
               <a:t>Click to edit Master title style</a:t>
             </a:r>
-            <a:endParaRPr lang="en-GB"/>
-          </a:p>
-        </p:txBody>
-      </p:sp>
-      <p:sp>
-        <p:nvSpPr>
-          <p:cNvPr id="3" name="Text Placeholder 2">
-            <a:extLst>
-              <a:ext uri="{FF2B5EF4-FFF2-40B4-BE49-F238E27FC236}">
-                <a16:creationId xmlns:a16="http://schemas.microsoft.com/office/drawing/2014/main" id="{A285E45A-7069-49F6-92B0-599DBA1C692C}"/>
-              </a:ext>
-            </a:extLst>
-          </p:cNvPr>
+            <a:endParaRPr lang="en-US" dirty="0"/>
+          </a:p>
+        </p:txBody>
+      </p:sp>
+      <p:sp>
+        <p:nvSpPr>
+          <p:cNvPr id="3" name="Text Placeholder 2"/>
           <p:cNvSpPr>
             <a:spLocks noGrp="1"/>
           </p:cNvSpPr>
@@ -1031,26 +3518,27 @@
         </p:nvSpPr>
         <p:spPr>
           <a:xfrm>
-            <a:off x="831850" y="4589463"/>
-            <a:ext cx="10515600" cy="1500187"/>
-          </a:xfrm>
-        </p:spPr>
-        <p:txBody>
-          <a:bodyPr/>
+            <a:off x="1154955" y="4777381"/>
+            <a:ext cx="8825658" cy="860400"/>
+          </a:xfrm>
+        </p:spPr>
+        <p:txBody>
+          <a:bodyPr anchor="t"/>
           <a:lstStyle>
-            <a:lvl1pPr marL="0" indent="0">
-              <a:buNone/>
-              <a:defRPr sz="2400">
+            <a:lvl1pPr marL="0" indent="0" algn="l">
+              <a:buNone/>
+              <a:defRPr sz="2000" cap="all">
                 <a:solidFill>
-                  <a:schemeClr val="tx1">
-                    <a:tint val="75000"/>
+                  <a:schemeClr val="bg2">
+                    <a:lumMod val="40000"/>
+                    <a:lumOff val="60000"/>
                   </a:schemeClr>
                 </a:solidFill>
               </a:defRPr>
             </a:lvl1pPr>
             <a:lvl2pPr marL="457200" indent="0">
               <a:buNone/>
-              <a:defRPr sz="2000">
+              <a:defRPr sz="1800">
                 <a:solidFill>
                   <a:schemeClr val="tx1">
                     <a:tint val="75000"/>
@@ -1060,7 +3548,7 @@
             </a:lvl2pPr>
             <a:lvl3pPr marL="914400" indent="0">
               <a:buNone/>
-              <a:defRPr sz="1800">
+              <a:defRPr sz="1600">
                 <a:solidFill>
                   <a:schemeClr val="tx1">
                     <a:tint val="75000"/>
@@ -1070,7 +3558,7 @@
             </a:lvl3pPr>
             <a:lvl4pPr marL="1371600" indent="0">
               <a:buNone/>
-              <a:defRPr sz="1600">
+              <a:defRPr sz="1400">
                 <a:solidFill>
                   <a:schemeClr val="tx1">
                     <a:tint val="75000"/>
@@ -1080,7 +3568,7 @@
             </a:lvl4pPr>
             <a:lvl5pPr marL="1828800" indent="0">
               <a:buNone/>
-              <a:defRPr sz="1600">
+              <a:defRPr sz="1400">
                 <a:solidFill>
                   <a:schemeClr val="tx1">
                     <a:tint val="75000"/>
@@ -1090,7 +3578,7 @@
             </a:lvl5pPr>
             <a:lvl6pPr marL="2286000" indent="0">
               <a:buNone/>
-              <a:defRPr sz="1600">
+              <a:defRPr sz="1400">
                 <a:solidFill>
                   <a:schemeClr val="tx1">
                     <a:tint val="75000"/>
@@ -1100,7 +3588,7 @@
             </a:lvl6pPr>
             <a:lvl7pPr marL="2743200" indent="0">
               <a:buNone/>
-              <a:defRPr sz="1600">
+              <a:defRPr sz="1400">
                 <a:solidFill>
                   <a:schemeClr val="tx1">
                     <a:tint val="75000"/>
@@ -1110,7 +3598,7 @@
             </a:lvl7pPr>
             <a:lvl8pPr marL="3200400" indent="0">
               <a:buNone/>
-              <a:defRPr sz="1600">
+              <a:defRPr sz="1400">
                 <a:solidFill>
                   <a:schemeClr val="tx1">
                     <a:tint val="75000"/>
@@ -1120,7 +3608,7 @@
             </a:lvl8pPr>
             <a:lvl9pPr marL="3657600" indent="0">
               <a:buNone/>
-              <a:defRPr sz="1600">
+              <a:defRPr sz="1400">
                 <a:solidFill>
                   <a:schemeClr val="tx1">
                     <a:tint val="75000"/>
@@ -1140,13 +3628,7 @@
       </p:sp>
       <p:sp>
         <p:nvSpPr>
-          <p:cNvPr id="4" name="Date Placeholder 3">
-            <a:extLst>
-              <a:ext uri="{FF2B5EF4-FFF2-40B4-BE49-F238E27FC236}">
-                <a16:creationId xmlns:a16="http://schemas.microsoft.com/office/drawing/2014/main" id="{0715D049-40F0-4B53-B706-15F228C51DA7}"/>
-              </a:ext>
-            </a:extLst>
-          </p:cNvPr>
+          <p:cNvPr id="4" name="Date Placeholder 3"/>
           <p:cNvSpPr>
             <a:spLocks noGrp="1"/>
           </p:cNvSpPr>
@@ -1161,7 +3643,7 @@
           <a:p>
             <a:fld id="{6F67D289-0847-4A7F-A587-1F4431DE23A3}" type="datetimeFigureOut">
               <a:rPr lang="en-GB" smtClean="0"/>
-              <a:t>28/06/2021</a:t>
+              <a:t>29/06/2021</a:t>
             </a:fld>
             <a:endParaRPr lang="en-GB"/>
           </a:p>
@@ -1169,13 +3651,7 @@
       </p:sp>
       <p:sp>
         <p:nvSpPr>
-          <p:cNvPr id="5" name="Footer Placeholder 4">
-            <a:extLst>
-              <a:ext uri="{FF2B5EF4-FFF2-40B4-BE49-F238E27FC236}">
-                <a16:creationId xmlns:a16="http://schemas.microsoft.com/office/drawing/2014/main" id="{8CA935FF-0AA6-4DD4-B382-43E79B65C481}"/>
-              </a:ext>
-            </a:extLst>
-          </p:cNvPr>
+          <p:cNvPr id="5" name="Footer Placeholder 4"/>
           <p:cNvSpPr>
             <a:spLocks noGrp="1"/>
           </p:cNvSpPr>
@@ -1194,13 +3670,7 @@
       </p:sp>
       <p:sp>
         <p:nvSpPr>
-          <p:cNvPr id="6" name="Slide Number Placeholder 5">
-            <a:extLst>
-              <a:ext uri="{FF2B5EF4-FFF2-40B4-BE49-F238E27FC236}">
-                <a16:creationId xmlns:a16="http://schemas.microsoft.com/office/drawing/2014/main" id="{877CCA0A-79FD-47A8-B11E-294ECDD2C76B}"/>
-              </a:ext>
-            </a:extLst>
-          </p:cNvPr>
+          <p:cNvPr id="6" name="Slide Number Placeholder 5"/>
           <p:cNvSpPr>
             <a:spLocks noGrp="1"/>
           </p:cNvSpPr>
@@ -1224,7 +3694,7 @@
     </p:spTree>
     <p:extLst>
       <p:ext uri="{BB962C8B-B14F-4D97-AF65-F5344CB8AC3E}">
-        <p14:creationId xmlns:p14="http://schemas.microsoft.com/office/powerpoint/2010/main" val="926361773"/>
+        <p14:creationId xmlns:p14="http://schemas.microsoft.com/office/powerpoint/2010/main" val="3735160892"/>
       </p:ext>
     </p:extLst>
   </p:cSld>
@@ -1253,13 +3723,7 @@
       </p:grpSpPr>
       <p:sp>
         <p:nvSpPr>
-          <p:cNvPr id="2" name="Title 1">
-            <a:extLst>
-              <a:ext uri="{FF2B5EF4-FFF2-40B4-BE49-F238E27FC236}">
-                <a16:creationId xmlns:a16="http://schemas.microsoft.com/office/drawing/2014/main" id="{7D4E73A0-4422-4C12-A4CF-BE23E99D48A9}"/>
-              </a:ext>
-            </a:extLst>
-          </p:cNvPr>
+          <p:cNvPr id="2" name="Title 1"/>
           <p:cNvSpPr>
             <a:spLocks noGrp="1"/>
           </p:cNvSpPr>
@@ -1276,19 +3740,13 @@
               <a:rPr lang="en-US"/>
               <a:t>Click to edit Master title style</a:t>
             </a:r>
-            <a:endParaRPr lang="en-GB"/>
-          </a:p>
-        </p:txBody>
-      </p:sp>
-      <p:sp>
-        <p:nvSpPr>
-          <p:cNvPr id="3" name="Content Placeholder 2">
-            <a:extLst>
-              <a:ext uri="{FF2B5EF4-FFF2-40B4-BE49-F238E27FC236}">
-                <a16:creationId xmlns:a16="http://schemas.microsoft.com/office/drawing/2014/main" id="{BDA98B81-F31F-473C-9EDE-1D32E6DC8E44}"/>
-              </a:ext>
-            </a:extLst>
-          </p:cNvPr>
+            <a:endParaRPr lang="en-US" dirty="0"/>
+          </a:p>
+        </p:txBody>
+      </p:sp>
+      <p:sp>
+        <p:nvSpPr>
+          <p:cNvPr id="3" name="Content Placeholder 2"/>
           <p:cNvSpPr>
             <a:spLocks noGrp="1"/>
           </p:cNvSpPr>
@@ -1298,13 +3756,43 @@
         </p:nvSpPr>
         <p:spPr>
           <a:xfrm>
-            <a:off x="838200" y="1825625"/>
-            <a:ext cx="5181600" cy="4351338"/>
-          </a:xfrm>
-        </p:spPr>
-        <p:txBody>
-          <a:bodyPr/>
-          <a:lstStyle/>
+            <a:off x="1103312" y="2060575"/>
+            <a:ext cx="4396339" cy="4195763"/>
+          </a:xfrm>
+        </p:spPr>
+        <p:txBody>
+          <a:bodyPr>
+            <a:normAutofit/>
+          </a:bodyPr>
+          <a:lstStyle>
+            <a:lvl1pPr>
+              <a:defRPr sz="1800"/>
+            </a:lvl1pPr>
+            <a:lvl2pPr>
+              <a:defRPr sz="1600"/>
+            </a:lvl2pPr>
+            <a:lvl3pPr>
+              <a:defRPr sz="1400"/>
+            </a:lvl3pPr>
+            <a:lvl4pPr>
+              <a:defRPr sz="1200"/>
+            </a:lvl4pPr>
+            <a:lvl5pPr>
+              <a:defRPr sz="1200"/>
+            </a:lvl5pPr>
+            <a:lvl6pPr>
+              <a:defRPr sz="1200"/>
+            </a:lvl6pPr>
+            <a:lvl7pPr>
+              <a:defRPr sz="1200"/>
+            </a:lvl7pPr>
+            <a:lvl8pPr>
+              <a:defRPr sz="1200"/>
+            </a:lvl8pPr>
+            <a:lvl9pPr>
+              <a:defRPr sz="1200"/>
+            </a:lvl9pPr>
+          </a:lstStyle>
           <a:p>
             <a:pPr lvl="0"/>
             <a:r>
@@ -1339,19 +3827,13 @@
               <a:rPr lang="en-US"/>
               <a:t>Fifth level</a:t>
             </a:r>
-            <a:endParaRPr lang="en-GB"/>
-          </a:p>
-        </p:txBody>
-      </p:sp>
-      <p:sp>
-        <p:nvSpPr>
-          <p:cNvPr id="4" name="Content Placeholder 3">
-            <a:extLst>
-              <a:ext uri="{FF2B5EF4-FFF2-40B4-BE49-F238E27FC236}">
-                <a16:creationId xmlns:a16="http://schemas.microsoft.com/office/drawing/2014/main" id="{4ABEE865-E3B8-483A-A9B2-AD5A05B28981}"/>
-              </a:ext>
-            </a:extLst>
-          </p:cNvPr>
+            <a:endParaRPr lang="en-US" dirty="0"/>
+          </a:p>
+        </p:txBody>
+      </p:sp>
+      <p:sp>
+        <p:nvSpPr>
+          <p:cNvPr id="4" name="Content Placeholder 3"/>
           <p:cNvSpPr>
             <a:spLocks noGrp="1"/>
           </p:cNvSpPr>
@@ -1361,13 +3843,43 @@
         </p:nvSpPr>
         <p:spPr>
           <a:xfrm>
-            <a:off x="6172200" y="1825625"/>
-            <a:ext cx="5181600" cy="4351338"/>
-          </a:xfrm>
-        </p:spPr>
-        <p:txBody>
-          <a:bodyPr/>
-          <a:lstStyle/>
+            <a:off x="5654493" y="2056092"/>
+            <a:ext cx="4396341" cy="4200245"/>
+          </a:xfrm>
+        </p:spPr>
+        <p:txBody>
+          <a:bodyPr>
+            <a:normAutofit/>
+          </a:bodyPr>
+          <a:lstStyle>
+            <a:lvl1pPr>
+              <a:defRPr sz="1800"/>
+            </a:lvl1pPr>
+            <a:lvl2pPr>
+              <a:defRPr sz="1600"/>
+            </a:lvl2pPr>
+            <a:lvl3pPr>
+              <a:defRPr sz="1400"/>
+            </a:lvl3pPr>
+            <a:lvl4pPr>
+              <a:defRPr sz="1200"/>
+            </a:lvl4pPr>
+            <a:lvl5pPr>
+              <a:defRPr sz="1200"/>
+            </a:lvl5pPr>
+            <a:lvl6pPr>
+              <a:defRPr sz="1200"/>
+            </a:lvl6pPr>
+            <a:lvl7pPr>
+              <a:defRPr sz="1200"/>
+            </a:lvl7pPr>
+            <a:lvl8pPr>
+              <a:defRPr sz="1200"/>
+            </a:lvl8pPr>
+            <a:lvl9pPr>
+              <a:defRPr sz="1200"/>
+            </a:lvl9pPr>
+          </a:lstStyle>
           <a:p>
             <a:pPr lvl="0"/>
             <a:r>
@@ -1402,19 +3914,13 @@
               <a:rPr lang="en-US"/>
               <a:t>Fifth level</a:t>
             </a:r>
-            <a:endParaRPr lang="en-GB"/>
-          </a:p>
-        </p:txBody>
-      </p:sp>
-      <p:sp>
-        <p:nvSpPr>
-          <p:cNvPr id="5" name="Date Placeholder 4">
-            <a:extLst>
-              <a:ext uri="{FF2B5EF4-FFF2-40B4-BE49-F238E27FC236}">
-                <a16:creationId xmlns:a16="http://schemas.microsoft.com/office/drawing/2014/main" id="{4F0EAF3D-3A6B-4D66-A26A-D770B4696FD0}"/>
-              </a:ext>
-            </a:extLst>
-          </p:cNvPr>
+            <a:endParaRPr lang="en-US" dirty="0"/>
+          </a:p>
+        </p:txBody>
+      </p:sp>
+      <p:sp>
+        <p:nvSpPr>
+          <p:cNvPr id="5" name="Date Placeholder 4"/>
           <p:cNvSpPr>
             <a:spLocks noGrp="1"/>
           </p:cNvSpPr>
@@ -1429,7 +3935,7 @@
           <a:p>
             <a:fld id="{6F67D289-0847-4A7F-A587-1F4431DE23A3}" type="datetimeFigureOut">
               <a:rPr lang="en-GB" smtClean="0"/>
-              <a:t>28/06/2021</a:t>
+              <a:t>29/06/2021</a:t>
             </a:fld>
             <a:endParaRPr lang="en-GB"/>
           </a:p>
@@ -1437,13 +3943,7 @@
       </p:sp>
       <p:sp>
         <p:nvSpPr>
-          <p:cNvPr id="6" name="Footer Placeholder 5">
-            <a:extLst>
-              <a:ext uri="{FF2B5EF4-FFF2-40B4-BE49-F238E27FC236}">
-                <a16:creationId xmlns:a16="http://schemas.microsoft.com/office/drawing/2014/main" id="{8E352502-FB34-4ED9-B9E7-A793955B76AF}"/>
-              </a:ext>
-            </a:extLst>
-          </p:cNvPr>
+          <p:cNvPr id="6" name="Footer Placeholder 5"/>
           <p:cNvSpPr>
             <a:spLocks noGrp="1"/>
           </p:cNvSpPr>
@@ -1462,13 +3962,7 @@
       </p:sp>
       <p:sp>
         <p:nvSpPr>
-          <p:cNvPr id="7" name="Slide Number Placeholder 6">
-            <a:extLst>
-              <a:ext uri="{FF2B5EF4-FFF2-40B4-BE49-F238E27FC236}">
-                <a16:creationId xmlns:a16="http://schemas.microsoft.com/office/drawing/2014/main" id="{1EA655AA-1F54-499C-9F31-23B15966F627}"/>
-              </a:ext>
-            </a:extLst>
-          </p:cNvPr>
+          <p:cNvPr id="7" name="Slide Number Placeholder 6"/>
           <p:cNvSpPr>
             <a:spLocks noGrp="1"/>
           </p:cNvSpPr>
@@ -1492,7 +3986,7 @@
     </p:spTree>
     <p:extLst>
       <p:ext uri="{BB962C8B-B14F-4D97-AF65-F5344CB8AC3E}">
-        <p14:creationId xmlns:p14="http://schemas.microsoft.com/office/powerpoint/2010/main" val="232628635"/>
+        <p14:creationId xmlns:p14="http://schemas.microsoft.com/office/powerpoint/2010/main" val="1632359360"/>
       </p:ext>
     </p:extLst>
   </p:cSld>
@@ -1521,13 +4015,7 @@
       </p:grpSpPr>
       <p:sp>
         <p:nvSpPr>
-          <p:cNvPr id="2" name="Title 1">
-            <a:extLst>
-              <a:ext uri="{FF2B5EF4-FFF2-40B4-BE49-F238E27FC236}">
-                <a16:creationId xmlns:a16="http://schemas.microsoft.com/office/drawing/2014/main" id="{04CDAED2-CE39-4542-A23B-79A42711D9A7}"/>
-              </a:ext>
-            </a:extLst>
-          </p:cNvPr>
+          <p:cNvPr id="2" name="Title 1"/>
           <p:cNvSpPr>
             <a:spLocks noGrp="1"/>
           </p:cNvSpPr>
@@ -1535,33 +4023,26 @@
             <p:ph type="title"/>
           </p:nvPr>
         </p:nvSpPr>
-        <p:spPr>
-          <a:xfrm>
-            <a:off x="839788" y="365125"/>
-            <a:ext cx="10515600" cy="1325563"/>
-          </a:xfrm>
-        </p:spPr>
+        <p:spPr/>
         <p:txBody>
           <a:bodyPr/>
-          <a:lstStyle/>
+          <a:lstStyle>
+            <a:lvl1pPr>
+              <a:defRPr/>
+            </a:lvl1pPr>
+          </a:lstStyle>
           <a:p>
             <a:r>
               <a:rPr lang="en-US"/>
               <a:t>Click to edit Master title style</a:t>
             </a:r>
-            <a:endParaRPr lang="en-GB"/>
-          </a:p>
-        </p:txBody>
-      </p:sp>
-      <p:sp>
-        <p:nvSpPr>
-          <p:cNvPr id="3" name="Text Placeholder 2">
-            <a:extLst>
-              <a:ext uri="{FF2B5EF4-FFF2-40B4-BE49-F238E27FC236}">
-                <a16:creationId xmlns:a16="http://schemas.microsoft.com/office/drawing/2014/main" id="{2660374C-8BC6-4590-96FA-94322CA01478}"/>
-              </a:ext>
-            </a:extLst>
-          </p:cNvPr>
+            <a:endParaRPr lang="en-US" dirty="0"/>
+          </a:p>
+        </p:txBody>
+      </p:sp>
+      <p:sp>
+        <p:nvSpPr>
+          <p:cNvPr id="3" name="Text Placeholder 2"/>
           <p:cNvSpPr>
             <a:spLocks noGrp="1"/>
           </p:cNvSpPr>
@@ -1571,16 +4052,25 @@
         </p:nvSpPr>
         <p:spPr>
           <a:xfrm>
-            <a:off x="839788" y="1681163"/>
-            <a:ext cx="5157787" cy="823912"/>
-          </a:xfrm>
-        </p:spPr>
-        <p:txBody>
-          <a:bodyPr anchor="b"/>
+            <a:off x="1103313" y="1905000"/>
+            <a:ext cx="4396338" cy="576262"/>
+          </a:xfrm>
+        </p:spPr>
+        <p:txBody>
+          <a:bodyPr anchor="b">
+            <a:noAutofit/>
+          </a:bodyPr>
           <a:lstStyle>
             <a:lvl1pPr marL="0" indent="0">
               <a:buNone/>
-              <a:defRPr sz="2400" b="1"/>
+              <a:defRPr sz="2400" b="0">
+                <a:solidFill>
+                  <a:schemeClr val="bg2">
+                    <a:lumMod val="40000"/>
+                    <a:lumOff val="60000"/>
+                  </a:schemeClr>
+                </a:solidFill>
+              </a:defRPr>
             </a:lvl1pPr>
             <a:lvl2pPr marL="457200" indent="0">
               <a:buNone/>
@@ -1626,13 +4116,7 @@
       </p:sp>
       <p:sp>
         <p:nvSpPr>
-          <p:cNvPr id="4" name="Content Placeholder 3">
-            <a:extLst>
-              <a:ext uri="{FF2B5EF4-FFF2-40B4-BE49-F238E27FC236}">
-                <a16:creationId xmlns:a16="http://schemas.microsoft.com/office/drawing/2014/main" id="{45C4FD4B-0015-4183-B65A-638BB4568C33}"/>
-              </a:ext>
-            </a:extLst>
-          </p:cNvPr>
+          <p:cNvPr id="4" name="Content Placeholder 3"/>
           <p:cNvSpPr>
             <a:spLocks noGrp="1"/>
           </p:cNvSpPr>
@@ -1642,13 +4126,43 @@
         </p:nvSpPr>
         <p:spPr>
           <a:xfrm>
-            <a:off x="839788" y="2505075"/>
-            <a:ext cx="5157787" cy="3684588"/>
-          </a:xfrm>
-        </p:spPr>
-        <p:txBody>
-          <a:bodyPr/>
-          <a:lstStyle/>
+            <a:off x="1103312" y="2514600"/>
+            <a:ext cx="4396339" cy="3741738"/>
+          </a:xfrm>
+        </p:spPr>
+        <p:txBody>
+          <a:bodyPr>
+            <a:normAutofit/>
+          </a:bodyPr>
+          <a:lstStyle>
+            <a:lvl1pPr>
+              <a:defRPr sz="1800"/>
+            </a:lvl1pPr>
+            <a:lvl2pPr>
+              <a:defRPr sz="1600"/>
+            </a:lvl2pPr>
+            <a:lvl3pPr>
+              <a:defRPr sz="1400"/>
+            </a:lvl3pPr>
+            <a:lvl4pPr>
+              <a:defRPr sz="1200"/>
+            </a:lvl4pPr>
+            <a:lvl5pPr>
+              <a:defRPr sz="1200"/>
+            </a:lvl5pPr>
+            <a:lvl6pPr>
+              <a:defRPr sz="1200"/>
+            </a:lvl6pPr>
+            <a:lvl7pPr>
+              <a:defRPr sz="1200"/>
+            </a:lvl7pPr>
+            <a:lvl8pPr>
+              <a:defRPr sz="1200"/>
+            </a:lvl8pPr>
+            <a:lvl9pPr>
+              <a:defRPr sz="1200"/>
+            </a:lvl9pPr>
+          </a:lstStyle>
           <a:p>
             <a:pPr lvl="0"/>
             <a:r>
@@ -1683,19 +4197,13 @@
               <a:rPr lang="en-US"/>
               <a:t>Fifth level</a:t>
             </a:r>
-            <a:endParaRPr lang="en-GB"/>
-          </a:p>
-        </p:txBody>
-      </p:sp>
-      <p:sp>
-        <p:nvSpPr>
-          <p:cNvPr id="5" name="Text Placeholder 4">
-            <a:extLst>
-              <a:ext uri="{FF2B5EF4-FFF2-40B4-BE49-F238E27FC236}">
-                <a16:creationId xmlns:a16="http://schemas.microsoft.com/office/drawing/2014/main" id="{52B9E0A2-129A-44DA-8261-200260779453}"/>
-              </a:ext>
-            </a:extLst>
-          </p:cNvPr>
+            <a:endParaRPr lang="en-US" dirty="0"/>
+          </a:p>
+        </p:txBody>
+      </p:sp>
+      <p:sp>
+        <p:nvSpPr>
+          <p:cNvPr id="5" name="Text Placeholder 4"/>
           <p:cNvSpPr>
             <a:spLocks noGrp="1"/>
           </p:cNvSpPr>
@@ -1705,16 +4213,25 @@
         </p:nvSpPr>
         <p:spPr>
           <a:xfrm>
-            <a:off x="6172200" y="1681163"/>
-            <a:ext cx="5183188" cy="823912"/>
-          </a:xfrm>
-        </p:spPr>
-        <p:txBody>
-          <a:bodyPr anchor="b"/>
+            <a:off x="5654495" y="1905000"/>
+            <a:ext cx="4396339" cy="576262"/>
+          </a:xfrm>
+        </p:spPr>
+        <p:txBody>
+          <a:bodyPr anchor="b">
+            <a:noAutofit/>
+          </a:bodyPr>
           <a:lstStyle>
             <a:lvl1pPr marL="0" indent="0">
               <a:buNone/>
-              <a:defRPr sz="2400" b="1"/>
+              <a:defRPr sz="2400" b="0">
+                <a:solidFill>
+                  <a:schemeClr val="bg2">
+                    <a:lumMod val="40000"/>
+                    <a:lumOff val="60000"/>
+                  </a:schemeClr>
+                </a:solidFill>
+              </a:defRPr>
             </a:lvl1pPr>
             <a:lvl2pPr marL="457200" indent="0">
               <a:buNone/>
@@ -1760,13 +4277,7 @@
       </p:sp>
       <p:sp>
         <p:nvSpPr>
-          <p:cNvPr id="6" name="Content Placeholder 5">
-            <a:extLst>
-              <a:ext uri="{FF2B5EF4-FFF2-40B4-BE49-F238E27FC236}">
-                <a16:creationId xmlns:a16="http://schemas.microsoft.com/office/drawing/2014/main" id="{7D232C89-C44D-476F-AF93-9244C58B3C67}"/>
-              </a:ext>
-            </a:extLst>
-          </p:cNvPr>
+          <p:cNvPr id="6" name="Content Placeholder 5"/>
           <p:cNvSpPr>
             <a:spLocks noGrp="1"/>
           </p:cNvSpPr>
@@ -1776,13 +4287,43 @@
         </p:nvSpPr>
         <p:spPr>
           <a:xfrm>
-            <a:off x="6172200" y="2505075"/>
-            <a:ext cx="5183188" cy="3684588"/>
-          </a:xfrm>
-        </p:spPr>
-        <p:txBody>
-          <a:bodyPr/>
-          <a:lstStyle/>
+            <a:off x="5654495" y="2514600"/>
+            <a:ext cx="4396339" cy="3741738"/>
+          </a:xfrm>
+        </p:spPr>
+        <p:txBody>
+          <a:bodyPr>
+            <a:normAutofit/>
+          </a:bodyPr>
+          <a:lstStyle>
+            <a:lvl1pPr>
+              <a:defRPr sz="1800"/>
+            </a:lvl1pPr>
+            <a:lvl2pPr>
+              <a:defRPr sz="1600"/>
+            </a:lvl2pPr>
+            <a:lvl3pPr>
+              <a:defRPr sz="1400"/>
+            </a:lvl3pPr>
+            <a:lvl4pPr>
+              <a:defRPr sz="1200"/>
+            </a:lvl4pPr>
+            <a:lvl5pPr>
+              <a:defRPr sz="1200"/>
+            </a:lvl5pPr>
+            <a:lvl6pPr>
+              <a:defRPr sz="1200"/>
+            </a:lvl6pPr>
+            <a:lvl7pPr>
+              <a:defRPr sz="1200"/>
+            </a:lvl7pPr>
+            <a:lvl8pPr>
+              <a:defRPr sz="1200"/>
+            </a:lvl8pPr>
+            <a:lvl9pPr>
+              <a:defRPr sz="1200"/>
+            </a:lvl9pPr>
+          </a:lstStyle>
           <a:p>
             <a:pPr lvl="0"/>
             <a:r>
@@ -1817,19 +4358,13 @@
               <a:rPr lang="en-US"/>
               <a:t>Fifth level</a:t>
             </a:r>
-            <a:endParaRPr lang="en-GB"/>
-          </a:p>
-        </p:txBody>
-      </p:sp>
-      <p:sp>
-        <p:nvSpPr>
-          <p:cNvPr id="7" name="Date Placeholder 6">
-            <a:extLst>
-              <a:ext uri="{FF2B5EF4-FFF2-40B4-BE49-F238E27FC236}">
-                <a16:creationId xmlns:a16="http://schemas.microsoft.com/office/drawing/2014/main" id="{639F692E-DC72-473B-815D-4C2974F7F667}"/>
-              </a:ext>
-            </a:extLst>
-          </p:cNvPr>
+            <a:endParaRPr lang="en-US" dirty="0"/>
+          </a:p>
+        </p:txBody>
+      </p:sp>
+      <p:sp>
+        <p:nvSpPr>
+          <p:cNvPr id="7" name="Date Placeholder 6"/>
           <p:cNvSpPr>
             <a:spLocks noGrp="1"/>
           </p:cNvSpPr>
@@ -1844,7 +4379,7 @@
           <a:p>
             <a:fld id="{6F67D289-0847-4A7F-A587-1F4431DE23A3}" type="datetimeFigureOut">
               <a:rPr lang="en-GB" smtClean="0"/>
-              <a:t>28/06/2021</a:t>
+              <a:t>29/06/2021</a:t>
             </a:fld>
             <a:endParaRPr lang="en-GB"/>
           </a:p>
@@ -1852,13 +4387,7 @@
       </p:sp>
       <p:sp>
         <p:nvSpPr>
-          <p:cNvPr id="8" name="Footer Placeholder 7">
-            <a:extLst>
-              <a:ext uri="{FF2B5EF4-FFF2-40B4-BE49-F238E27FC236}">
-                <a16:creationId xmlns:a16="http://schemas.microsoft.com/office/drawing/2014/main" id="{8FEA44B5-A03B-4F68-88B2-4DB476FB7630}"/>
-              </a:ext>
-            </a:extLst>
-          </p:cNvPr>
+          <p:cNvPr id="8" name="Footer Placeholder 7"/>
           <p:cNvSpPr>
             <a:spLocks noGrp="1"/>
           </p:cNvSpPr>
@@ -1877,13 +4406,7 @@
       </p:sp>
       <p:sp>
         <p:nvSpPr>
-          <p:cNvPr id="9" name="Slide Number Placeholder 8">
-            <a:extLst>
-              <a:ext uri="{FF2B5EF4-FFF2-40B4-BE49-F238E27FC236}">
-                <a16:creationId xmlns:a16="http://schemas.microsoft.com/office/drawing/2014/main" id="{F76C3E50-8886-4D3C-92A4-6F4D1E2FFF90}"/>
-              </a:ext>
-            </a:extLst>
-          </p:cNvPr>
+          <p:cNvPr id="9" name="Slide Number Placeholder 8"/>
           <p:cNvSpPr>
             <a:spLocks noGrp="1"/>
           </p:cNvSpPr>
@@ -1907,7 +4430,7 @@
     </p:spTree>
     <p:extLst>
       <p:ext uri="{BB962C8B-B14F-4D97-AF65-F5344CB8AC3E}">
-        <p14:creationId xmlns:p14="http://schemas.microsoft.com/office/powerpoint/2010/main" val="3568956857"/>
+        <p14:creationId xmlns:p14="http://schemas.microsoft.com/office/powerpoint/2010/main" val="481072371"/>
       </p:ext>
     </p:extLst>
   </p:cSld>
@@ -1936,13 +4459,7 @@
       </p:grpSpPr>
       <p:sp>
         <p:nvSpPr>
-          <p:cNvPr id="2" name="Title 1">
-            <a:extLst>
-              <a:ext uri="{FF2B5EF4-FFF2-40B4-BE49-F238E27FC236}">
-                <a16:creationId xmlns:a16="http://schemas.microsoft.com/office/drawing/2014/main" id="{94F72BB7-6FE2-4B3D-B428-649F2485F814}"/>
-              </a:ext>
-            </a:extLst>
-          </p:cNvPr>
+          <p:cNvPr id="2" name="Title 1"/>
           <p:cNvSpPr>
             <a:spLocks noGrp="1"/>
           </p:cNvSpPr>
@@ -1959,19 +4476,13 @@
               <a:rPr lang="en-US"/>
               <a:t>Click to edit Master title style</a:t>
             </a:r>
-            <a:endParaRPr lang="en-GB"/>
-          </a:p>
-        </p:txBody>
-      </p:sp>
-      <p:sp>
-        <p:nvSpPr>
-          <p:cNvPr id="3" name="Date Placeholder 2">
-            <a:extLst>
-              <a:ext uri="{FF2B5EF4-FFF2-40B4-BE49-F238E27FC236}">
-                <a16:creationId xmlns:a16="http://schemas.microsoft.com/office/drawing/2014/main" id="{CF5209B3-EE5D-415E-8979-B1E1D901A80A}"/>
-              </a:ext>
-            </a:extLst>
-          </p:cNvPr>
+            <a:endParaRPr lang="en-US" dirty="0"/>
+          </a:p>
+        </p:txBody>
+      </p:sp>
+      <p:sp>
+        <p:nvSpPr>
+          <p:cNvPr id="7" name="Date Placeholder 2"/>
           <p:cNvSpPr>
             <a:spLocks noGrp="1"/>
           </p:cNvSpPr>
@@ -1986,7 +4497,7 @@
           <a:p>
             <a:fld id="{6F67D289-0847-4A7F-A587-1F4431DE23A3}" type="datetimeFigureOut">
               <a:rPr lang="en-GB" smtClean="0"/>
-              <a:t>28/06/2021</a:t>
+              <a:t>29/06/2021</a:t>
             </a:fld>
             <a:endParaRPr lang="en-GB"/>
           </a:p>
@@ -1994,13 +4505,7 @@
       </p:sp>
       <p:sp>
         <p:nvSpPr>
-          <p:cNvPr id="4" name="Footer Placeholder 3">
-            <a:extLst>
-              <a:ext uri="{FF2B5EF4-FFF2-40B4-BE49-F238E27FC236}">
-                <a16:creationId xmlns:a16="http://schemas.microsoft.com/office/drawing/2014/main" id="{28F203DE-397A-4E8B-955A-9CB98DD3A0EA}"/>
-              </a:ext>
-            </a:extLst>
-          </p:cNvPr>
+          <p:cNvPr id="5" name="Footer Placeholder 3"/>
           <p:cNvSpPr>
             <a:spLocks noGrp="1"/>
           </p:cNvSpPr>
@@ -2019,13 +4524,7 @@
       </p:sp>
       <p:sp>
         <p:nvSpPr>
-          <p:cNvPr id="5" name="Slide Number Placeholder 4">
-            <a:extLst>
-              <a:ext uri="{FF2B5EF4-FFF2-40B4-BE49-F238E27FC236}">
-                <a16:creationId xmlns:a16="http://schemas.microsoft.com/office/drawing/2014/main" id="{577FE2E3-0FFE-4C39-861E-DFD60CD912F7}"/>
-              </a:ext>
-            </a:extLst>
-          </p:cNvPr>
+          <p:cNvPr id="6" name="Slide Number Placeholder 4"/>
           <p:cNvSpPr>
             <a:spLocks noGrp="1"/>
           </p:cNvSpPr>
@@ -2049,7 +4548,7 @@
     </p:spTree>
     <p:extLst>
       <p:ext uri="{BB962C8B-B14F-4D97-AF65-F5344CB8AC3E}">
-        <p14:creationId xmlns:p14="http://schemas.microsoft.com/office/powerpoint/2010/main" val="3263444738"/>
+        <p14:creationId xmlns:p14="http://schemas.microsoft.com/office/powerpoint/2010/main" val="2615386540"/>
       </p:ext>
     </p:extLst>
   </p:cSld>
@@ -2078,13 +4577,7 @@
       </p:grpSpPr>
       <p:sp>
         <p:nvSpPr>
-          <p:cNvPr id="2" name="Date Placeholder 1">
-            <a:extLst>
-              <a:ext uri="{FF2B5EF4-FFF2-40B4-BE49-F238E27FC236}">
-                <a16:creationId xmlns:a16="http://schemas.microsoft.com/office/drawing/2014/main" id="{26DF0E48-8030-4A3A-9F79-E9A91F952F9D}"/>
-              </a:ext>
-            </a:extLst>
-          </p:cNvPr>
+          <p:cNvPr id="7" name="Date Placeholder 1"/>
           <p:cNvSpPr>
             <a:spLocks noGrp="1"/>
           </p:cNvSpPr>
@@ -2099,7 +4592,7 @@
           <a:p>
             <a:fld id="{6F67D289-0847-4A7F-A587-1F4431DE23A3}" type="datetimeFigureOut">
               <a:rPr lang="en-GB" smtClean="0"/>
-              <a:t>28/06/2021</a:t>
+              <a:t>29/06/2021</a:t>
             </a:fld>
             <a:endParaRPr lang="en-GB"/>
           </a:p>
@@ -2107,13 +4600,7 @@
       </p:sp>
       <p:sp>
         <p:nvSpPr>
-          <p:cNvPr id="3" name="Footer Placeholder 2">
-            <a:extLst>
-              <a:ext uri="{FF2B5EF4-FFF2-40B4-BE49-F238E27FC236}">
-                <a16:creationId xmlns:a16="http://schemas.microsoft.com/office/drawing/2014/main" id="{C1205CD5-F23C-4280-999B-9B3257DDE4B0}"/>
-              </a:ext>
-            </a:extLst>
-          </p:cNvPr>
+          <p:cNvPr id="5" name="Footer Placeholder 2"/>
           <p:cNvSpPr>
             <a:spLocks noGrp="1"/>
           </p:cNvSpPr>
@@ -2132,13 +4619,7 @@
       </p:sp>
       <p:sp>
         <p:nvSpPr>
-          <p:cNvPr id="4" name="Slide Number Placeholder 3">
-            <a:extLst>
-              <a:ext uri="{FF2B5EF4-FFF2-40B4-BE49-F238E27FC236}">
-                <a16:creationId xmlns:a16="http://schemas.microsoft.com/office/drawing/2014/main" id="{98FF762F-45B0-4BB0-A356-28BE49F07289}"/>
-              </a:ext>
-            </a:extLst>
-          </p:cNvPr>
+          <p:cNvPr id="6" name="Slide Number Placeholder 3"/>
           <p:cNvSpPr>
             <a:spLocks noGrp="1"/>
           </p:cNvSpPr>
@@ -2162,7 +4643,7 @@
     </p:spTree>
     <p:extLst>
       <p:ext uri="{BB962C8B-B14F-4D97-AF65-F5344CB8AC3E}">
-        <p14:creationId xmlns:p14="http://schemas.microsoft.com/office/powerpoint/2010/main" val="1203242012"/>
+        <p14:creationId xmlns:p14="http://schemas.microsoft.com/office/powerpoint/2010/main" val="2686510894"/>
       </p:ext>
     </p:extLst>
   </p:cSld>
@@ -2191,13 +4672,7 @@
       </p:grpSpPr>
       <p:sp>
         <p:nvSpPr>
-          <p:cNvPr id="2" name="Title 1">
-            <a:extLst>
-              <a:ext uri="{FF2B5EF4-FFF2-40B4-BE49-F238E27FC236}">
-                <a16:creationId xmlns:a16="http://schemas.microsoft.com/office/drawing/2014/main" id="{9BF569F4-DFFA-4B12-B6E3-5426B54F7F6C}"/>
-              </a:ext>
-            </a:extLst>
-          </p:cNvPr>
+          <p:cNvPr id="2" name="Title 1"/>
           <p:cNvSpPr>
             <a:spLocks noGrp="1"/>
           </p:cNvSpPr>
@@ -2207,15 +4682,15 @@
         </p:nvSpPr>
         <p:spPr>
           <a:xfrm>
-            <a:off x="839788" y="457200"/>
-            <a:ext cx="3932237" cy="1600200"/>
+            <a:off x="1154953" y="1447800"/>
+            <a:ext cx="3401064" cy="1447800"/>
           </a:xfrm>
         </p:spPr>
         <p:txBody>
           <a:bodyPr anchor="b"/>
           <a:lstStyle>
-            <a:lvl1pPr>
-              <a:defRPr sz="3200"/>
+            <a:lvl1pPr algn="l">
+              <a:defRPr sz="2400" b="0"/>
             </a:lvl1pPr>
           </a:lstStyle>
           <a:p>
@@ -2223,19 +4698,13 @@
               <a:rPr lang="en-US"/>
               <a:t>Click to edit Master title style</a:t>
             </a:r>
-            <a:endParaRPr lang="en-GB"/>
-          </a:p>
-        </p:txBody>
-      </p:sp>
-      <p:sp>
-        <p:nvSpPr>
-          <p:cNvPr id="3" name="Content Placeholder 2">
-            <a:extLst>
-              <a:ext uri="{FF2B5EF4-FFF2-40B4-BE49-F238E27FC236}">
-                <a16:creationId xmlns:a16="http://schemas.microsoft.com/office/drawing/2014/main" id="{168C5DDA-298E-4A47-8ACB-2D4B8D70574B}"/>
-              </a:ext>
-            </a:extLst>
-          </p:cNvPr>
+            <a:endParaRPr lang="en-US" dirty="0"/>
+          </a:p>
+        </p:txBody>
+      </p:sp>
+      <p:sp>
+        <p:nvSpPr>
+          <p:cNvPr id="3" name="Content Placeholder 2"/>
           <p:cNvSpPr>
             <a:spLocks noGrp="1"/>
           </p:cNvSpPr>
@@ -2245,39 +4714,41 @@
         </p:nvSpPr>
         <p:spPr>
           <a:xfrm>
-            <a:off x="5183188" y="987425"/>
-            <a:ext cx="6172200" cy="4873625"/>
-          </a:xfrm>
-        </p:spPr>
-        <p:txBody>
-          <a:bodyPr/>
+            <a:off x="4784616" y="1447800"/>
+            <a:ext cx="5195997" cy="4572000"/>
+          </a:xfrm>
+        </p:spPr>
+        <p:txBody>
+          <a:bodyPr anchor="ctr">
+            <a:normAutofit/>
+          </a:bodyPr>
           <a:lstStyle>
             <a:lvl1pPr>
-              <a:defRPr sz="3200"/>
+              <a:defRPr sz="2000"/>
             </a:lvl1pPr>
             <a:lvl2pPr>
-              <a:defRPr sz="2800"/>
+              <a:defRPr sz="1800"/>
             </a:lvl2pPr>
             <a:lvl3pPr>
-              <a:defRPr sz="2400"/>
+              <a:defRPr sz="1600"/>
             </a:lvl3pPr>
             <a:lvl4pPr>
-              <a:defRPr sz="2000"/>
+              <a:defRPr sz="1400"/>
             </a:lvl4pPr>
             <a:lvl5pPr>
-              <a:defRPr sz="2000"/>
+              <a:defRPr sz="1400"/>
             </a:lvl5pPr>
             <a:lvl6pPr>
-              <a:defRPr sz="2000"/>
+              <a:defRPr sz="1400"/>
             </a:lvl6pPr>
             <a:lvl7pPr>
-              <a:defRPr sz="2000"/>
+              <a:defRPr sz="1400"/>
             </a:lvl7pPr>
             <a:lvl8pPr>
-              <a:defRPr sz="2000"/>
+              <a:defRPr sz="1400"/>
             </a:lvl8pPr>
             <a:lvl9pPr>
-              <a:defRPr sz="2000"/>
+              <a:defRPr sz="1400"/>
             </a:lvl9pPr>
           </a:lstStyle>
           <a:p>
@@ -2314,19 +4785,13 @@
               <a:rPr lang="en-US"/>
               <a:t>Fifth level</a:t>
             </a:r>
-            <a:endParaRPr lang="en-GB"/>
-          </a:p>
-        </p:txBody>
-      </p:sp>
-      <p:sp>
-        <p:nvSpPr>
-          <p:cNvPr id="4" name="Text Placeholder 3">
-            <a:extLst>
-              <a:ext uri="{FF2B5EF4-FFF2-40B4-BE49-F238E27FC236}">
-                <a16:creationId xmlns:a16="http://schemas.microsoft.com/office/drawing/2014/main" id="{D59CF293-C1DE-484C-99D8-CF3B6840DFD1}"/>
-              </a:ext>
-            </a:extLst>
-          </p:cNvPr>
+            <a:endParaRPr lang="en-US" dirty="0"/>
+          </a:p>
+        </p:txBody>
+      </p:sp>
+      <p:sp>
+        <p:nvSpPr>
+          <p:cNvPr id="4" name="Text Placeholder 3"/>
           <p:cNvSpPr>
             <a:spLocks noGrp="1"/>
           </p:cNvSpPr>
@@ -2336,8 +4801,8 @@
         </p:nvSpPr>
         <p:spPr>
           <a:xfrm>
-            <a:off x="839788" y="2057400"/>
-            <a:ext cx="3932237" cy="3811588"/>
+            <a:off x="1154953" y="3129280"/>
+            <a:ext cx="3401063" cy="2895599"/>
           </a:xfrm>
         </p:spPr>
         <p:txBody>
@@ -2345,39 +4810,39 @@
           <a:lstStyle>
             <a:lvl1pPr marL="0" indent="0">
               <a:buNone/>
-              <a:defRPr sz="1600"/>
+              <a:defRPr sz="1400"/>
             </a:lvl1pPr>
             <a:lvl2pPr marL="457200" indent="0">
               <a:buNone/>
-              <a:defRPr sz="1400"/>
+              <a:defRPr sz="1200"/>
             </a:lvl2pPr>
             <a:lvl3pPr marL="914400" indent="0">
               <a:buNone/>
-              <a:defRPr sz="1200"/>
+              <a:defRPr sz="1000"/>
             </a:lvl3pPr>
             <a:lvl4pPr marL="1371600" indent="0">
               <a:buNone/>
-              <a:defRPr sz="1000"/>
+              <a:defRPr sz="900"/>
             </a:lvl4pPr>
             <a:lvl5pPr marL="1828800" indent="0">
               <a:buNone/>
-              <a:defRPr sz="1000"/>
+              <a:defRPr sz="900"/>
             </a:lvl5pPr>
             <a:lvl6pPr marL="2286000" indent="0">
               <a:buNone/>
-              <a:defRPr sz="1000"/>
+              <a:defRPr sz="900"/>
             </a:lvl6pPr>
             <a:lvl7pPr marL="2743200" indent="0">
               <a:buNone/>
-              <a:defRPr sz="1000"/>
+              <a:defRPr sz="900"/>
             </a:lvl7pPr>
             <a:lvl8pPr marL="3200400" indent="0">
               <a:buNone/>
-              <a:defRPr sz="1000"/>
+              <a:defRPr sz="900"/>
             </a:lvl8pPr>
             <a:lvl9pPr marL="3657600" indent="0">
               <a:buNone/>
-              <a:defRPr sz="1000"/>
+              <a:defRPr sz="900"/>
             </a:lvl9pPr>
           </a:lstStyle>
           <a:p>
@@ -2391,13 +4856,7 @@
       </p:sp>
       <p:sp>
         <p:nvSpPr>
-          <p:cNvPr id="5" name="Date Placeholder 4">
-            <a:extLst>
-              <a:ext uri="{FF2B5EF4-FFF2-40B4-BE49-F238E27FC236}">
-                <a16:creationId xmlns:a16="http://schemas.microsoft.com/office/drawing/2014/main" id="{2D6B9462-4971-4F0F-8ED6-67696EF6088C}"/>
-              </a:ext>
-            </a:extLst>
-          </p:cNvPr>
+          <p:cNvPr id="7" name="Date Placeholder 4"/>
           <p:cNvSpPr>
             <a:spLocks noGrp="1"/>
           </p:cNvSpPr>
@@ -2412,7 +4871,7 @@
           <a:p>
             <a:fld id="{6F67D289-0847-4A7F-A587-1F4431DE23A3}" type="datetimeFigureOut">
               <a:rPr lang="en-GB" smtClean="0"/>
-              <a:t>28/06/2021</a:t>
+              <a:t>29/06/2021</a:t>
             </a:fld>
             <a:endParaRPr lang="en-GB"/>
           </a:p>
@@ -2420,13 +4879,7 @@
       </p:sp>
       <p:sp>
         <p:nvSpPr>
-          <p:cNvPr id="6" name="Footer Placeholder 5">
-            <a:extLst>
-              <a:ext uri="{FF2B5EF4-FFF2-40B4-BE49-F238E27FC236}">
-                <a16:creationId xmlns:a16="http://schemas.microsoft.com/office/drawing/2014/main" id="{FC02F08C-73FB-426F-A213-D45B4DEBF176}"/>
-              </a:ext>
-            </a:extLst>
-          </p:cNvPr>
+          <p:cNvPr id="5" name="Footer Placeholder 5"/>
           <p:cNvSpPr>
             <a:spLocks noGrp="1"/>
           </p:cNvSpPr>
@@ -2445,13 +4898,7 @@
       </p:sp>
       <p:sp>
         <p:nvSpPr>
-          <p:cNvPr id="7" name="Slide Number Placeholder 6">
-            <a:extLst>
-              <a:ext uri="{FF2B5EF4-FFF2-40B4-BE49-F238E27FC236}">
-                <a16:creationId xmlns:a16="http://schemas.microsoft.com/office/drawing/2014/main" id="{88CBCCAA-E4E1-43EF-BC28-9279245A4F42}"/>
-              </a:ext>
-            </a:extLst>
-          </p:cNvPr>
+          <p:cNvPr id="6" name="Slide Number Placeholder 6"/>
           <p:cNvSpPr>
             <a:spLocks noGrp="1"/>
           </p:cNvSpPr>
@@ -2475,7 +4922,7 @@
     </p:spTree>
     <p:extLst>
       <p:ext uri="{BB962C8B-B14F-4D97-AF65-F5344CB8AC3E}">
-        <p14:creationId xmlns:p14="http://schemas.microsoft.com/office/powerpoint/2010/main" val="304132449"/>
+        <p14:creationId xmlns:p14="http://schemas.microsoft.com/office/powerpoint/2010/main" val="2958532793"/>
       </p:ext>
     </p:extLst>
   </p:cSld>
@@ -2504,13 +4951,7 @@
       </p:grpSpPr>
       <p:sp>
         <p:nvSpPr>
-          <p:cNvPr id="2" name="Title 1">
-            <a:extLst>
-              <a:ext uri="{FF2B5EF4-FFF2-40B4-BE49-F238E27FC236}">
-                <a16:creationId xmlns:a16="http://schemas.microsoft.com/office/drawing/2014/main" id="{0895DA90-4690-48ED-B20D-05CB712D09A0}"/>
-              </a:ext>
-            </a:extLst>
-          </p:cNvPr>
+          <p:cNvPr id="2" name="Title 1"/>
           <p:cNvSpPr>
             <a:spLocks noGrp="1"/>
           </p:cNvSpPr>
@@ -2520,15 +4961,17 @@
         </p:nvSpPr>
         <p:spPr>
           <a:xfrm>
-            <a:off x="839788" y="457200"/>
-            <a:ext cx="3932237" cy="1600200"/>
-          </a:xfrm>
-        </p:spPr>
-        <p:txBody>
-          <a:bodyPr anchor="b"/>
+            <a:off x="1153907" y="1854192"/>
+            <a:ext cx="5092906" cy="1574808"/>
+          </a:xfrm>
+        </p:spPr>
+        <p:txBody>
+          <a:bodyPr anchor="b">
+            <a:normAutofit/>
+          </a:bodyPr>
           <a:lstStyle>
-            <a:lvl1pPr>
-              <a:defRPr sz="3200"/>
+            <a:lvl1pPr algn="l">
+              <a:defRPr sz="3600" b="0"/>
             </a:lvl1pPr>
           </a:lstStyle>
           <a:p>
@@ -2536,21 +4979,15 @@
               <a:rPr lang="en-US"/>
               <a:t>Click to edit Master title style</a:t>
             </a:r>
-            <a:endParaRPr lang="en-GB"/>
-          </a:p>
-        </p:txBody>
-      </p:sp>
-      <p:sp>
-        <p:nvSpPr>
-          <p:cNvPr id="3" name="Picture Placeholder 2">
-            <a:extLst>
-              <a:ext uri="{FF2B5EF4-FFF2-40B4-BE49-F238E27FC236}">
-                <a16:creationId xmlns:a16="http://schemas.microsoft.com/office/drawing/2014/main" id="{BC259812-DAE9-4F8D-B297-C2B58B8E8EA5}"/>
-              </a:ext>
-            </a:extLst>
-          </p:cNvPr>
-          <p:cNvSpPr>
-            <a:spLocks noGrp="1"/>
+            <a:endParaRPr lang="en-US" dirty="0"/>
+          </a:p>
+        </p:txBody>
+      </p:sp>
+      <p:sp>
+        <p:nvSpPr>
+          <p:cNvPr id="3" name="Picture Placeholder 2"/>
+          <p:cNvSpPr>
+            <a:spLocks noGrp="1" noChangeAspect="1"/>
           </p:cNvSpPr>
           <p:nvPr>
             <p:ph type="pic" idx="1"/>
@@ -2558,118 +4995,132 @@
         </p:nvSpPr>
         <p:spPr>
           <a:xfrm>
-            <a:off x="5183188" y="987425"/>
-            <a:ext cx="6172200" cy="4873625"/>
-          </a:xfrm>
-        </p:spPr>
-        <p:txBody>
-          <a:bodyPr/>
+            <a:off x="6949546" y="1143000"/>
+            <a:ext cx="3200400" cy="4572000"/>
+          </a:xfrm>
+          <a:prstGeom prst="roundRect">
+            <a:avLst>
+              <a:gd name="adj" fmla="val 1858"/>
+            </a:avLst>
+          </a:prstGeom>
+          <a:effectLst>
+            <a:outerShdw blurRad="50800" dist="50800" dir="5400000" algn="tl" rotWithShape="0">
+              <a:srgbClr val="000000">
+                <a:alpha val="43000"/>
+              </a:srgbClr>
+            </a:outerShdw>
+          </a:effectLst>
+        </p:spPr>
+        <p:txBody>
+          <a:bodyPr anchor="t">
+            <a:normAutofit/>
+          </a:bodyPr>
           <a:lstStyle>
-            <a:lvl1pPr marL="0" indent="0">
-              <a:buNone/>
-              <a:defRPr sz="3200"/>
-            </a:lvl1pPr>
-            <a:lvl2pPr marL="457200" indent="0">
-              <a:buNone/>
-              <a:defRPr sz="2800"/>
-            </a:lvl2pPr>
-            <a:lvl3pPr marL="914400" indent="0">
-              <a:buNone/>
-              <a:defRPr sz="2400"/>
-            </a:lvl3pPr>
-            <a:lvl4pPr marL="1371600" indent="0">
-              <a:buNone/>
-              <a:defRPr sz="2000"/>
-            </a:lvl4pPr>
-            <a:lvl5pPr marL="1828800" indent="0">
-              <a:buNone/>
-              <a:defRPr sz="2000"/>
-            </a:lvl5pPr>
-            <a:lvl6pPr marL="2286000" indent="0">
-              <a:buNone/>
-              <a:defRPr sz="2000"/>
-            </a:lvl6pPr>
-            <a:lvl7pPr marL="2743200" indent="0">
-              <a:buNone/>
-              <a:defRPr sz="2000"/>
-            </a:lvl7pPr>
-            <a:lvl8pPr marL="3200400" indent="0">
-              <a:buNone/>
-              <a:defRPr sz="2000"/>
-            </a:lvl8pPr>
-            <a:lvl9pPr marL="3657600" indent="0">
-              <a:buNone/>
-              <a:defRPr sz="2000"/>
-            </a:lvl9pPr>
-          </a:lstStyle>
-          <a:p>
-            <a:endParaRPr lang="en-GB"/>
-          </a:p>
-        </p:txBody>
-      </p:sp>
-      <p:sp>
-        <p:nvSpPr>
-          <p:cNvPr id="4" name="Text Placeholder 3">
-            <a:extLst>
-              <a:ext uri="{FF2B5EF4-FFF2-40B4-BE49-F238E27FC236}">
-                <a16:creationId xmlns:a16="http://schemas.microsoft.com/office/drawing/2014/main" id="{317C199D-9F84-48A1-A317-5B294BD54A60}"/>
-              </a:ext>
-            </a:extLst>
-          </p:cNvPr>
-          <p:cNvSpPr>
-            <a:spLocks noGrp="1"/>
-          </p:cNvSpPr>
-          <p:nvPr>
-            <p:ph type="body" sz="half" idx="2"/>
-          </p:nvPr>
-        </p:nvSpPr>
-        <p:spPr>
-          <a:xfrm>
-            <a:off x="839788" y="2057400"/>
-            <a:ext cx="3932237" cy="3811588"/>
-          </a:xfrm>
-        </p:spPr>
-        <p:txBody>
-          <a:bodyPr/>
-          <a:lstStyle>
-            <a:lvl1pPr marL="0" indent="0">
+            <a:lvl1pPr marL="0" indent="0" algn="ctr">
               <a:buNone/>
               <a:defRPr sz="1600"/>
             </a:lvl1pPr>
             <a:lvl2pPr marL="457200" indent="0">
               <a:buNone/>
-              <a:defRPr sz="1400"/>
+              <a:defRPr sz="1600"/>
             </a:lvl2pPr>
             <a:lvl3pPr marL="914400" indent="0">
               <a:buNone/>
-              <a:defRPr sz="1200"/>
+              <a:defRPr sz="1600"/>
             </a:lvl3pPr>
             <a:lvl4pPr marL="1371600" indent="0">
               <a:buNone/>
-              <a:defRPr sz="1000"/>
+              <a:defRPr sz="1600"/>
             </a:lvl4pPr>
             <a:lvl5pPr marL="1828800" indent="0">
               <a:buNone/>
-              <a:defRPr sz="1000"/>
+              <a:defRPr sz="1600"/>
             </a:lvl5pPr>
             <a:lvl6pPr marL="2286000" indent="0">
               <a:buNone/>
-              <a:defRPr sz="1000"/>
+              <a:defRPr sz="1600"/>
             </a:lvl6pPr>
             <a:lvl7pPr marL="2743200" indent="0">
               <a:buNone/>
-              <a:defRPr sz="1000"/>
+              <a:defRPr sz="1600"/>
             </a:lvl7pPr>
             <a:lvl8pPr marL="3200400" indent="0">
               <a:buNone/>
-              <a:defRPr sz="1000"/>
+              <a:defRPr sz="1600"/>
             </a:lvl8pPr>
             <a:lvl9pPr marL="3657600" indent="0">
               <a:buNone/>
-              <a:defRPr sz="1000"/>
+              <a:defRPr sz="1600"/>
             </a:lvl9pPr>
           </a:lstStyle>
           <a:p>
+            <a:r>
+              <a:rPr lang="en-US"/>
+              <a:t>Click icon to add picture</a:t>
+            </a:r>
+            <a:endParaRPr lang="en-US" dirty="0"/>
+          </a:p>
+        </p:txBody>
+      </p:sp>
+      <p:sp>
+        <p:nvSpPr>
+          <p:cNvPr id="4" name="Text Placeholder 3"/>
+          <p:cNvSpPr>
+            <a:spLocks noGrp="1"/>
+          </p:cNvSpPr>
+          <p:nvPr>
+            <p:ph type="body" sz="half" idx="2"/>
+          </p:nvPr>
+        </p:nvSpPr>
+        <p:spPr>
+          <a:xfrm>
+            <a:off x="1154954" y="3657600"/>
+            <a:ext cx="5084979" cy="1371600"/>
+          </a:xfrm>
+        </p:spPr>
+        <p:txBody>
+          <a:bodyPr>
+            <a:normAutofit/>
+          </a:bodyPr>
+          <a:lstStyle>
+            <a:lvl1pPr marL="0" indent="0">
+              <a:buNone/>
+              <a:defRPr sz="1400"/>
+            </a:lvl1pPr>
+            <a:lvl2pPr marL="457200" indent="0">
+              <a:buNone/>
+              <a:defRPr sz="1200"/>
+            </a:lvl2pPr>
+            <a:lvl3pPr marL="914400" indent="0">
+              <a:buNone/>
+              <a:defRPr sz="1000"/>
+            </a:lvl3pPr>
+            <a:lvl4pPr marL="1371600" indent="0">
+              <a:buNone/>
+              <a:defRPr sz="900"/>
+            </a:lvl4pPr>
+            <a:lvl5pPr marL="1828800" indent="0">
+              <a:buNone/>
+              <a:defRPr sz="900"/>
+            </a:lvl5pPr>
+            <a:lvl6pPr marL="2286000" indent="0">
+              <a:buNone/>
+              <a:defRPr sz="900"/>
+            </a:lvl6pPr>
+            <a:lvl7pPr marL="2743200" indent="0">
+              <a:buNone/>
+              <a:defRPr sz="900"/>
+            </a:lvl7pPr>
+            <a:lvl8pPr marL="3200400" indent="0">
+              <a:buNone/>
+              <a:defRPr sz="900"/>
+            </a:lvl8pPr>
+            <a:lvl9pPr marL="3657600" indent="0">
+              <a:buNone/>
+              <a:defRPr sz="900"/>
+            </a:lvl9pPr>
+          </a:lstStyle>
+          <a:p>
             <a:pPr lvl="0"/>
             <a:r>
               <a:rPr lang="en-US"/>
@@ -2680,13 +5131,7 @@
       </p:sp>
       <p:sp>
         <p:nvSpPr>
-          <p:cNvPr id="5" name="Date Placeholder 4">
-            <a:extLst>
-              <a:ext uri="{FF2B5EF4-FFF2-40B4-BE49-F238E27FC236}">
-                <a16:creationId xmlns:a16="http://schemas.microsoft.com/office/drawing/2014/main" id="{8404FCD1-CFF3-4599-ACEC-CE31BFABA61A}"/>
-              </a:ext>
-            </a:extLst>
-          </p:cNvPr>
+          <p:cNvPr id="5" name="Date Placeholder 4"/>
           <p:cNvSpPr>
             <a:spLocks noGrp="1"/>
           </p:cNvSpPr>
@@ -2701,7 +5146,7 @@
           <a:p>
             <a:fld id="{6F67D289-0847-4A7F-A587-1F4431DE23A3}" type="datetimeFigureOut">
               <a:rPr lang="en-GB" smtClean="0"/>
-              <a:t>28/06/2021</a:t>
+              <a:t>29/06/2021</a:t>
             </a:fld>
             <a:endParaRPr lang="en-GB"/>
           </a:p>
@@ -2709,13 +5154,7 @@
       </p:sp>
       <p:sp>
         <p:nvSpPr>
-          <p:cNvPr id="6" name="Footer Placeholder 5">
-            <a:extLst>
-              <a:ext uri="{FF2B5EF4-FFF2-40B4-BE49-F238E27FC236}">
-                <a16:creationId xmlns:a16="http://schemas.microsoft.com/office/drawing/2014/main" id="{099D36F9-21A3-42E8-9535-A7A75C8745CF}"/>
-              </a:ext>
-            </a:extLst>
-          </p:cNvPr>
+          <p:cNvPr id="6" name="Footer Placeholder 5"/>
           <p:cNvSpPr>
             <a:spLocks noGrp="1"/>
           </p:cNvSpPr>
@@ -2734,13 +5173,7 @@
       </p:sp>
       <p:sp>
         <p:nvSpPr>
-          <p:cNvPr id="7" name="Slide Number Placeholder 6">
-            <a:extLst>
-              <a:ext uri="{FF2B5EF4-FFF2-40B4-BE49-F238E27FC236}">
-                <a16:creationId xmlns:a16="http://schemas.microsoft.com/office/drawing/2014/main" id="{4F37721D-9540-44D5-AA77-326ABBEBC4FF}"/>
-              </a:ext>
-            </a:extLst>
-          </p:cNvPr>
+          <p:cNvPr id="7" name="Slide Number Placeholder 6"/>
           <p:cNvSpPr>
             <a:spLocks noGrp="1"/>
           </p:cNvSpPr>
@@ -2764,7 +5197,7 @@
     </p:spTree>
     <p:extLst>
       <p:ext uri="{BB962C8B-B14F-4D97-AF65-F5344CB8AC3E}">
-        <p14:creationId xmlns:p14="http://schemas.microsoft.com/office/powerpoint/2010/main" val="380781579"/>
+        <p14:creationId xmlns:p14="http://schemas.microsoft.com/office/powerpoint/2010/main" val="160569645"/>
       </p:ext>
     </p:extLst>
   </p:cSld>
@@ -2778,8 +5211,8 @@
 <p:sldMaster xmlns:a="http://schemas.openxmlformats.org/drawingml/2006/main" xmlns:r="http://schemas.openxmlformats.org/officeDocument/2006/relationships" xmlns:p="http://schemas.openxmlformats.org/presentationml/2006/main">
   <p:cSld>
     <p:bg>
-      <p:bgRef idx="1001">
-        <a:schemeClr val="bg1"/>
+      <p:bgRef idx="1003">
+        <a:schemeClr val="bg2"/>
       </p:bgRef>
     </p:bg>
     <p:spTree>
@@ -2796,70 +5229,273 @@
           <a:chExt cx="0" cy="0"/>
         </a:xfrm>
       </p:grpSpPr>
-      <p:sp>
-        <p:nvSpPr>
-          <p:cNvPr id="2" name="Title Placeholder 1">
+      <p:pic>
+        <p:nvPicPr>
+          <p:cNvPr id="8" name="Picture 7"/>
+          <p:cNvPicPr>
+            <a:picLocks noChangeAspect="1"/>
+          </p:cNvPicPr>
+          <p:nvPr/>
+        </p:nvPicPr>
+        <p:blipFill rotWithShape="1">
+          <a:blip r:embed="rId19">
             <a:extLst>
-              <a:ext uri="{FF2B5EF4-FFF2-40B4-BE49-F238E27FC236}">
-                <a16:creationId xmlns:a16="http://schemas.microsoft.com/office/drawing/2014/main" id="{F750592D-7525-4C84-AC09-D4233955DEF1}"/>
+              <a:ext uri="{28A0092B-C50C-407E-A947-70E740481C1C}">
+                <a14:useLocalDpi xmlns:a14="http://schemas.microsoft.com/office/drawing/2010/main" val="0"/>
               </a:ext>
             </a:extLst>
-          </p:cNvPr>
-          <p:cNvSpPr>
-            <a:spLocks noGrp="1"/>
-          </p:cNvSpPr>
-          <p:nvPr>
-            <p:ph type="title"/>
-          </p:nvPr>
-        </p:nvSpPr>
-        <p:spPr>
-          <a:xfrm>
-            <a:off x="838200" y="365125"/>
-            <a:ext cx="10515600" cy="1325563"/>
+          </a:blip>
+          <a:srcRect l="3613"/>
+          <a:stretch/>
+        </p:blipFill>
+        <p:spPr>
+          <a:xfrm>
+            <a:off x="0" y="2669685"/>
+            <a:ext cx="4037012" cy="4188315"/>
           </a:xfrm>
           <a:prstGeom prst="rect">
             <a:avLst/>
           </a:prstGeom>
         </p:spPr>
-        <p:txBody>
-          <a:bodyPr vert="horz" lIns="91440" tIns="45720" rIns="91440" bIns="45720" rtlCol="0" anchor="ctr">
-            <a:normAutofit/>
-          </a:bodyPr>
-          <a:lstStyle/>
-          <a:p>
-            <a:r>
-              <a:rPr lang="en-US"/>
-              <a:t>Click to edit Master title style</a:t>
-            </a:r>
-            <a:endParaRPr lang="en-GB"/>
-          </a:p>
-        </p:txBody>
-      </p:sp>
-      <p:sp>
-        <p:nvSpPr>
-          <p:cNvPr id="3" name="Text Placeholder 2">
+      </p:pic>
+      <p:pic>
+        <p:nvPicPr>
+          <p:cNvPr id="7" name="Picture 6"/>
+          <p:cNvPicPr>
+            <a:picLocks noChangeAspect="1"/>
+          </p:cNvPicPr>
+          <p:nvPr/>
+        </p:nvPicPr>
+        <p:blipFill rotWithShape="1">
+          <a:blip r:embed="rId20">
             <a:extLst>
-              <a:ext uri="{FF2B5EF4-FFF2-40B4-BE49-F238E27FC236}">
-                <a16:creationId xmlns:a16="http://schemas.microsoft.com/office/drawing/2014/main" id="{CBC9106E-ACCF-42EF-8041-1529E76CC667}"/>
+              <a:ext uri="{28A0092B-C50C-407E-A947-70E740481C1C}">
+                <a14:useLocalDpi xmlns:a14="http://schemas.microsoft.com/office/drawing/2010/main" val="0"/>
               </a:ext>
             </a:extLst>
-          </p:cNvPr>
-          <p:cNvSpPr>
-            <a:spLocks noGrp="1"/>
-          </p:cNvSpPr>
-          <p:nvPr>
-            <p:ph type="body" idx="1"/>
-          </p:nvPr>
-        </p:nvSpPr>
-        <p:spPr>
-          <a:xfrm>
-            <a:off x="838200" y="1825625"/>
-            <a:ext cx="10515600" cy="4351338"/>
+          </a:blip>
+          <a:srcRect l="35640"/>
+          <a:stretch/>
+        </p:blipFill>
+        <p:spPr>
+          <a:xfrm>
+            <a:off x="0" y="2892347"/>
+            <a:ext cx="1522412" cy="2365453"/>
           </a:xfrm>
           <a:prstGeom prst="rect">
             <a:avLst/>
           </a:prstGeom>
         </p:spPr>
+      </p:pic>
+      <p:sp>
+        <p:nvSpPr>
+          <p:cNvPr id="16" name="Oval 15"/>
+          <p:cNvSpPr/>
+          <p:nvPr/>
+        </p:nvSpPr>
+        <p:spPr>
+          <a:xfrm>
+            <a:off x="8609012" y="1676400"/>
+            <a:ext cx="2819400" cy="2819400"/>
+          </a:xfrm>
+          <a:prstGeom prst="ellipse">
+            <a:avLst/>
+          </a:prstGeom>
+          <a:gradFill flip="none" rotWithShape="1">
+            <a:gsLst>
+              <a:gs pos="0">
+                <a:schemeClr val="bg2">
+                  <a:lumMod val="60000"/>
+                  <a:lumOff val="40000"/>
+                  <a:alpha val="7000"/>
+                </a:schemeClr>
+              </a:gs>
+              <a:gs pos="69000">
+                <a:schemeClr val="bg2">
+                  <a:lumMod val="60000"/>
+                  <a:lumOff val="40000"/>
+                  <a:alpha val="0"/>
+                </a:schemeClr>
+              </a:gs>
+              <a:gs pos="36000">
+                <a:schemeClr val="bg2">
+                  <a:lumMod val="60000"/>
+                  <a:lumOff val="40000"/>
+                  <a:alpha val="6000"/>
+                </a:schemeClr>
+              </a:gs>
+            </a:gsLst>
+            <a:path path="circle">
+              <a:fillToRect l="50000" t="50000" r="50000" b="50000"/>
+            </a:path>
+            <a:tileRect/>
+          </a:gradFill>
+          <a:ln>
+            <a:noFill/>
+          </a:ln>
+          <a:effectLst/>
+        </p:spPr>
+        <p:style>
+          <a:lnRef idx="1">
+            <a:schemeClr val="accent1"/>
+          </a:lnRef>
+          <a:fillRef idx="3">
+            <a:schemeClr val="accent1"/>
+          </a:fillRef>
+          <a:effectRef idx="2">
+            <a:schemeClr val="accent1"/>
+          </a:effectRef>
+          <a:fontRef idx="minor">
+            <a:schemeClr val="lt1"/>
+          </a:fontRef>
+        </p:style>
+      </p:sp>
+      <p:pic>
+        <p:nvPicPr>
+          <p:cNvPr id="9" name="Picture 8"/>
+          <p:cNvPicPr>
+            <a:picLocks noChangeAspect="1"/>
+          </p:cNvPicPr>
+          <p:nvPr/>
+        </p:nvPicPr>
+        <p:blipFill rotWithShape="1">
+          <a:blip r:embed="rId21">
+            <a:extLst>
+              <a:ext uri="{28A0092B-C50C-407E-A947-70E740481C1C}">
+                <a14:useLocalDpi xmlns:a14="http://schemas.microsoft.com/office/drawing/2010/main" val="0"/>
+              </a:ext>
+            </a:extLst>
+          </a:blip>
+          <a:srcRect t="28813"/>
+          <a:stretch/>
+        </p:blipFill>
+        <p:spPr>
+          <a:xfrm>
+            <a:off x="7999412" y="0"/>
+            <a:ext cx="1603387" cy="1141407"/>
+          </a:xfrm>
+          <a:prstGeom prst="rect">
+            <a:avLst/>
+          </a:prstGeom>
+        </p:spPr>
+      </p:pic>
+      <p:pic>
+        <p:nvPicPr>
+          <p:cNvPr id="10" name="Picture 9"/>
+          <p:cNvPicPr>
+            <a:picLocks noChangeAspect="1"/>
+          </p:cNvPicPr>
+          <p:nvPr/>
+        </p:nvPicPr>
+        <p:blipFill rotWithShape="1">
+          <a:blip r:embed="rId22">
+            <a:extLst>
+              <a:ext uri="{28A0092B-C50C-407E-A947-70E740481C1C}">
+                <a14:useLocalDpi xmlns:a14="http://schemas.microsoft.com/office/drawing/2010/main" val="0"/>
+              </a:ext>
+            </a:extLst>
+          </a:blip>
+          <a:srcRect b="23320"/>
+          <a:stretch/>
+        </p:blipFill>
+        <p:spPr>
+          <a:xfrm>
+            <a:off x="8605878" y="6096000"/>
+            <a:ext cx="993734" cy="762000"/>
+          </a:xfrm>
+          <a:prstGeom prst="rect">
+            <a:avLst/>
+          </a:prstGeom>
+        </p:spPr>
+      </p:pic>
+      <p:sp>
+        <p:nvSpPr>
+          <p:cNvPr id="14" name="Rectangle 13"/>
+          <p:cNvSpPr/>
+          <p:nvPr/>
+        </p:nvSpPr>
+        <p:spPr>
+          <a:xfrm>
+            <a:off x="10437812" y="0"/>
+            <a:ext cx="685800" cy="1143000"/>
+          </a:xfrm>
+          <a:prstGeom prst="rect">
+            <a:avLst/>
+          </a:prstGeom>
+          <a:solidFill>
+            <a:schemeClr val="accent1"/>
+          </a:solidFill>
+          <a:ln>
+            <a:noFill/>
+          </a:ln>
+        </p:spPr>
+        <p:style>
+          <a:lnRef idx="1">
+            <a:schemeClr val="accent1"/>
+          </a:lnRef>
+          <a:fillRef idx="3">
+            <a:schemeClr val="accent1"/>
+          </a:fillRef>
+          <a:effectRef idx="2">
+            <a:schemeClr val="accent1"/>
+          </a:effectRef>
+          <a:fontRef idx="minor">
+            <a:schemeClr val="lt1"/>
+          </a:fontRef>
+        </p:style>
+      </p:sp>
+      <p:sp>
+        <p:nvSpPr>
+          <p:cNvPr id="2" name="Title Placeholder 1"/>
+          <p:cNvSpPr>
+            <a:spLocks noGrp="1"/>
+          </p:cNvSpPr>
+          <p:nvPr>
+            <p:ph type="title"/>
+          </p:nvPr>
+        </p:nvSpPr>
+        <p:spPr>
+          <a:xfrm>
+            <a:off x="646111" y="452718"/>
+            <a:ext cx="9404723" cy="1400530"/>
+          </a:xfrm>
+          <a:prstGeom prst="rect">
+            <a:avLst/>
+          </a:prstGeom>
+        </p:spPr>
+        <p:txBody>
+          <a:bodyPr vert="horz" lIns="91440" tIns="45720" rIns="91440" bIns="45720" rtlCol="0" anchor="t">
+            <a:noAutofit/>
+          </a:bodyPr>
+          <a:lstStyle/>
+          <a:p>
+            <a:r>
+              <a:rPr lang="en-US"/>
+              <a:t>Click to edit Master title style</a:t>
+            </a:r>
+            <a:endParaRPr lang="en-US" dirty="0"/>
+          </a:p>
+        </p:txBody>
+      </p:sp>
+      <p:sp>
+        <p:nvSpPr>
+          <p:cNvPr id="3" name="Text Placeholder 2"/>
+          <p:cNvSpPr>
+            <a:spLocks noGrp="1"/>
+          </p:cNvSpPr>
+          <p:nvPr>
+            <p:ph type="body" idx="1"/>
+          </p:nvPr>
+        </p:nvSpPr>
+        <p:spPr>
+          <a:xfrm>
+            <a:off x="1103312" y="2052918"/>
+            <a:ext cx="8946541" cy="4195481"/>
+          </a:xfrm>
+          <a:prstGeom prst="rect">
+            <a:avLst/>
+          </a:prstGeom>
+        </p:spPr>
         <p:txBody>
           <a:bodyPr vert="horz" lIns="91440" tIns="45720" rIns="91440" bIns="45720" rtlCol="0">
             <a:normAutofit/>
@@ -2899,19 +5535,13 @@
               <a:rPr lang="en-US"/>
               <a:t>Fifth level</a:t>
             </a:r>
-            <a:endParaRPr lang="en-GB"/>
-          </a:p>
-        </p:txBody>
-      </p:sp>
-      <p:sp>
-        <p:nvSpPr>
-          <p:cNvPr id="4" name="Date Placeholder 3">
-            <a:extLst>
-              <a:ext uri="{FF2B5EF4-FFF2-40B4-BE49-F238E27FC236}">
-                <a16:creationId xmlns:a16="http://schemas.microsoft.com/office/drawing/2014/main" id="{DB0C37A8-495F-47F1-ABD1-11B86A675C19}"/>
-              </a:ext>
-            </a:extLst>
-          </p:cNvPr>
+            <a:endParaRPr lang="en-US" dirty="0"/>
+          </a:p>
+        </p:txBody>
+      </p:sp>
+      <p:sp>
+        <p:nvSpPr>
+          <p:cNvPr id="4" name="Date Placeholder 3"/>
           <p:cNvSpPr>
             <a:spLocks noGrp="1"/>
           </p:cNvSpPr>
@@ -2920,19 +5550,99 @@
           </p:nvPr>
         </p:nvSpPr>
         <p:spPr>
-          <a:xfrm>
-            <a:off x="838200" y="6356350"/>
-            <a:ext cx="2743200" cy="365125"/>
+          <a:xfrm rot="5400000">
+            <a:off x="10155639" y="1790701"/>
+            <a:ext cx="990599" cy="304799"/>
           </a:xfrm>
           <a:prstGeom prst="rect">
             <a:avLst/>
           </a:prstGeom>
         </p:spPr>
         <p:txBody>
-          <a:bodyPr vert="horz" lIns="91440" tIns="45720" rIns="91440" bIns="45720" rtlCol="0" anchor="ctr"/>
+          <a:bodyPr vert="horz" lIns="91440" tIns="45720" rIns="91440" bIns="45720" rtlCol="0" anchor="t"/>
           <a:lstStyle>
             <a:lvl1pPr algn="l">
-              <a:defRPr sz="1200">
+              <a:defRPr sz="1100" b="0" i="0">
+                <a:solidFill>
+                  <a:schemeClr val="tx1">
+                    <a:tint val="75000"/>
+                    <a:alpha val="60000"/>
+                  </a:schemeClr>
+                </a:solidFill>
+              </a:defRPr>
+            </a:lvl1pPr>
+          </a:lstStyle>
+          <a:p>
+            <a:fld id="{6F67D289-0847-4A7F-A587-1F4431DE23A3}" type="datetimeFigureOut">
+              <a:rPr lang="en-GB" smtClean="0"/>
+              <a:t>29/06/2021</a:t>
+            </a:fld>
+            <a:endParaRPr lang="en-GB"/>
+          </a:p>
+        </p:txBody>
+      </p:sp>
+      <p:sp>
+        <p:nvSpPr>
+          <p:cNvPr id="5" name="Footer Placeholder 4"/>
+          <p:cNvSpPr>
+            <a:spLocks noGrp="1"/>
+          </p:cNvSpPr>
+          <p:nvPr>
+            <p:ph type="ftr" sz="quarter" idx="3"/>
+          </p:nvPr>
+        </p:nvSpPr>
+        <p:spPr>
+          <a:xfrm rot="5400000">
+            <a:off x="8951573" y="3225297"/>
+            <a:ext cx="3859795" cy="304801"/>
+          </a:xfrm>
+          <a:prstGeom prst="rect">
+            <a:avLst/>
+          </a:prstGeom>
+        </p:spPr>
+        <p:txBody>
+          <a:bodyPr vert="horz" lIns="91440" tIns="45720" rIns="91440" bIns="45720" rtlCol="0" anchor="b"/>
+          <a:lstStyle>
+            <a:lvl1pPr algn="l">
+              <a:defRPr sz="1100" b="0" i="0">
+                <a:solidFill>
+                  <a:schemeClr val="tx1">
+                    <a:tint val="75000"/>
+                    <a:alpha val="60000"/>
+                  </a:schemeClr>
+                </a:solidFill>
+              </a:defRPr>
+            </a:lvl1pPr>
+          </a:lstStyle>
+          <a:p>
+            <a:endParaRPr lang="en-GB"/>
+          </a:p>
+        </p:txBody>
+      </p:sp>
+      <p:sp>
+        <p:nvSpPr>
+          <p:cNvPr id="6" name="Slide Number Placeholder 5"/>
+          <p:cNvSpPr>
+            <a:spLocks noGrp="1"/>
+          </p:cNvSpPr>
+          <p:nvPr>
+            <p:ph type="sldNum" sz="quarter" idx="4"/>
+          </p:nvPr>
+        </p:nvSpPr>
+        <p:spPr bwMode="gray">
+          <a:xfrm>
+            <a:off x="10352540" y="295729"/>
+            <a:ext cx="838199" cy="767687"/>
+          </a:xfrm>
+          <a:prstGeom prst="rect">
+            <a:avLst/>
+          </a:prstGeom>
+        </p:spPr>
+        <p:txBody>
+          <a:bodyPr vert="horz" lIns="91440" tIns="45720" rIns="91440" bIns="45720" rtlCol="0" anchor="b"/>
+          <a:lstStyle>
+            <a:lvl1pPr algn="ctr">
+              <a:defRPr sz="2800" b="0" i="0">
                 <a:solidFill>
                   <a:schemeClr val="tx1">
                     <a:tint val="75000"/>
@@ -2942,96 +5652,6 @@
             </a:lvl1pPr>
           </a:lstStyle>
           <a:p>
-            <a:fld id="{6F67D289-0847-4A7F-A587-1F4431DE23A3}" type="datetimeFigureOut">
-              <a:rPr lang="en-GB" smtClean="0"/>
-              <a:t>28/06/2021</a:t>
-            </a:fld>
-            <a:endParaRPr lang="en-GB"/>
-          </a:p>
-        </p:txBody>
-      </p:sp>
-      <p:sp>
-        <p:nvSpPr>
-          <p:cNvPr id="5" name="Footer Placeholder 4">
-            <a:extLst>
-              <a:ext uri="{FF2B5EF4-FFF2-40B4-BE49-F238E27FC236}">
-                <a16:creationId xmlns:a16="http://schemas.microsoft.com/office/drawing/2014/main" id="{70B45CE9-7FFC-496E-A586-63D2455CDBB5}"/>
-              </a:ext>
-            </a:extLst>
-          </p:cNvPr>
-          <p:cNvSpPr>
-            <a:spLocks noGrp="1"/>
-          </p:cNvSpPr>
-          <p:nvPr>
-            <p:ph type="ftr" sz="quarter" idx="3"/>
-          </p:nvPr>
-        </p:nvSpPr>
-        <p:spPr>
-          <a:xfrm>
-            <a:off x="4038600" y="6356350"/>
-            <a:ext cx="4114800" cy="365125"/>
-          </a:xfrm>
-          <a:prstGeom prst="rect">
-            <a:avLst/>
-          </a:prstGeom>
-        </p:spPr>
-        <p:txBody>
-          <a:bodyPr vert="horz" lIns="91440" tIns="45720" rIns="91440" bIns="45720" rtlCol="0" anchor="ctr"/>
-          <a:lstStyle>
-            <a:lvl1pPr algn="ctr">
-              <a:defRPr sz="1200">
-                <a:solidFill>
-                  <a:schemeClr val="tx1">
-                    <a:tint val="75000"/>
-                  </a:schemeClr>
-                </a:solidFill>
-              </a:defRPr>
-            </a:lvl1pPr>
-          </a:lstStyle>
-          <a:p>
-            <a:endParaRPr lang="en-GB"/>
-          </a:p>
-        </p:txBody>
-      </p:sp>
-      <p:sp>
-        <p:nvSpPr>
-          <p:cNvPr id="6" name="Slide Number Placeholder 5">
-            <a:extLst>
-              <a:ext uri="{FF2B5EF4-FFF2-40B4-BE49-F238E27FC236}">
-                <a16:creationId xmlns:a16="http://schemas.microsoft.com/office/drawing/2014/main" id="{A20615DD-A3F3-4C94-B537-FD811FBFE991}"/>
-              </a:ext>
-            </a:extLst>
-          </p:cNvPr>
-          <p:cNvSpPr>
-            <a:spLocks noGrp="1"/>
-          </p:cNvSpPr>
-          <p:nvPr>
-            <p:ph type="sldNum" sz="quarter" idx="4"/>
-          </p:nvPr>
-        </p:nvSpPr>
-        <p:spPr>
-          <a:xfrm>
-            <a:off x="8610600" y="6356350"/>
-            <a:ext cx="2743200" cy="365125"/>
-          </a:xfrm>
-          <a:prstGeom prst="rect">
-            <a:avLst/>
-          </a:prstGeom>
-        </p:spPr>
-        <p:txBody>
-          <a:bodyPr vert="horz" lIns="91440" tIns="45720" rIns="91440" bIns="45720" rtlCol="0" anchor="ctr"/>
-          <a:lstStyle>
-            <a:lvl1pPr algn="r">
-              <a:defRPr sz="1200">
-                <a:solidFill>
-                  <a:schemeClr val="tx1">
-                    <a:tint val="75000"/>
-                  </a:schemeClr>
-                </a:solidFill>
-              </a:defRPr>
-            </a:lvl1pPr>
-          </a:lstStyle>
-          <a:p>
             <a:fld id="{8A48CC1F-C91D-43F7-A9EF-A62610DB53E4}" type="slidenum">
               <a:rPr lang="en-GB" smtClean="0"/>
               <a:t>‹#›</a:t>
@@ -3043,35 +5663,121 @@
     </p:spTree>
     <p:extLst>
       <p:ext uri="{BB962C8B-B14F-4D97-AF65-F5344CB8AC3E}">
-        <p14:creationId xmlns:p14="http://schemas.microsoft.com/office/powerpoint/2010/main" val="3019185961"/>
+        <p14:creationId xmlns:p14="http://schemas.microsoft.com/office/powerpoint/2010/main" val="44120178"/>
       </p:ext>
     </p:extLst>
   </p:cSld>
-  <p:clrMap bg1="lt1" tx1="dk1" bg2="lt2" tx2="dk2" accent1="accent1" accent2="accent2" accent3="accent3" accent4="accent4" accent5="accent5" accent6="accent6" hlink="hlink" folHlink="folHlink"/>
+  <p:clrMap bg1="dk1" tx1="lt1" bg2="dk2" tx2="lt2" accent1="accent1" accent2="accent2" accent3="accent3" accent4="accent4" accent5="accent5" accent6="accent6" hlink="hlink" folHlink="folHlink"/>
   <p:sldLayoutIdLst>
-    <p:sldLayoutId id="2147483649" r:id="rId1"/>
-    <p:sldLayoutId id="2147483650" r:id="rId2"/>
-    <p:sldLayoutId id="2147483651" r:id="rId3"/>
-    <p:sldLayoutId id="2147483652" r:id="rId4"/>
-    <p:sldLayoutId id="2147483653" r:id="rId5"/>
-    <p:sldLayoutId id="2147483654" r:id="rId6"/>
-    <p:sldLayoutId id="2147483655" r:id="rId7"/>
-    <p:sldLayoutId id="2147483656" r:id="rId8"/>
-    <p:sldLayoutId id="2147483657" r:id="rId9"/>
-    <p:sldLayoutId id="2147483658" r:id="rId10"/>
-    <p:sldLayoutId id="2147483659" r:id="rId11"/>
+    <p:sldLayoutId id="2147483708" r:id="rId1"/>
+    <p:sldLayoutId id="2147483709" r:id="rId2"/>
+    <p:sldLayoutId id="2147483710" r:id="rId3"/>
+    <p:sldLayoutId id="2147483711" r:id="rId4"/>
+    <p:sldLayoutId id="2147483712" r:id="rId5"/>
+    <p:sldLayoutId id="2147483713" r:id="rId6"/>
+    <p:sldLayoutId id="2147483714" r:id="rId7"/>
+    <p:sldLayoutId id="2147483715" r:id="rId8"/>
+    <p:sldLayoutId id="2147483716" r:id="rId9"/>
+    <p:sldLayoutId id="2147483717" r:id="rId10"/>
+    <p:sldLayoutId id="2147483718" r:id="rId11"/>
+    <p:sldLayoutId id="2147483719" r:id="rId12"/>
+    <p:sldLayoutId id="2147483720" r:id="rId13"/>
+    <p:sldLayoutId id="2147483721" r:id="rId14"/>
+    <p:sldLayoutId id="2147483722" r:id="rId15"/>
+    <p:sldLayoutId id="2147483723" r:id="rId16"/>
+    <p:sldLayoutId id="2147483724" r:id="rId17"/>
   </p:sldLayoutIdLst>
   <p:txStyles>
     <p:titleStyle>
-      <a:lvl1pPr algn="l" defTabSz="914400" rtl="0" eaLnBrk="1" latinLnBrk="0" hangingPunct="1">
-        <a:lnSpc>
-          <a:spcPct val="90000"/>
-        </a:lnSpc>
+      <a:lvl1pPr algn="l" defTabSz="457200" rtl="0" eaLnBrk="1" latinLnBrk="0" hangingPunct="1">
         <a:spcBef>
           <a:spcPct val="0"/>
         </a:spcBef>
         <a:buNone/>
-        <a:defRPr sz="4400" kern="1200">
+        <a:defRPr sz="4200" b="0" i="0" kern="1200">
+          <a:solidFill>
+            <a:schemeClr val="tx2"/>
+          </a:solidFill>
+          <a:latin typeface="+mj-lt"/>
+          <a:ea typeface="+mj-ea"/>
+          <a:cs typeface="+mj-cs"/>
+        </a:defRPr>
+      </a:lvl1pPr>
+      <a:lvl2pPr eaLnBrk="1" hangingPunct="1">
+        <a:defRPr>
+          <a:solidFill>
+            <a:schemeClr val="tx2"/>
+          </a:solidFill>
+        </a:defRPr>
+      </a:lvl2pPr>
+      <a:lvl3pPr eaLnBrk="1" hangingPunct="1">
+        <a:defRPr>
+          <a:solidFill>
+            <a:schemeClr val="tx2"/>
+          </a:solidFill>
+        </a:defRPr>
+      </a:lvl3pPr>
+      <a:lvl4pPr eaLnBrk="1" hangingPunct="1">
+        <a:defRPr>
+          <a:solidFill>
+            <a:schemeClr val="tx2"/>
+          </a:solidFill>
+        </a:defRPr>
+      </a:lvl4pPr>
+      <a:lvl5pPr eaLnBrk="1" hangingPunct="1">
+        <a:defRPr>
+          <a:solidFill>
+            <a:schemeClr val="tx2"/>
+          </a:solidFill>
+        </a:defRPr>
+      </a:lvl5pPr>
+      <a:lvl6pPr eaLnBrk="1" hangingPunct="1">
+        <a:defRPr>
+          <a:solidFill>
+            <a:schemeClr val="tx2"/>
+          </a:solidFill>
+        </a:defRPr>
+      </a:lvl6pPr>
+      <a:lvl7pPr eaLnBrk="1" hangingPunct="1">
+        <a:defRPr>
+          <a:solidFill>
+            <a:schemeClr val="tx2"/>
+          </a:solidFill>
+        </a:defRPr>
+      </a:lvl7pPr>
+      <a:lvl8pPr eaLnBrk="1" hangingPunct="1">
+        <a:defRPr>
+          <a:solidFill>
+            <a:schemeClr val="tx2"/>
+          </a:solidFill>
+        </a:defRPr>
+      </a:lvl8pPr>
+      <a:lvl9pPr eaLnBrk="1" hangingPunct="1">
+        <a:defRPr>
+          <a:solidFill>
+            <a:schemeClr val="tx2"/>
+          </a:solidFill>
+        </a:defRPr>
+      </a:lvl9pPr>
+    </p:titleStyle>
+    <p:bodyStyle>
+      <a:lvl1pPr marL="342900" indent="-342900" algn="l" defTabSz="457200" rtl="0" eaLnBrk="1" latinLnBrk="0" hangingPunct="1">
+        <a:spcBef>
+          <a:spcPts val="1000"/>
+        </a:spcBef>
+        <a:spcAft>
+          <a:spcPts val="0"/>
+        </a:spcAft>
+        <a:buClr>
+          <a:schemeClr val="bg2">
+            <a:lumMod val="40000"/>
+            <a:lumOff val="60000"/>
+          </a:schemeClr>
+        </a:buClr>
+        <a:buSzPct val="80000"/>
+        <a:buFont typeface="Wingdings 3" charset="2"/>
+        <a:buChar char=""/>
+        <a:defRPr sz="2000" b="0" i="0" kern="1200">
           <a:solidFill>
             <a:schemeClr val="tx1"/>
           </a:solidFill>
@@ -3080,18 +5786,213 @@
           <a:cs typeface="+mj-cs"/>
         </a:defRPr>
       </a:lvl1pPr>
-    </p:titleStyle>
-    <p:bodyStyle>
-      <a:lvl1pPr marL="228600" indent="-228600" algn="l" defTabSz="914400" rtl="0" eaLnBrk="1" latinLnBrk="0" hangingPunct="1">
-        <a:lnSpc>
-          <a:spcPct val="90000"/>
-        </a:lnSpc>
+      <a:lvl2pPr marL="742950" indent="-285750" algn="l" defTabSz="457200" rtl="0" eaLnBrk="1" latinLnBrk="0" hangingPunct="1">
         <a:spcBef>
           <a:spcPts val="1000"/>
         </a:spcBef>
-        <a:buFont typeface="Arial" panose="020B0604020202020204" pitchFamily="34" charset="0"/>
-        <a:buChar char="•"/>
-        <a:defRPr sz="2800" kern="1200">
+        <a:spcAft>
+          <a:spcPts val="0"/>
+        </a:spcAft>
+        <a:buClr>
+          <a:schemeClr val="bg2">
+            <a:lumMod val="40000"/>
+            <a:lumOff val="60000"/>
+          </a:schemeClr>
+        </a:buClr>
+        <a:buSzPct val="80000"/>
+        <a:buFont typeface="Wingdings 3" charset="2"/>
+        <a:buChar char=""/>
+        <a:defRPr sz="1800" b="0" i="0" kern="1200">
+          <a:solidFill>
+            <a:schemeClr val="tx1"/>
+          </a:solidFill>
+          <a:latin typeface="+mj-lt"/>
+          <a:ea typeface="+mj-ea"/>
+          <a:cs typeface="+mj-cs"/>
+        </a:defRPr>
+      </a:lvl2pPr>
+      <a:lvl3pPr marL="1143000" indent="-228600" algn="l" defTabSz="457200" rtl="0" eaLnBrk="1" latinLnBrk="0" hangingPunct="1">
+        <a:spcBef>
+          <a:spcPts val="1000"/>
+        </a:spcBef>
+        <a:spcAft>
+          <a:spcPts val="0"/>
+        </a:spcAft>
+        <a:buClr>
+          <a:schemeClr val="bg2">
+            <a:lumMod val="40000"/>
+            <a:lumOff val="60000"/>
+          </a:schemeClr>
+        </a:buClr>
+        <a:buSzPct val="80000"/>
+        <a:buFont typeface="Wingdings 3" charset="2"/>
+        <a:buChar char=""/>
+        <a:defRPr sz="1600" b="0" i="0" kern="1200">
+          <a:solidFill>
+            <a:schemeClr val="tx1"/>
+          </a:solidFill>
+          <a:latin typeface="+mj-lt"/>
+          <a:ea typeface="+mj-ea"/>
+          <a:cs typeface="+mj-cs"/>
+        </a:defRPr>
+      </a:lvl3pPr>
+      <a:lvl4pPr marL="1600200" indent="-228600" algn="l" defTabSz="457200" rtl="0" eaLnBrk="1" latinLnBrk="0" hangingPunct="1">
+        <a:spcBef>
+          <a:spcPts val="1000"/>
+        </a:spcBef>
+        <a:spcAft>
+          <a:spcPts val="0"/>
+        </a:spcAft>
+        <a:buClr>
+          <a:schemeClr val="bg2">
+            <a:lumMod val="40000"/>
+            <a:lumOff val="60000"/>
+          </a:schemeClr>
+        </a:buClr>
+        <a:buSzPct val="80000"/>
+        <a:buFont typeface="Wingdings 3" charset="2"/>
+        <a:buChar char=""/>
+        <a:defRPr sz="1400" b="0" i="0" kern="1200">
+          <a:solidFill>
+            <a:schemeClr val="tx1"/>
+          </a:solidFill>
+          <a:latin typeface="+mj-lt"/>
+          <a:ea typeface="+mj-ea"/>
+          <a:cs typeface="+mj-cs"/>
+        </a:defRPr>
+      </a:lvl4pPr>
+      <a:lvl5pPr marL="2057400" indent="-228600" algn="l" defTabSz="457200" rtl="0" eaLnBrk="1" latinLnBrk="0" hangingPunct="1">
+        <a:spcBef>
+          <a:spcPts val="1000"/>
+        </a:spcBef>
+        <a:spcAft>
+          <a:spcPts val="0"/>
+        </a:spcAft>
+        <a:buClr>
+          <a:schemeClr val="bg2">
+            <a:lumMod val="40000"/>
+            <a:lumOff val="60000"/>
+          </a:schemeClr>
+        </a:buClr>
+        <a:buSzPct val="80000"/>
+        <a:buFont typeface="Wingdings 3" charset="2"/>
+        <a:buChar char=""/>
+        <a:defRPr sz="1400" b="0" i="0" kern="1200">
+          <a:solidFill>
+            <a:schemeClr val="tx1"/>
+          </a:solidFill>
+          <a:latin typeface="+mj-lt"/>
+          <a:ea typeface="+mj-ea"/>
+          <a:cs typeface="+mj-cs"/>
+        </a:defRPr>
+      </a:lvl5pPr>
+      <a:lvl6pPr marL="2506000" indent="-228600" algn="l" defTabSz="457200" rtl="0" eaLnBrk="1" latinLnBrk="0" hangingPunct="1">
+        <a:spcBef>
+          <a:spcPts val="1000"/>
+        </a:spcBef>
+        <a:spcAft>
+          <a:spcPts val="0"/>
+        </a:spcAft>
+        <a:buClr>
+          <a:schemeClr val="bg2">
+            <a:lumMod val="40000"/>
+            <a:lumOff val="60000"/>
+          </a:schemeClr>
+        </a:buClr>
+        <a:buSzPct val="80000"/>
+        <a:buFont typeface="Wingdings 3" charset="2"/>
+        <a:buChar char=""/>
+        <a:defRPr sz="1400" b="0" i="0" kern="1200">
+          <a:solidFill>
+            <a:schemeClr val="tx1"/>
+          </a:solidFill>
+          <a:latin typeface="+mj-lt"/>
+          <a:ea typeface="+mj-ea"/>
+          <a:cs typeface="+mj-cs"/>
+        </a:defRPr>
+      </a:lvl6pPr>
+      <a:lvl7pPr marL="2971800" indent="-228600" algn="l" defTabSz="457200" rtl="0" eaLnBrk="1" latinLnBrk="0" hangingPunct="1">
+        <a:spcBef>
+          <a:spcPts val="1000"/>
+        </a:spcBef>
+        <a:spcAft>
+          <a:spcPts val="0"/>
+        </a:spcAft>
+        <a:buClr>
+          <a:schemeClr val="bg2">
+            <a:lumMod val="40000"/>
+            <a:lumOff val="60000"/>
+          </a:schemeClr>
+        </a:buClr>
+        <a:buSzPct val="80000"/>
+        <a:buFont typeface="Wingdings 3" charset="2"/>
+        <a:buChar char=""/>
+        <a:defRPr sz="1400" b="0" i="0" kern="1200">
+          <a:solidFill>
+            <a:schemeClr val="tx1"/>
+          </a:solidFill>
+          <a:latin typeface="+mj-lt"/>
+          <a:ea typeface="+mj-ea"/>
+          <a:cs typeface="+mj-cs"/>
+        </a:defRPr>
+      </a:lvl7pPr>
+      <a:lvl8pPr marL="3429000" indent="-228600" algn="l" defTabSz="457200" rtl="0" eaLnBrk="1" latinLnBrk="0" hangingPunct="1">
+        <a:spcBef>
+          <a:spcPts val="1000"/>
+        </a:spcBef>
+        <a:spcAft>
+          <a:spcPts val="0"/>
+        </a:spcAft>
+        <a:buClr>
+          <a:schemeClr val="bg2">
+            <a:lumMod val="40000"/>
+            <a:lumOff val="60000"/>
+          </a:schemeClr>
+        </a:buClr>
+        <a:buSzPct val="80000"/>
+        <a:buFont typeface="Wingdings 3" charset="2"/>
+        <a:buChar char=""/>
+        <a:defRPr sz="1400" b="0" i="0" kern="1200">
+          <a:solidFill>
+            <a:schemeClr val="tx1"/>
+          </a:solidFill>
+          <a:latin typeface="+mj-lt"/>
+          <a:ea typeface="+mj-ea"/>
+          <a:cs typeface="+mj-cs"/>
+        </a:defRPr>
+      </a:lvl8pPr>
+      <a:lvl9pPr marL="3886200" indent="-228600" algn="l" defTabSz="457200" rtl="0" eaLnBrk="1" latinLnBrk="0" hangingPunct="1">
+        <a:spcBef>
+          <a:spcPts val="1000"/>
+        </a:spcBef>
+        <a:spcAft>
+          <a:spcPts val="0"/>
+        </a:spcAft>
+        <a:buClr>
+          <a:schemeClr val="bg2">
+            <a:lumMod val="40000"/>
+            <a:lumOff val="60000"/>
+          </a:schemeClr>
+        </a:buClr>
+        <a:buSzPct val="80000"/>
+        <a:buFont typeface="Wingdings 3" charset="2"/>
+        <a:buChar char=""/>
+        <a:defRPr sz="1400" b="0" i="0" kern="1200">
+          <a:solidFill>
+            <a:schemeClr val="tx1"/>
+          </a:solidFill>
+          <a:latin typeface="+mj-lt"/>
+          <a:ea typeface="+mj-ea"/>
+          <a:cs typeface="+mj-cs"/>
+        </a:defRPr>
+      </a:lvl9pPr>
+    </p:bodyStyle>
+    <p:otherStyle>
+      <a:defPPr>
+        <a:defRPr lang="en-US"/>
+      </a:defPPr>
+      <a:lvl1pPr marL="0" algn="l" defTabSz="457200" rtl="0" eaLnBrk="1" latinLnBrk="0" hangingPunct="1">
+        <a:defRPr sz="1800" kern="1200">
           <a:solidFill>
             <a:schemeClr val="tx1"/>
           </a:solidFill>
@@ -3100,16 +6001,8 @@
           <a:cs typeface="+mn-cs"/>
         </a:defRPr>
       </a:lvl1pPr>
-      <a:lvl2pPr marL="685800" indent="-228600" algn="l" defTabSz="914400" rtl="0" eaLnBrk="1" latinLnBrk="0" hangingPunct="1">
-        <a:lnSpc>
-          <a:spcPct val="90000"/>
-        </a:lnSpc>
-        <a:spcBef>
-          <a:spcPts val="500"/>
-        </a:spcBef>
-        <a:buFont typeface="Arial" panose="020B0604020202020204" pitchFamily="34" charset="0"/>
-        <a:buChar char="•"/>
-        <a:defRPr sz="2400" kern="1200">
+      <a:lvl2pPr marL="457200" algn="l" defTabSz="457200" rtl="0" eaLnBrk="1" latinLnBrk="0" hangingPunct="1">
+        <a:defRPr sz="1800" kern="1200">
           <a:solidFill>
             <a:schemeClr val="tx1"/>
           </a:solidFill>
@@ -3118,16 +6011,8 @@
           <a:cs typeface="+mn-cs"/>
         </a:defRPr>
       </a:lvl2pPr>
-      <a:lvl3pPr marL="1143000" indent="-228600" algn="l" defTabSz="914400" rtl="0" eaLnBrk="1" latinLnBrk="0" hangingPunct="1">
-        <a:lnSpc>
-          <a:spcPct val="90000"/>
-        </a:lnSpc>
-        <a:spcBef>
-          <a:spcPts val="500"/>
-        </a:spcBef>
-        <a:buFont typeface="Arial" panose="020B0604020202020204" pitchFamily="34" charset="0"/>
-        <a:buChar char="•"/>
-        <a:defRPr sz="2000" kern="1200">
+      <a:lvl3pPr marL="914400" algn="l" defTabSz="457200" rtl="0" eaLnBrk="1" latinLnBrk="0" hangingPunct="1">
+        <a:defRPr sz="1800" kern="1200">
           <a:solidFill>
             <a:schemeClr val="tx1"/>
           </a:solidFill>
@@ -3136,15 +6021,7 @@
           <a:cs typeface="+mn-cs"/>
         </a:defRPr>
       </a:lvl3pPr>
-      <a:lvl4pPr marL="1600200" indent="-228600" algn="l" defTabSz="914400" rtl="0" eaLnBrk="1" latinLnBrk="0" hangingPunct="1">
-        <a:lnSpc>
-          <a:spcPct val="90000"/>
-        </a:lnSpc>
-        <a:spcBef>
-          <a:spcPts val="500"/>
-        </a:spcBef>
-        <a:buFont typeface="Arial" panose="020B0604020202020204" pitchFamily="34" charset="0"/>
-        <a:buChar char="•"/>
+      <a:lvl4pPr marL="1371600" algn="l" defTabSz="457200" rtl="0" eaLnBrk="1" latinLnBrk="0" hangingPunct="1">
         <a:defRPr sz="1800" kern="1200">
           <a:solidFill>
             <a:schemeClr val="tx1"/>
@@ -3154,15 +6031,7 @@
           <a:cs typeface="+mn-cs"/>
         </a:defRPr>
       </a:lvl4pPr>
-      <a:lvl5pPr marL="2057400" indent="-228600" algn="l" defTabSz="914400" rtl="0" eaLnBrk="1" latinLnBrk="0" hangingPunct="1">
-        <a:lnSpc>
-          <a:spcPct val="90000"/>
-        </a:lnSpc>
-        <a:spcBef>
-          <a:spcPts val="500"/>
-        </a:spcBef>
-        <a:buFont typeface="Arial" panose="020B0604020202020204" pitchFamily="34" charset="0"/>
-        <a:buChar char="•"/>
+      <a:lvl5pPr marL="1828800" algn="l" defTabSz="457200" rtl="0" eaLnBrk="1" latinLnBrk="0" hangingPunct="1">
         <a:defRPr sz="1800" kern="1200">
           <a:solidFill>
             <a:schemeClr val="tx1"/>
@@ -3172,15 +6041,7 @@
           <a:cs typeface="+mn-cs"/>
         </a:defRPr>
       </a:lvl5pPr>
-      <a:lvl6pPr marL="2514600" indent="-228600" algn="l" defTabSz="914400" rtl="0" eaLnBrk="1" latinLnBrk="0" hangingPunct="1">
-        <a:lnSpc>
-          <a:spcPct val="90000"/>
-        </a:lnSpc>
-        <a:spcBef>
-          <a:spcPts val="500"/>
-        </a:spcBef>
-        <a:buFont typeface="Arial" panose="020B0604020202020204" pitchFamily="34" charset="0"/>
-        <a:buChar char="•"/>
+      <a:lvl6pPr marL="2286000" algn="l" defTabSz="457200" rtl="0" eaLnBrk="1" latinLnBrk="0" hangingPunct="1">
         <a:defRPr sz="1800" kern="1200">
           <a:solidFill>
             <a:schemeClr val="tx1"/>
@@ -3190,15 +6051,7 @@
           <a:cs typeface="+mn-cs"/>
         </a:defRPr>
       </a:lvl6pPr>
-      <a:lvl7pPr marL="2971800" indent="-228600" algn="l" defTabSz="914400" rtl="0" eaLnBrk="1" latinLnBrk="0" hangingPunct="1">
-        <a:lnSpc>
-          <a:spcPct val="90000"/>
-        </a:lnSpc>
-        <a:spcBef>
-          <a:spcPts val="500"/>
-        </a:spcBef>
-        <a:buFont typeface="Arial" panose="020B0604020202020204" pitchFamily="34" charset="0"/>
-        <a:buChar char="•"/>
+      <a:lvl7pPr marL="2743200" algn="l" defTabSz="457200" rtl="0" eaLnBrk="1" latinLnBrk="0" hangingPunct="1">
         <a:defRPr sz="1800" kern="1200">
           <a:solidFill>
             <a:schemeClr val="tx1"/>
@@ -3208,15 +6061,7 @@
           <a:cs typeface="+mn-cs"/>
         </a:defRPr>
       </a:lvl7pPr>
-      <a:lvl8pPr marL="3429000" indent="-228600" algn="l" defTabSz="914400" rtl="0" eaLnBrk="1" latinLnBrk="0" hangingPunct="1">
-        <a:lnSpc>
-          <a:spcPct val="90000"/>
-        </a:lnSpc>
-        <a:spcBef>
-          <a:spcPts val="500"/>
-        </a:spcBef>
-        <a:buFont typeface="Arial" panose="020B0604020202020204" pitchFamily="34" charset="0"/>
-        <a:buChar char="•"/>
+      <a:lvl8pPr marL="3200400" algn="l" defTabSz="457200" rtl="0" eaLnBrk="1" latinLnBrk="0" hangingPunct="1">
         <a:defRPr sz="1800" kern="1200">
           <a:solidFill>
             <a:schemeClr val="tx1"/>
@@ -3226,110 +6071,7 @@
           <a:cs typeface="+mn-cs"/>
         </a:defRPr>
       </a:lvl8pPr>
-      <a:lvl9pPr marL="3886200" indent="-228600" algn="l" defTabSz="914400" rtl="0" eaLnBrk="1" latinLnBrk="0" hangingPunct="1">
-        <a:lnSpc>
-          <a:spcPct val="90000"/>
-        </a:lnSpc>
-        <a:spcBef>
-          <a:spcPts val="500"/>
-        </a:spcBef>
-        <a:buFont typeface="Arial" panose="020B0604020202020204" pitchFamily="34" charset="0"/>
-        <a:buChar char="•"/>
-        <a:defRPr sz="1800" kern="1200">
-          <a:solidFill>
-            <a:schemeClr val="tx1"/>
-          </a:solidFill>
-          <a:latin typeface="+mn-lt"/>
-          <a:ea typeface="+mn-ea"/>
-          <a:cs typeface="+mn-cs"/>
-        </a:defRPr>
-      </a:lvl9pPr>
-    </p:bodyStyle>
-    <p:otherStyle>
-      <a:defPPr>
-        <a:defRPr lang="en-US"/>
-      </a:defPPr>
-      <a:lvl1pPr marL="0" algn="l" defTabSz="914400" rtl="0" eaLnBrk="1" latinLnBrk="0" hangingPunct="1">
-        <a:defRPr sz="1800" kern="1200">
-          <a:solidFill>
-            <a:schemeClr val="tx1"/>
-          </a:solidFill>
-          <a:latin typeface="+mn-lt"/>
-          <a:ea typeface="+mn-ea"/>
-          <a:cs typeface="+mn-cs"/>
-        </a:defRPr>
-      </a:lvl1pPr>
-      <a:lvl2pPr marL="457200" algn="l" defTabSz="914400" rtl="0" eaLnBrk="1" latinLnBrk="0" hangingPunct="1">
-        <a:defRPr sz="1800" kern="1200">
-          <a:solidFill>
-            <a:schemeClr val="tx1"/>
-          </a:solidFill>
-          <a:latin typeface="+mn-lt"/>
-          <a:ea typeface="+mn-ea"/>
-          <a:cs typeface="+mn-cs"/>
-        </a:defRPr>
-      </a:lvl2pPr>
-      <a:lvl3pPr marL="914400" algn="l" defTabSz="914400" rtl="0" eaLnBrk="1" latinLnBrk="0" hangingPunct="1">
-        <a:defRPr sz="1800" kern="1200">
-          <a:solidFill>
-            <a:schemeClr val="tx1"/>
-          </a:solidFill>
-          <a:latin typeface="+mn-lt"/>
-          <a:ea typeface="+mn-ea"/>
-          <a:cs typeface="+mn-cs"/>
-        </a:defRPr>
-      </a:lvl3pPr>
-      <a:lvl4pPr marL="1371600" algn="l" defTabSz="914400" rtl="0" eaLnBrk="1" latinLnBrk="0" hangingPunct="1">
-        <a:defRPr sz="1800" kern="1200">
-          <a:solidFill>
-            <a:schemeClr val="tx1"/>
-          </a:solidFill>
-          <a:latin typeface="+mn-lt"/>
-          <a:ea typeface="+mn-ea"/>
-          <a:cs typeface="+mn-cs"/>
-        </a:defRPr>
-      </a:lvl4pPr>
-      <a:lvl5pPr marL="1828800" algn="l" defTabSz="914400" rtl="0" eaLnBrk="1" latinLnBrk="0" hangingPunct="1">
-        <a:defRPr sz="1800" kern="1200">
-          <a:solidFill>
-            <a:schemeClr val="tx1"/>
-          </a:solidFill>
-          <a:latin typeface="+mn-lt"/>
-          <a:ea typeface="+mn-ea"/>
-          <a:cs typeface="+mn-cs"/>
-        </a:defRPr>
-      </a:lvl5pPr>
-      <a:lvl6pPr marL="2286000" algn="l" defTabSz="914400" rtl="0" eaLnBrk="1" latinLnBrk="0" hangingPunct="1">
-        <a:defRPr sz="1800" kern="1200">
-          <a:solidFill>
-            <a:schemeClr val="tx1"/>
-          </a:solidFill>
-          <a:latin typeface="+mn-lt"/>
-          <a:ea typeface="+mn-ea"/>
-          <a:cs typeface="+mn-cs"/>
-        </a:defRPr>
-      </a:lvl6pPr>
-      <a:lvl7pPr marL="2743200" algn="l" defTabSz="914400" rtl="0" eaLnBrk="1" latinLnBrk="0" hangingPunct="1">
-        <a:defRPr sz="1800" kern="1200">
-          <a:solidFill>
-            <a:schemeClr val="tx1"/>
-          </a:solidFill>
-          <a:latin typeface="+mn-lt"/>
-          <a:ea typeface="+mn-ea"/>
-          <a:cs typeface="+mn-cs"/>
-        </a:defRPr>
-      </a:lvl7pPr>
-      <a:lvl8pPr marL="3200400" algn="l" defTabSz="914400" rtl="0" eaLnBrk="1" latinLnBrk="0" hangingPunct="1">
-        <a:defRPr sz="1800" kern="1200">
-          <a:solidFill>
-            <a:schemeClr val="tx1"/>
-          </a:solidFill>
-          <a:latin typeface="+mn-lt"/>
-          <a:ea typeface="+mn-ea"/>
-          <a:cs typeface="+mn-cs"/>
-        </a:defRPr>
-      </a:lvl8pPr>
-      <a:lvl9pPr marL="3657600" algn="l" defTabSz="914400" rtl="0" eaLnBrk="1" latinLnBrk="0" hangingPunct="1">
+      <a:lvl9pPr marL="3657600" algn="l" defTabSz="457200" rtl="0" eaLnBrk="1" latinLnBrk="0" hangingPunct="1">
         <a:defRPr sz="1800" kern="1200">
           <a:solidFill>
             <a:schemeClr val="tx1"/>
@@ -3366,7 +6108,7 @@
           <p:cNvPr id="2" name="Title 1">
             <a:extLst>
               <a:ext uri="{FF2B5EF4-FFF2-40B4-BE49-F238E27FC236}">
-                <a16:creationId xmlns:a16="http://schemas.microsoft.com/office/drawing/2014/main" id="{1D7E9AC0-79EE-4E1E-B010-D0D6F118F637}"/>
+                <a16:creationId xmlns:a16="http://schemas.microsoft.com/office/drawing/2014/main" id="{A8273566-DC37-41FB-9B13-5B30493F5569}"/>
               </a:ext>
             </a:extLst>
           </p:cNvPr>
@@ -3374,7 +6116,7 @@
             <a:spLocks noGrp="1"/>
           </p:cNvSpPr>
           <p:nvPr>
-            <p:ph type="ctrTitle"/>
+            <p:ph type="title"/>
           </p:nvPr>
         </p:nvSpPr>
         <p:spPr/>
@@ -3382,16 +6124,19 @@
           <a:bodyPr/>
           <a:lstStyle/>
           <a:p>
-            <a:endParaRPr lang="en-GB"/>
-          </a:p>
-        </p:txBody>
-      </p:sp>
-      <p:sp>
-        <p:nvSpPr>
-          <p:cNvPr id="3" name="Subtitle 2">
+            <a:r>
+              <a:rPr lang="en-GB" dirty="0"/>
+              <a:t>Web Scraping Data Pipeline Project</a:t>
+            </a:r>
+          </a:p>
+        </p:txBody>
+      </p:sp>
+      <p:sp>
+        <p:nvSpPr>
+          <p:cNvPr id="3" name="Content Placeholder 2">
             <a:extLst>
               <a:ext uri="{FF2B5EF4-FFF2-40B4-BE49-F238E27FC236}">
-                <a16:creationId xmlns:a16="http://schemas.microsoft.com/office/drawing/2014/main" id="{8B7D1458-890D-415D-8C82-B53B2FE106FB}"/>
+                <a16:creationId xmlns:a16="http://schemas.microsoft.com/office/drawing/2014/main" id="{A6BEB2A2-8134-4A1D-B4EE-0BD3E4E48E8A}"/>
               </a:ext>
             </a:extLst>
           </p:cNvPr>
@@ -3399,7 +6144,7 @@
             <a:spLocks noGrp="1"/>
           </p:cNvSpPr>
           <p:nvPr>
-            <p:ph type="subTitle" idx="1"/>
+            <p:ph idx="1"/>
           </p:nvPr>
         </p:nvSpPr>
         <p:spPr/>
@@ -3407,49 +6152,17 @@
           <a:bodyPr/>
           <a:lstStyle/>
           <a:p>
-            <a:endParaRPr lang="en-GB" dirty="0"/>
-          </a:p>
-        </p:txBody>
-      </p:sp>
-      <p:pic>
-        <p:nvPicPr>
-          <p:cNvPr id="5" name="Picture 4" descr="Shape&#10;&#10;Description automatically generated with medium confidence">
-            <a:extLst>
-              <a:ext uri="{FF2B5EF4-FFF2-40B4-BE49-F238E27FC236}">
-                <a16:creationId xmlns:a16="http://schemas.microsoft.com/office/drawing/2014/main" id="{1DDF8CCB-31E3-4D80-B063-9FAC17469A72}"/>
-              </a:ext>
-            </a:extLst>
-          </p:cNvPr>
-          <p:cNvPicPr>
-            <a:picLocks noChangeAspect="1"/>
-          </p:cNvPicPr>
-          <p:nvPr/>
-        </p:nvPicPr>
-        <p:blipFill rotWithShape="1">
-          <a:blip r:embed="rId2">
-            <a:extLst>
-              <a:ext uri="{28A0092B-C50C-407E-A947-70E740481C1C}">
-                <a14:useLocalDpi xmlns:a14="http://schemas.microsoft.com/office/drawing/2010/main" val="0"/>
-              </a:ext>
-            </a:extLst>
-          </a:blip>
-          <a:srcRect r="67764"/>
-          <a:stretch/>
-        </p:blipFill>
-        <p:spPr>
-          <a:xfrm>
-            <a:off x="1915886" y="173876"/>
-            <a:ext cx="8618376" cy="6672173"/>
-          </a:xfrm>
-          <a:prstGeom prst="rect">
-            <a:avLst/>
-          </a:prstGeom>
-        </p:spPr>
-      </p:pic>
+            <a:r>
+              <a:rPr lang="en-GB" dirty="0"/>
+              <a:t>Weather Web Scraper</a:t>
+            </a:r>
+          </a:p>
+        </p:txBody>
+      </p:sp>
     </p:spTree>
     <p:extLst>
       <p:ext uri="{BB962C8B-B14F-4D97-AF65-F5344CB8AC3E}">
-        <p14:creationId xmlns:p14="http://schemas.microsoft.com/office/powerpoint/2010/main" val="475554684"/>
+        <p14:creationId xmlns:p14="http://schemas.microsoft.com/office/powerpoint/2010/main" val="1895102804"/>
       </p:ext>
     </p:extLst>
   </p:cSld>
@@ -3481,7 +6194,7 @@
           <p:cNvPr id="2" name="Title 1">
             <a:extLst>
               <a:ext uri="{FF2B5EF4-FFF2-40B4-BE49-F238E27FC236}">
-                <a16:creationId xmlns:a16="http://schemas.microsoft.com/office/drawing/2014/main" id="{51C0AC60-5DF2-4E1F-86D4-2D386758CAE0}"/>
+                <a16:creationId xmlns:a16="http://schemas.microsoft.com/office/drawing/2014/main" id="{23CABAEB-E8BA-48EA-A98E-0421D8E8C703}"/>
               </a:ext>
             </a:extLst>
           </p:cNvPr>
@@ -3503,10 +6216,10 @@
       </p:sp>
       <p:pic>
         <p:nvPicPr>
-          <p:cNvPr id="5" name="Content Placeholder 4" descr="Table&#10;&#10;Description automatically generated">
+          <p:cNvPr id="5" name="Content Placeholder 4" descr="Graphical user interface, application&#10;&#10;Description automatically generated">
             <a:extLst>
               <a:ext uri="{FF2B5EF4-FFF2-40B4-BE49-F238E27FC236}">
-                <a16:creationId xmlns:a16="http://schemas.microsoft.com/office/drawing/2014/main" id="{1546ABF5-B825-4275-B094-B6A80E06A161}"/>
+                <a16:creationId xmlns:a16="http://schemas.microsoft.com/office/drawing/2014/main" id="{A3167CF0-B89C-415B-B91D-4FA740DD34A8}"/>
               </a:ext>
             </a:extLst>
           </p:cNvPr>
@@ -3531,15 +6244,109 @@
         </p:blipFill>
         <p:spPr>
           <a:xfrm>
-            <a:off x="740581" y="248495"/>
-            <a:ext cx="9527544" cy="6125514"/>
+            <a:off x="0" y="0"/>
+            <a:ext cx="12145905" cy="6585358"/>
           </a:xfrm>
         </p:spPr>
       </p:pic>
+      <p:sp>
+        <p:nvSpPr>
+          <p:cNvPr id="6" name="Rectangle 5">
+            <a:extLst>
+              <a:ext uri="{FF2B5EF4-FFF2-40B4-BE49-F238E27FC236}">
+                <a16:creationId xmlns:a16="http://schemas.microsoft.com/office/drawing/2014/main" id="{64F95CB0-28A0-4E7A-BCBA-1AF57A6F88B3}"/>
+              </a:ext>
+            </a:extLst>
+          </p:cNvPr>
+          <p:cNvSpPr/>
+          <p:nvPr/>
+        </p:nvSpPr>
+        <p:spPr>
+          <a:xfrm>
+            <a:off x="4823670" y="1702965"/>
+            <a:ext cx="922789" cy="218114"/>
+          </a:xfrm>
+          <a:prstGeom prst="rect">
+            <a:avLst/>
+          </a:prstGeom>
+          <a:noFill/>
+        </p:spPr>
+        <p:style>
+          <a:lnRef idx="2">
+            <a:schemeClr val="accent1">
+              <a:shade val="50000"/>
+            </a:schemeClr>
+          </a:lnRef>
+          <a:fillRef idx="1">
+            <a:schemeClr val="accent1"/>
+          </a:fillRef>
+          <a:effectRef idx="0">
+            <a:schemeClr val="accent1"/>
+          </a:effectRef>
+          <a:fontRef idx="minor">
+            <a:schemeClr val="lt1"/>
+          </a:fontRef>
+        </p:style>
+        <p:txBody>
+          <a:bodyPr rtlCol="0" anchor="ctr"/>
+          <a:lstStyle/>
+          <a:p>
+            <a:pPr algn="ctr"/>
+            <a:endParaRPr lang="en-GB"/>
+          </a:p>
+        </p:txBody>
+      </p:sp>
+      <p:sp>
+        <p:nvSpPr>
+          <p:cNvPr id="7" name="Rectangle 6">
+            <a:extLst>
+              <a:ext uri="{FF2B5EF4-FFF2-40B4-BE49-F238E27FC236}">
+                <a16:creationId xmlns:a16="http://schemas.microsoft.com/office/drawing/2014/main" id="{6BF7F545-C645-43E3-B5DC-13541923082F}"/>
+              </a:ext>
+            </a:extLst>
+          </p:cNvPr>
+          <p:cNvSpPr/>
+          <p:nvPr/>
+        </p:nvSpPr>
+        <p:spPr>
+          <a:xfrm>
+            <a:off x="5746459" y="1702965"/>
+            <a:ext cx="771787" cy="218114"/>
+          </a:xfrm>
+          <a:prstGeom prst="rect">
+            <a:avLst/>
+          </a:prstGeom>
+          <a:noFill/>
+        </p:spPr>
+        <p:style>
+          <a:lnRef idx="2">
+            <a:schemeClr val="accent1">
+              <a:shade val="50000"/>
+            </a:schemeClr>
+          </a:lnRef>
+          <a:fillRef idx="1">
+            <a:schemeClr val="accent1"/>
+          </a:fillRef>
+          <a:effectRef idx="0">
+            <a:schemeClr val="accent1"/>
+          </a:effectRef>
+          <a:fontRef idx="minor">
+            <a:schemeClr val="lt1"/>
+          </a:fontRef>
+        </p:style>
+        <p:txBody>
+          <a:bodyPr rtlCol="0" anchor="ctr"/>
+          <a:lstStyle/>
+          <a:p>
+            <a:pPr algn="ctr"/>
+            <a:endParaRPr lang="en-GB"/>
+          </a:p>
+        </p:txBody>
+      </p:sp>
     </p:spTree>
     <p:extLst>
       <p:ext uri="{BB962C8B-B14F-4D97-AF65-F5344CB8AC3E}">
-        <p14:creationId xmlns:p14="http://schemas.microsoft.com/office/powerpoint/2010/main" val="3457130788"/>
+        <p14:creationId xmlns:p14="http://schemas.microsoft.com/office/powerpoint/2010/main" val="3327951407"/>
       </p:ext>
     </p:extLst>
   </p:cSld>
@@ -3571,7 +6378,7 @@
           <p:cNvPr id="2" name="Title 1">
             <a:extLst>
               <a:ext uri="{FF2B5EF4-FFF2-40B4-BE49-F238E27FC236}">
-                <a16:creationId xmlns:a16="http://schemas.microsoft.com/office/drawing/2014/main" id="{707500F0-BCAC-4F78-8BD4-B36814612049}"/>
+                <a16:creationId xmlns:a16="http://schemas.microsoft.com/office/drawing/2014/main" id="{3EE17112-7421-448F-8B0D-0616655345A0}"/>
               </a:ext>
             </a:extLst>
           </p:cNvPr>
@@ -3593,10 +6400,10 @@
       </p:sp>
       <p:pic>
         <p:nvPicPr>
-          <p:cNvPr id="5" name="Content Placeholder 4" descr="Text&#10;&#10;Description automatically generated">
+          <p:cNvPr id="5" name="Content Placeholder 4" descr="Graphical user interface, application&#10;&#10;Description automatically generated">
             <a:extLst>
               <a:ext uri="{FF2B5EF4-FFF2-40B4-BE49-F238E27FC236}">
-                <a16:creationId xmlns:a16="http://schemas.microsoft.com/office/drawing/2014/main" id="{67354A6C-869A-4B21-BAD4-7C89E24DFEDA}"/>
+                <a16:creationId xmlns:a16="http://schemas.microsoft.com/office/drawing/2014/main" id="{76E1EDD6-B88B-45D1-89D4-30B4875CABC4}"/>
               </a:ext>
             </a:extLst>
           </p:cNvPr>
@@ -3621,15 +6428,237 @@
         </p:blipFill>
         <p:spPr>
           <a:xfrm>
-            <a:off x="90335" y="642574"/>
-            <a:ext cx="12101665" cy="5850301"/>
-          </a:xfrm>
+            <a:off x="-754" y="-92279"/>
+            <a:ext cx="12192754" cy="6585358"/>
+          </a:xfrm>
+        </p:spPr>
+      </p:pic>
+      <p:sp>
+        <p:nvSpPr>
+          <p:cNvPr id="6" name="Rectangle 5">
+            <a:extLst>
+              <a:ext uri="{FF2B5EF4-FFF2-40B4-BE49-F238E27FC236}">
+                <a16:creationId xmlns:a16="http://schemas.microsoft.com/office/drawing/2014/main" id="{818ECB33-1290-4673-91B4-8663A1C82FD8}"/>
+              </a:ext>
+            </a:extLst>
+          </p:cNvPr>
+          <p:cNvSpPr/>
+          <p:nvPr/>
+        </p:nvSpPr>
+        <p:spPr>
+          <a:xfrm>
+            <a:off x="3319272" y="1527048"/>
+            <a:ext cx="4517136" cy="3108960"/>
+          </a:xfrm>
+          <a:prstGeom prst="rect">
+            <a:avLst/>
+          </a:prstGeom>
+          <a:noFill/>
+        </p:spPr>
+        <p:style>
+          <a:lnRef idx="2">
+            <a:schemeClr val="accent1">
+              <a:shade val="50000"/>
+            </a:schemeClr>
+          </a:lnRef>
+          <a:fillRef idx="1">
+            <a:schemeClr val="accent1"/>
+          </a:fillRef>
+          <a:effectRef idx="0">
+            <a:schemeClr val="accent1"/>
+          </a:effectRef>
+          <a:fontRef idx="minor">
+            <a:schemeClr val="lt1"/>
+          </a:fontRef>
+        </p:style>
+        <p:txBody>
+          <a:bodyPr rtlCol="0" anchor="ctr"/>
+          <a:lstStyle/>
+          <a:p>
+            <a:pPr algn="ctr"/>
+            <a:endParaRPr lang="en-GB"/>
+          </a:p>
+        </p:txBody>
+      </p:sp>
+      <p:sp>
+        <p:nvSpPr>
+          <p:cNvPr id="7" name="Rectangle 6">
+            <a:extLst>
+              <a:ext uri="{FF2B5EF4-FFF2-40B4-BE49-F238E27FC236}">
+                <a16:creationId xmlns:a16="http://schemas.microsoft.com/office/drawing/2014/main" id="{C0C2A1AA-79F5-4355-A3C0-F4F1A77725FF}"/>
+              </a:ext>
+            </a:extLst>
+          </p:cNvPr>
+          <p:cNvSpPr/>
+          <p:nvPr/>
+        </p:nvSpPr>
+        <p:spPr>
+          <a:xfrm>
+            <a:off x="3858768" y="1618488"/>
+            <a:ext cx="438912" cy="3017520"/>
+          </a:xfrm>
+          <a:prstGeom prst="rect">
+            <a:avLst/>
+          </a:prstGeom>
+        </p:spPr>
+        <p:style>
+          <a:lnRef idx="2">
+            <a:schemeClr val="accent1">
+              <a:shade val="50000"/>
+            </a:schemeClr>
+          </a:lnRef>
+          <a:fillRef idx="1">
+            <a:schemeClr val="accent1"/>
+          </a:fillRef>
+          <a:effectRef idx="0">
+            <a:schemeClr val="accent1"/>
+          </a:effectRef>
+          <a:fontRef idx="minor">
+            <a:schemeClr val="lt1"/>
+          </a:fontRef>
+        </p:style>
+        <p:txBody>
+          <a:bodyPr rtlCol="0" anchor="ctr"/>
+          <a:lstStyle/>
+          <a:p>
+            <a:pPr algn="ctr"/>
+            <a:endParaRPr lang="en-GB"/>
+          </a:p>
+        </p:txBody>
+      </p:sp>
+      <p:sp>
+        <p:nvSpPr>
+          <p:cNvPr id="8" name="TextBox 7">
+            <a:extLst>
+              <a:ext uri="{FF2B5EF4-FFF2-40B4-BE49-F238E27FC236}">
+                <a16:creationId xmlns:a16="http://schemas.microsoft.com/office/drawing/2014/main" id="{82BA6953-38A3-441C-8149-EC4DFCDFEAD0}"/>
+              </a:ext>
+            </a:extLst>
+          </p:cNvPr>
+          <p:cNvSpPr txBox="1"/>
+          <p:nvPr/>
+        </p:nvSpPr>
+        <p:spPr>
+          <a:xfrm>
+            <a:off x="3122410" y="1446868"/>
+            <a:ext cx="248786" cy="230832"/>
+          </a:xfrm>
+          <a:prstGeom prst="rect">
+            <a:avLst/>
+          </a:prstGeom>
+          <a:noFill/>
+        </p:spPr>
+        <p:txBody>
+          <a:bodyPr wrap="none" rtlCol="0">
+            <a:spAutoFit/>
+          </a:bodyPr>
+          <a:lstStyle/>
+          <a:p>
+            <a:r>
+              <a:rPr lang="en-GB" sz="900" dirty="0">
+                <a:solidFill>
+                  <a:schemeClr val="bg1">
+                    <a:lumMod val="95000"/>
+                    <a:lumOff val="5000"/>
+                  </a:schemeClr>
+                </a:solidFill>
+              </a:rPr>
+              <a:t>0</a:t>
+            </a:r>
+          </a:p>
+        </p:txBody>
+      </p:sp>
+      <p:sp>
+        <p:nvSpPr>
+          <p:cNvPr id="10" name="TextBox 9">
+            <a:extLst>
+              <a:ext uri="{FF2B5EF4-FFF2-40B4-BE49-F238E27FC236}">
+                <a16:creationId xmlns:a16="http://schemas.microsoft.com/office/drawing/2014/main" id="{2A673926-41E0-4BEF-B751-DB7DB50A08C3}"/>
+              </a:ext>
+            </a:extLst>
+          </p:cNvPr>
+          <p:cNvSpPr txBox="1"/>
+          <p:nvPr/>
+        </p:nvSpPr>
+        <p:spPr>
+          <a:xfrm>
+            <a:off x="3116889" y="1594774"/>
+            <a:ext cx="248786" cy="369332"/>
+          </a:xfrm>
+          <a:prstGeom prst="rect">
+            <a:avLst/>
+          </a:prstGeom>
+          <a:noFill/>
+        </p:spPr>
+        <p:txBody>
+          <a:bodyPr wrap="none" rtlCol="0">
+            <a:spAutoFit/>
+          </a:bodyPr>
+          <a:lstStyle/>
+          <a:p>
+            <a:r>
+              <a:rPr lang="en-GB" sz="900" dirty="0">
+                <a:solidFill>
+                  <a:schemeClr val="bg1">
+                    <a:lumMod val="95000"/>
+                    <a:lumOff val="5000"/>
+                  </a:schemeClr>
+                </a:solidFill>
+              </a:rPr>
+              <a:t>9</a:t>
+            </a:r>
+          </a:p>
+          <a:p>
+            <a:endParaRPr lang="en-GB" sz="900" dirty="0">
+              <a:solidFill>
+                <a:schemeClr val="bg1">
+                  <a:lumMod val="95000"/>
+                  <a:lumOff val="5000"/>
+                </a:schemeClr>
+              </a:solidFill>
+            </a:endParaRPr>
+          </a:p>
+        </p:txBody>
+      </p:sp>
+      <p:pic>
+        <p:nvPicPr>
+          <p:cNvPr id="12" name="Picture 11" descr="A picture containing text, monitor, screenshot&#10;&#10;Description automatically generated">
+            <a:extLst>
+              <a:ext uri="{FF2B5EF4-FFF2-40B4-BE49-F238E27FC236}">
+                <a16:creationId xmlns:a16="http://schemas.microsoft.com/office/drawing/2014/main" id="{99DB7DD9-68E3-4741-9BB9-A8182B1316F3}"/>
+              </a:ext>
+            </a:extLst>
+          </p:cNvPr>
+          <p:cNvPicPr>
+            <a:picLocks noChangeAspect="1"/>
+          </p:cNvPicPr>
+          <p:nvPr/>
+        </p:nvPicPr>
+        <p:blipFill rotWithShape="1">
+          <a:blip r:embed="rId3">
+            <a:extLst>
+              <a:ext uri="{28A0092B-C50C-407E-A947-70E740481C1C}">
+                <a14:useLocalDpi xmlns:a14="http://schemas.microsoft.com/office/drawing/2010/main" val="0"/>
+              </a:ext>
+            </a:extLst>
+          </a:blip>
+          <a:srcRect t="6670"/>
+          <a:stretch/>
+        </p:blipFill>
+        <p:spPr>
+          <a:xfrm>
+            <a:off x="1987187" y="4703735"/>
+            <a:ext cx="7942545" cy="2159692"/>
+          </a:xfrm>
+          <a:prstGeom prst="rect">
+            <a:avLst/>
+          </a:prstGeom>
         </p:spPr>
       </p:pic>
     </p:spTree>
     <p:extLst>
       <p:ext uri="{BB962C8B-B14F-4D97-AF65-F5344CB8AC3E}">
-        <p14:creationId xmlns:p14="http://schemas.microsoft.com/office/powerpoint/2010/main" val="3565148332"/>
+        <p14:creationId xmlns:p14="http://schemas.microsoft.com/office/powerpoint/2010/main" val="2278546058"/>
       </p:ext>
     </p:extLst>
   </p:cSld>
@@ -3661,7 +6690,7 @@
           <p:cNvPr id="2" name="Title 1">
             <a:extLst>
               <a:ext uri="{FF2B5EF4-FFF2-40B4-BE49-F238E27FC236}">
-                <a16:creationId xmlns:a16="http://schemas.microsoft.com/office/drawing/2014/main" id="{8D9BA720-0E64-4D15-B77B-033951D029AB}"/>
+                <a16:creationId xmlns:a16="http://schemas.microsoft.com/office/drawing/2014/main" id="{D5594AF9-51CA-44D2-A70F-377E986E89E0}"/>
               </a:ext>
             </a:extLst>
           </p:cNvPr>
@@ -3683,10 +6712,10 @@
       </p:sp>
       <p:pic>
         <p:nvPicPr>
-          <p:cNvPr id="5" name="Content Placeholder 4" descr="Table&#10;&#10;Description automatically generated">
+          <p:cNvPr id="5" name="Content Placeholder 4" descr="Graphical user interface, application&#10;&#10;Description automatically generated">
             <a:extLst>
               <a:ext uri="{FF2B5EF4-FFF2-40B4-BE49-F238E27FC236}">
-                <a16:creationId xmlns:a16="http://schemas.microsoft.com/office/drawing/2014/main" id="{18ECDBB0-C8B4-42DF-91E1-AAAEE96CB85A}"/>
+                <a16:creationId xmlns:a16="http://schemas.microsoft.com/office/drawing/2014/main" id="{8003BCDA-F247-41E5-96B8-DC1FCD0C2161}"/>
               </a:ext>
             </a:extLst>
           </p:cNvPr>
@@ -3711,15 +6740,15 @@
         </p:blipFill>
         <p:spPr>
           <a:xfrm>
-            <a:off x="838200" y="438002"/>
-            <a:ext cx="9800324" cy="6419998"/>
+            <a:off x="0" y="19050"/>
+            <a:ext cx="12215400" cy="6629400"/>
           </a:xfrm>
         </p:spPr>
       </p:pic>
     </p:spTree>
     <p:extLst>
       <p:ext uri="{BB962C8B-B14F-4D97-AF65-F5344CB8AC3E}">
-        <p14:creationId xmlns:p14="http://schemas.microsoft.com/office/powerpoint/2010/main" val="1563249015"/>
+        <p14:creationId xmlns:p14="http://schemas.microsoft.com/office/powerpoint/2010/main" val="3234020665"/>
       </p:ext>
     </p:extLst>
   </p:cSld>
@@ -3751,7 +6780,7 @@
           <p:cNvPr id="2" name="Title 1">
             <a:extLst>
               <a:ext uri="{FF2B5EF4-FFF2-40B4-BE49-F238E27FC236}">
-                <a16:creationId xmlns:a16="http://schemas.microsoft.com/office/drawing/2014/main" id="{FD1FC2A1-5AB2-4127-BEC2-CBAC68A29D15}"/>
+                <a16:creationId xmlns:a16="http://schemas.microsoft.com/office/drawing/2014/main" id="{54EF0CAB-9463-4815-996C-827127649A38}"/>
               </a:ext>
             </a:extLst>
           </p:cNvPr>
@@ -3773,99 +6802,10 @@
       </p:sp>
       <p:pic>
         <p:nvPicPr>
-          <p:cNvPr id="5" name="Content Placeholder 4" descr="Text&#10;&#10;Description automatically generated">
+          <p:cNvPr id="5" name="Content Placeholder 4">
             <a:extLst>
               <a:ext uri="{FF2B5EF4-FFF2-40B4-BE49-F238E27FC236}">
-                <a16:creationId xmlns:a16="http://schemas.microsoft.com/office/drawing/2014/main" id="{6153BABB-891E-4AAB-A031-EB500105CCCD}"/>
-              </a:ext>
-            </a:extLst>
-          </p:cNvPr>
-          <p:cNvPicPr>
-            <a:picLocks noGrp="1" noChangeAspect="1"/>
-          </p:cNvPicPr>
-          <p:nvPr>
-            <p:ph idx="1"/>
-          </p:nvPr>
-        </p:nvPicPr>
-        <p:blipFill rotWithShape="1">
-          <a:blip r:embed="rId2">
-            <a:extLst>
-              <a:ext uri="{28A0092B-C50C-407E-A947-70E740481C1C}">
-                <a14:useLocalDpi xmlns:a14="http://schemas.microsoft.com/office/drawing/2010/main" val="0"/>
-              </a:ext>
-            </a:extLst>
-          </a:blip>
-          <a:srcRect r="23159"/>
-          <a:stretch/>
-        </p:blipFill>
-        <p:spPr>
-          <a:xfrm>
-            <a:off x="0" y="170366"/>
-            <a:ext cx="11762034" cy="5959846"/>
-          </a:xfrm>
-        </p:spPr>
-      </p:pic>
-    </p:spTree>
-    <p:extLst>
-      <p:ext uri="{BB962C8B-B14F-4D97-AF65-F5344CB8AC3E}">
-        <p14:creationId xmlns:p14="http://schemas.microsoft.com/office/powerpoint/2010/main" val="4189880352"/>
-      </p:ext>
-    </p:extLst>
-  </p:cSld>
-  <p:clrMapOvr>
-    <a:masterClrMapping/>
-  </p:clrMapOvr>
-</p:sld>
-</file>
-
-<file path=ppt/slides/slide14.xml><?xml version="1.0" encoding="utf-8"?>
-<p:sld xmlns:a="http://schemas.openxmlformats.org/drawingml/2006/main" xmlns:r="http://schemas.openxmlformats.org/officeDocument/2006/relationships" xmlns:p="http://schemas.openxmlformats.org/presentationml/2006/main">
-  <p:cSld>
-    <p:spTree>
-      <p:nvGrpSpPr>
-        <p:cNvPr id="1" name=""/>
-        <p:cNvGrpSpPr/>
-        <p:nvPr/>
-      </p:nvGrpSpPr>
-      <p:grpSpPr>
-        <a:xfrm>
-          <a:off x="0" y="0"/>
-          <a:ext cx="0" cy="0"/>
-          <a:chOff x="0" y="0"/>
-          <a:chExt cx="0" cy="0"/>
-        </a:xfrm>
-      </p:grpSpPr>
-      <p:sp>
-        <p:nvSpPr>
-          <p:cNvPr id="2" name="Title 1">
-            <a:extLst>
-              <a:ext uri="{FF2B5EF4-FFF2-40B4-BE49-F238E27FC236}">
-                <a16:creationId xmlns:a16="http://schemas.microsoft.com/office/drawing/2014/main" id="{905FA18F-E404-4318-BD34-97DAEB7D5B51}"/>
-              </a:ext>
-            </a:extLst>
-          </p:cNvPr>
-          <p:cNvSpPr>
-            <a:spLocks noGrp="1"/>
-          </p:cNvSpPr>
-          <p:nvPr>
-            <p:ph type="title"/>
-          </p:nvPr>
-        </p:nvSpPr>
-        <p:spPr/>
-        <p:txBody>
-          <a:bodyPr/>
-          <a:lstStyle/>
-          <a:p>
-            <a:endParaRPr lang="en-GB"/>
-          </a:p>
-        </p:txBody>
-      </p:sp>
-      <p:pic>
-        <p:nvPicPr>
-          <p:cNvPr id="5" name="Content Placeholder 4" descr="Scatter chart&#10;&#10;Description automatically generated with medium confidence">
-            <a:extLst>
-              <a:ext uri="{FF2B5EF4-FFF2-40B4-BE49-F238E27FC236}">
-                <a16:creationId xmlns:a16="http://schemas.microsoft.com/office/drawing/2014/main" id="{42A27400-109F-4309-82B9-23FC0D8E0FCE}"/>
+                <a16:creationId xmlns:a16="http://schemas.microsoft.com/office/drawing/2014/main" id="{FFAABD50-2E13-43AB-8F26-0BF0EF1E1008}"/>
               </a:ext>
             </a:extLst>
           </p:cNvPr>
@@ -3890,105 +6830,15 @@
         </p:blipFill>
         <p:spPr>
           <a:xfrm>
-            <a:off x="410362" y="2361808"/>
-            <a:ext cx="11060588" cy="1857855"/>
+            <a:off x="4237036" y="2377123"/>
+            <a:ext cx="3315163" cy="228632"/>
           </a:xfrm>
         </p:spPr>
       </p:pic>
     </p:spTree>
     <p:extLst>
       <p:ext uri="{BB962C8B-B14F-4D97-AF65-F5344CB8AC3E}">
-        <p14:creationId xmlns:p14="http://schemas.microsoft.com/office/powerpoint/2010/main" val="1059976224"/>
-      </p:ext>
-    </p:extLst>
-  </p:cSld>
-  <p:clrMapOvr>
-    <a:masterClrMapping/>
-  </p:clrMapOvr>
-</p:sld>
-</file>
-
-<file path=ppt/slides/slide15.xml><?xml version="1.0" encoding="utf-8"?>
-<p:sld xmlns:a="http://schemas.openxmlformats.org/drawingml/2006/main" xmlns:r="http://schemas.openxmlformats.org/officeDocument/2006/relationships" xmlns:p="http://schemas.openxmlformats.org/presentationml/2006/main">
-  <p:cSld>
-    <p:spTree>
-      <p:nvGrpSpPr>
-        <p:cNvPr id="1" name=""/>
-        <p:cNvGrpSpPr/>
-        <p:nvPr/>
-      </p:nvGrpSpPr>
-      <p:grpSpPr>
-        <a:xfrm>
-          <a:off x="0" y="0"/>
-          <a:ext cx="0" cy="0"/>
-          <a:chOff x="0" y="0"/>
-          <a:chExt cx="0" cy="0"/>
-        </a:xfrm>
-      </p:grpSpPr>
-      <p:sp>
-        <p:nvSpPr>
-          <p:cNvPr id="2" name="Title 1">
-            <a:extLst>
-              <a:ext uri="{FF2B5EF4-FFF2-40B4-BE49-F238E27FC236}">
-                <a16:creationId xmlns:a16="http://schemas.microsoft.com/office/drawing/2014/main" id="{4EE21B1C-A503-4022-ADAF-02489C2EFA99}"/>
-              </a:ext>
-            </a:extLst>
-          </p:cNvPr>
-          <p:cNvSpPr>
-            <a:spLocks noGrp="1"/>
-          </p:cNvSpPr>
-          <p:nvPr>
-            <p:ph type="title"/>
-          </p:nvPr>
-        </p:nvSpPr>
-        <p:spPr/>
-        <p:txBody>
-          <a:bodyPr/>
-          <a:lstStyle/>
-          <a:p>
-            <a:endParaRPr lang="en-GB"/>
-          </a:p>
-        </p:txBody>
-      </p:sp>
-      <p:pic>
-        <p:nvPicPr>
-          <p:cNvPr id="5" name="Content Placeholder 4" descr="Table&#10;&#10;Description automatically generated with medium confidence">
-            <a:extLst>
-              <a:ext uri="{FF2B5EF4-FFF2-40B4-BE49-F238E27FC236}">
-                <a16:creationId xmlns:a16="http://schemas.microsoft.com/office/drawing/2014/main" id="{3A576FDA-AC4A-443E-B400-1291FE5E5DEA}"/>
-              </a:ext>
-            </a:extLst>
-          </p:cNvPr>
-          <p:cNvPicPr>
-            <a:picLocks noGrp="1" noChangeAspect="1"/>
-          </p:cNvPicPr>
-          <p:nvPr>
-            <p:ph idx="1"/>
-          </p:nvPr>
-        </p:nvPicPr>
-        <p:blipFill>
-          <a:blip r:embed="rId2">
-            <a:extLst>
-              <a:ext uri="{28A0092B-C50C-407E-A947-70E740481C1C}">
-                <a14:useLocalDpi xmlns:a14="http://schemas.microsoft.com/office/drawing/2010/main" val="0"/>
-              </a:ext>
-            </a:extLst>
-          </a:blip>
-          <a:stretch>
-            <a:fillRect/>
-          </a:stretch>
-        </p:blipFill>
-        <p:spPr>
-          <a:xfrm>
-            <a:off x="1256364" y="204769"/>
-            <a:ext cx="9968105" cy="6448461"/>
-          </a:xfrm>
-        </p:spPr>
-      </p:pic>
-    </p:spTree>
-    <p:extLst>
-      <p:ext uri="{BB962C8B-B14F-4D97-AF65-F5344CB8AC3E}">
-        <p14:creationId xmlns:p14="http://schemas.microsoft.com/office/powerpoint/2010/main" val="1686566863"/>
+        <p14:creationId xmlns:p14="http://schemas.microsoft.com/office/powerpoint/2010/main" val="1521295419"/>
       </p:ext>
     </p:extLst>
   </p:cSld>
@@ -4015,46 +6865,40 @@
           <a:chExt cx="0" cy="0"/>
         </a:xfrm>
       </p:grpSpPr>
-      <p:pic>
-        <p:nvPicPr>
-          <p:cNvPr id="5" name="Content Placeholder 4">
+      <p:sp>
+        <p:nvSpPr>
+          <p:cNvPr id="2" name="Title 1">
             <a:extLst>
               <a:ext uri="{FF2B5EF4-FFF2-40B4-BE49-F238E27FC236}">
-                <a16:creationId xmlns:a16="http://schemas.microsoft.com/office/drawing/2014/main" id="{1A1B53C4-FF70-4AEF-BA51-10CFB94CECD1}"/>
+                <a16:creationId xmlns:a16="http://schemas.microsoft.com/office/drawing/2014/main" id="{359E848E-7E9C-429E-BD62-D1D8A3294593}"/>
               </a:ext>
             </a:extLst>
           </p:cNvPr>
-          <p:cNvPicPr>
-            <a:picLocks noGrp="1" noChangeAspect="1"/>
-          </p:cNvPicPr>
-          <p:nvPr>
-            <p:ph idx="1"/>
-          </p:nvPr>
-        </p:nvPicPr>
-        <p:blipFill rotWithShape="1">
-          <a:blip r:embed="rId2">
-            <a:extLst>
-              <a:ext uri="{28A0092B-C50C-407E-A947-70E740481C1C}">
-                <a14:useLocalDpi xmlns:a14="http://schemas.microsoft.com/office/drawing/2010/main" val="0"/>
-              </a:ext>
-            </a:extLst>
-          </a:blip>
-          <a:srcRect r="25535"/>
-          <a:stretch/>
-        </p:blipFill>
-        <p:spPr>
-          <a:xfrm>
-            <a:off x="964734" y="1233182"/>
-            <a:ext cx="9548636" cy="4679470"/>
-          </a:xfrm>
-        </p:spPr>
-      </p:pic>
-      <p:sp>
-        <p:nvSpPr>
-          <p:cNvPr id="7" name="Title 6">
+          <p:cNvSpPr>
+            <a:spLocks noGrp="1"/>
+          </p:cNvSpPr>
+          <p:nvPr>
+            <p:ph type="title"/>
+          </p:nvPr>
+        </p:nvSpPr>
+        <p:spPr/>
+        <p:txBody>
+          <a:bodyPr/>
+          <a:lstStyle/>
+          <a:p>
+            <a:r>
+              <a:rPr lang="en-GB" dirty="0"/>
+              <a:t>Why I wanted to scrape the weather</a:t>
+            </a:r>
+          </a:p>
+        </p:txBody>
+      </p:sp>
+      <p:sp>
+        <p:nvSpPr>
+          <p:cNvPr id="3" name="Content Placeholder 2">
             <a:extLst>
               <a:ext uri="{FF2B5EF4-FFF2-40B4-BE49-F238E27FC236}">
-                <a16:creationId xmlns:a16="http://schemas.microsoft.com/office/drawing/2014/main" id="{882AE002-CF5C-4077-8902-5F054EB223B0}"/>
+                <a16:creationId xmlns:a16="http://schemas.microsoft.com/office/drawing/2014/main" id="{32D59CC0-B199-4FC8-8690-38F4BD9548EB}"/>
               </a:ext>
             </a:extLst>
           </p:cNvPr>
@@ -4062,22 +6906,40 @@
             <a:spLocks noGrp="1"/>
           </p:cNvSpPr>
           <p:nvPr>
-            <p:ph type="title"/>
-          </p:nvPr>
-        </p:nvSpPr>
-        <p:spPr/>
+            <p:ph idx="1"/>
+          </p:nvPr>
+        </p:nvSpPr>
+        <p:spPr>
+          <a:xfrm>
+            <a:off x="1104293" y="1998054"/>
+            <a:ext cx="8946541" cy="4195481"/>
+          </a:xfrm>
+        </p:spPr>
         <p:txBody>
           <a:bodyPr/>
           <a:lstStyle/>
           <a:p>
-            <a:endParaRPr lang="en-GB" dirty="0"/>
+            <a:r>
+              <a:rPr lang="en-GB"/>
+              <a:t>Weather </a:t>
+            </a:r>
+            <a:r>
+              <a:rPr lang="en-GB" dirty="0"/>
+              <a:t>data predictions at the moment aren’t great (very challenging)</a:t>
+            </a:r>
+          </a:p>
+          <a:p>
+            <a:r>
+              <a:rPr lang="en-GB" dirty="0"/>
+              <a:t>The data is categorical and continuous data which is useful for trying different ML models.</a:t>
+            </a:r>
           </a:p>
         </p:txBody>
       </p:sp>
     </p:spTree>
     <p:extLst>
       <p:ext uri="{BB962C8B-B14F-4D97-AF65-F5344CB8AC3E}">
-        <p14:creationId xmlns:p14="http://schemas.microsoft.com/office/powerpoint/2010/main" val="1004981648"/>
+        <p14:creationId xmlns:p14="http://schemas.microsoft.com/office/powerpoint/2010/main" val="4085051559"/>
       </p:ext>
     </p:extLst>
   </p:cSld>
@@ -4131,10 +6993,10 @@
       </p:sp>
       <p:pic>
         <p:nvPicPr>
-          <p:cNvPr id="5" name="Content Placeholder 4" descr="Graphical user interface, application, Teams&#10;&#10;Description automatically generated">
+          <p:cNvPr id="6" name="Content Placeholder 5" descr="Graphical user interface, application, Teams&#10;&#10;Description automatically generated">
             <a:extLst>
               <a:ext uri="{FF2B5EF4-FFF2-40B4-BE49-F238E27FC236}">
-                <a16:creationId xmlns:a16="http://schemas.microsoft.com/office/drawing/2014/main" id="{73D7CF1C-DBC6-4E53-949F-0369A0E3402F}"/>
+                <a16:creationId xmlns:a16="http://schemas.microsoft.com/office/drawing/2014/main" id="{571980F8-0666-4DD4-BF2C-46F6EA33049D}"/>
               </a:ext>
             </a:extLst>
           </p:cNvPr>
@@ -4159,8 +7021,8 @@
         </p:blipFill>
         <p:spPr>
           <a:xfrm>
-            <a:off x="1394543" y="120962"/>
-            <a:ext cx="9402913" cy="6616076"/>
+            <a:off x="0" y="0"/>
+            <a:ext cx="12173080" cy="6587412"/>
           </a:xfrm>
         </p:spPr>
       </p:pic>
@@ -4199,7 +7061,7 @@
           <p:cNvPr id="2" name="Title 1">
             <a:extLst>
               <a:ext uri="{FF2B5EF4-FFF2-40B4-BE49-F238E27FC236}">
-                <a16:creationId xmlns:a16="http://schemas.microsoft.com/office/drawing/2014/main" id="{14F01C76-D42A-4F6E-B0A9-19B203E92A26}"/>
+                <a16:creationId xmlns:a16="http://schemas.microsoft.com/office/drawing/2014/main" id="{38059253-D995-4276-AF34-898E8BE50B32}"/>
               </a:ext>
             </a:extLst>
           </p:cNvPr>
@@ -4221,10 +7083,10 @@
       </p:sp>
       <p:pic>
         <p:nvPicPr>
-          <p:cNvPr id="5" name="Content Placeholder 4" descr="Graphical user interface, application&#10;&#10;Description automatically generated with medium confidence">
+          <p:cNvPr id="6" name="Content Placeholder 5" descr="Graphical user interface, application, Teams&#10;&#10;Description automatically generated">
             <a:extLst>
               <a:ext uri="{FF2B5EF4-FFF2-40B4-BE49-F238E27FC236}">
-                <a16:creationId xmlns:a16="http://schemas.microsoft.com/office/drawing/2014/main" id="{0491E16E-756A-4ACB-99F1-98C4926FEA11}"/>
+                <a16:creationId xmlns:a16="http://schemas.microsoft.com/office/drawing/2014/main" id="{571980F8-0666-4DD4-BF2C-46F6EA33049D}"/>
               </a:ext>
             </a:extLst>
           </p:cNvPr>
@@ -4235,7 +7097,7 @@
             <p:ph idx="1"/>
           </p:nvPr>
         </p:nvPicPr>
-        <p:blipFill rotWithShape="1">
+        <p:blipFill>
           <a:blip r:embed="rId2">
             <a:extLst>
               <a:ext uri="{28A0092B-C50C-407E-A947-70E740481C1C}">
@@ -4243,20 +7105,68 @@
               </a:ext>
             </a:extLst>
           </a:blip>
-          <a:srcRect b="7215"/>
-          <a:stretch/>
+          <a:stretch>
+            <a:fillRect/>
+          </a:stretch>
         </p:blipFill>
         <p:spPr>
           <a:xfrm>
-            <a:off x="3981996" y="365125"/>
-            <a:ext cx="4564845" cy="5857918"/>
+            <a:off x="0" y="0"/>
+            <a:ext cx="12173080" cy="6587412"/>
           </a:xfrm>
         </p:spPr>
       </p:pic>
+      <p:sp>
+        <p:nvSpPr>
+          <p:cNvPr id="4" name="Rectangle 3">
+            <a:extLst>
+              <a:ext uri="{FF2B5EF4-FFF2-40B4-BE49-F238E27FC236}">
+                <a16:creationId xmlns:a16="http://schemas.microsoft.com/office/drawing/2014/main" id="{1C962EE6-C4BA-48AE-9E27-3A189FCF477D}"/>
+              </a:ext>
+            </a:extLst>
+          </p:cNvPr>
+          <p:cNvSpPr/>
+          <p:nvPr/>
+        </p:nvSpPr>
+        <p:spPr>
+          <a:xfrm>
+            <a:off x="2183362" y="1399592"/>
+            <a:ext cx="6381797" cy="5187820"/>
+          </a:xfrm>
+          <a:prstGeom prst="rect">
+            <a:avLst/>
+          </a:prstGeom>
+          <a:noFill/>
+        </p:spPr>
+        <p:style>
+          <a:lnRef idx="2">
+            <a:schemeClr val="accent1">
+              <a:shade val="50000"/>
+            </a:schemeClr>
+          </a:lnRef>
+          <a:fillRef idx="1">
+            <a:schemeClr val="accent1"/>
+          </a:fillRef>
+          <a:effectRef idx="0">
+            <a:schemeClr val="accent1"/>
+          </a:effectRef>
+          <a:fontRef idx="minor">
+            <a:schemeClr val="lt1"/>
+          </a:fontRef>
+        </p:style>
+        <p:txBody>
+          <a:bodyPr rtlCol="0" anchor="ctr"/>
+          <a:lstStyle/>
+          <a:p>
+            <a:pPr algn="ctr"/>
+            <a:endParaRPr lang="en-GB" dirty="0"/>
+          </a:p>
+        </p:txBody>
+      </p:sp>
     </p:spTree>
     <p:extLst>
       <p:ext uri="{BB962C8B-B14F-4D97-AF65-F5344CB8AC3E}">
-        <p14:creationId xmlns:p14="http://schemas.microsoft.com/office/powerpoint/2010/main" val="253567222"/>
+        <p14:creationId xmlns:p14="http://schemas.microsoft.com/office/powerpoint/2010/main" val="2710407303"/>
       </p:ext>
     </p:extLst>
   </p:cSld>
@@ -4288,7 +7198,7 @@
           <p:cNvPr id="2" name="Title 1">
             <a:extLst>
               <a:ext uri="{FF2B5EF4-FFF2-40B4-BE49-F238E27FC236}">
-                <a16:creationId xmlns:a16="http://schemas.microsoft.com/office/drawing/2014/main" id="{1EE4A9A1-DA81-4D32-A9DA-490EAFAE4CEC}"/>
+                <a16:creationId xmlns:a16="http://schemas.microsoft.com/office/drawing/2014/main" id="{38059253-D995-4276-AF34-898E8BE50B32}"/>
               </a:ext>
             </a:extLst>
           </p:cNvPr>
@@ -4304,16 +7214,16 @@
           <a:bodyPr/>
           <a:lstStyle/>
           <a:p>
-            <a:endParaRPr lang="en-GB" dirty="0"/>
+            <a:endParaRPr lang="en-GB"/>
           </a:p>
         </p:txBody>
       </p:sp>
       <p:pic>
         <p:nvPicPr>
-          <p:cNvPr id="5" name="Content Placeholder 4" descr="Text&#10;&#10;Description automatically generated">
+          <p:cNvPr id="6" name="Content Placeholder 5" descr="Graphical user interface, application, Teams&#10;&#10;Description automatically generated">
             <a:extLst>
               <a:ext uri="{FF2B5EF4-FFF2-40B4-BE49-F238E27FC236}">
-                <a16:creationId xmlns:a16="http://schemas.microsoft.com/office/drawing/2014/main" id="{ECE8E604-98CA-417E-8F7F-215EBFD24B79}"/>
+                <a16:creationId xmlns:a16="http://schemas.microsoft.com/office/drawing/2014/main" id="{571980F8-0666-4DD4-BF2C-46F6EA33049D}"/>
               </a:ext>
             </a:extLst>
           </p:cNvPr>
@@ -4324,7 +7234,7 @@
             <p:ph idx="1"/>
           </p:nvPr>
         </p:nvPicPr>
-        <p:blipFill rotWithShape="1">
+        <p:blipFill>
           <a:blip r:embed="rId2">
             <a:extLst>
               <a:ext uri="{28A0092B-C50C-407E-A947-70E740481C1C}">
@@ -4332,20 +7242,68 @@
               </a:ext>
             </a:extLst>
           </a:blip>
-          <a:srcRect r="24365"/>
-          <a:stretch/>
+          <a:stretch>
+            <a:fillRect/>
+          </a:stretch>
         </p:blipFill>
         <p:spPr>
           <a:xfrm>
-            <a:off x="148893" y="1872617"/>
-            <a:ext cx="11655515" cy="3112765"/>
+            <a:off x="0" y="0"/>
+            <a:ext cx="12173080" cy="6587412"/>
           </a:xfrm>
         </p:spPr>
       </p:pic>
+      <p:sp>
+        <p:nvSpPr>
+          <p:cNvPr id="4" name="Rectangle 3">
+            <a:extLst>
+              <a:ext uri="{FF2B5EF4-FFF2-40B4-BE49-F238E27FC236}">
+                <a16:creationId xmlns:a16="http://schemas.microsoft.com/office/drawing/2014/main" id="{1C962EE6-C4BA-48AE-9E27-3A189FCF477D}"/>
+              </a:ext>
+            </a:extLst>
+          </p:cNvPr>
+          <p:cNvSpPr/>
+          <p:nvPr/>
+        </p:nvSpPr>
+        <p:spPr>
+          <a:xfrm>
+            <a:off x="2183362" y="1399592"/>
+            <a:ext cx="2027911" cy="2862015"/>
+          </a:xfrm>
+          <a:prstGeom prst="rect">
+            <a:avLst/>
+          </a:prstGeom>
+          <a:noFill/>
+        </p:spPr>
+        <p:style>
+          <a:lnRef idx="2">
+            <a:schemeClr val="accent1">
+              <a:shade val="50000"/>
+            </a:schemeClr>
+          </a:lnRef>
+          <a:fillRef idx="1">
+            <a:schemeClr val="accent1"/>
+          </a:fillRef>
+          <a:effectRef idx="0">
+            <a:schemeClr val="accent1"/>
+          </a:effectRef>
+          <a:fontRef idx="minor">
+            <a:schemeClr val="lt1"/>
+          </a:fontRef>
+        </p:style>
+        <p:txBody>
+          <a:bodyPr rtlCol="0" anchor="ctr"/>
+          <a:lstStyle/>
+          <a:p>
+            <a:pPr algn="ctr"/>
+            <a:endParaRPr lang="en-GB" dirty="0"/>
+          </a:p>
+        </p:txBody>
+      </p:sp>
     </p:spTree>
     <p:extLst>
       <p:ext uri="{BB962C8B-B14F-4D97-AF65-F5344CB8AC3E}">
-        <p14:creationId xmlns:p14="http://schemas.microsoft.com/office/powerpoint/2010/main" val="1679370363"/>
+        <p14:creationId xmlns:p14="http://schemas.microsoft.com/office/powerpoint/2010/main" val="3382099929"/>
       </p:ext>
     </p:extLst>
   </p:cSld>
@@ -4377,7 +7335,7 @@
           <p:cNvPr id="2" name="Title 1">
             <a:extLst>
               <a:ext uri="{FF2B5EF4-FFF2-40B4-BE49-F238E27FC236}">
-                <a16:creationId xmlns:a16="http://schemas.microsoft.com/office/drawing/2014/main" id="{1948339E-A9CD-43C8-91A1-8E8FC8EC6D1B}"/>
+                <a16:creationId xmlns:a16="http://schemas.microsoft.com/office/drawing/2014/main" id="{BE95C5B8-582F-4E6F-8BAA-07E494FFBE53}"/>
               </a:ext>
             </a:extLst>
           </p:cNvPr>
@@ -4399,10 +7357,10 @@
       </p:sp>
       <p:pic>
         <p:nvPicPr>
-          <p:cNvPr id="5" name="Content Placeholder 4" descr="Text&#10;&#10;Description automatically generated">
+          <p:cNvPr id="5" name="Content Placeholder 4" descr="Graphical user interface, text, application&#10;&#10;Description automatically generated">
             <a:extLst>
               <a:ext uri="{FF2B5EF4-FFF2-40B4-BE49-F238E27FC236}">
-                <a16:creationId xmlns:a16="http://schemas.microsoft.com/office/drawing/2014/main" id="{A312298E-F61F-4946-82FB-3213AC8C909C}"/>
+                <a16:creationId xmlns:a16="http://schemas.microsoft.com/office/drawing/2014/main" id="{F8B39560-ACEB-435F-8C0C-C694AC6FC57F}"/>
               </a:ext>
             </a:extLst>
           </p:cNvPr>
@@ -4413,7 +7371,7 @@
             <p:ph idx="1"/>
           </p:nvPr>
         </p:nvPicPr>
-        <p:blipFill rotWithShape="1">
+        <p:blipFill>
           <a:blip r:embed="rId2">
             <a:extLst>
               <a:ext uri="{28A0092B-C50C-407E-A947-70E740481C1C}">
@@ -4421,20 +7379,177 @@
               </a:ext>
             </a:extLst>
           </a:blip>
-          <a:srcRect r="24684"/>
-          <a:stretch/>
+          <a:stretch>
+            <a:fillRect/>
+          </a:stretch>
         </p:blipFill>
         <p:spPr>
           <a:xfrm>
-            <a:off x="75501" y="1859552"/>
-            <a:ext cx="11923552" cy="3138896"/>
+            <a:off x="0" y="-61388"/>
+            <a:ext cx="12279645" cy="6663523"/>
           </a:xfrm>
         </p:spPr>
       </p:pic>
+      <p:sp>
+        <p:nvSpPr>
+          <p:cNvPr id="6" name="Rectangle 5">
+            <a:extLst>
+              <a:ext uri="{FF2B5EF4-FFF2-40B4-BE49-F238E27FC236}">
+                <a16:creationId xmlns:a16="http://schemas.microsoft.com/office/drawing/2014/main" id="{C909F438-E414-4E92-971A-920FEC0B19F1}"/>
+              </a:ext>
+            </a:extLst>
+          </p:cNvPr>
+          <p:cNvSpPr/>
+          <p:nvPr/>
+        </p:nvSpPr>
+        <p:spPr>
+          <a:xfrm>
+            <a:off x="2299982" y="6073629"/>
+            <a:ext cx="763398" cy="134224"/>
+          </a:xfrm>
+          <a:prstGeom prst="rect">
+            <a:avLst/>
+          </a:prstGeom>
+          <a:noFill/>
+          <a:ln>
+            <a:solidFill>
+              <a:schemeClr val="accent1"/>
+            </a:solidFill>
+          </a:ln>
+        </p:spPr>
+        <p:style>
+          <a:lnRef idx="2">
+            <a:schemeClr val="accent1">
+              <a:shade val="50000"/>
+            </a:schemeClr>
+          </a:lnRef>
+          <a:fillRef idx="1">
+            <a:schemeClr val="accent1"/>
+          </a:fillRef>
+          <a:effectRef idx="0">
+            <a:schemeClr val="accent1"/>
+          </a:effectRef>
+          <a:fontRef idx="minor">
+            <a:schemeClr val="lt1"/>
+          </a:fontRef>
+        </p:style>
+        <p:txBody>
+          <a:bodyPr rtlCol="0" anchor="ctr"/>
+          <a:lstStyle/>
+          <a:p>
+            <a:pPr algn="ctr"/>
+            <a:endParaRPr lang="en-GB"/>
+          </a:p>
+        </p:txBody>
+      </p:sp>
+      <p:sp>
+        <p:nvSpPr>
+          <p:cNvPr id="7" name="Rectangle 6">
+            <a:extLst>
+              <a:ext uri="{FF2B5EF4-FFF2-40B4-BE49-F238E27FC236}">
+                <a16:creationId xmlns:a16="http://schemas.microsoft.com/office/drawing/2014/main" id="{359D1139-13F2-4096-BDE8-E8EA59599DC6}"/>
+              </a:ext>
+            </a:extLst>
+          </p:cNvPr>
+          <p:cNvSpPr/>
+          <p:nvPr/>
+        </p:nvSpPr>
+        <p:spPr>
+          <a:xfrm>
+            <a:off x="2299982" y="6237214"/>
+            <a:ext cx="763398" cy="134224"/>
+          </a:xfrm>
+          <a:prstGeom prst="rect">
+            <a:avLst/>
+          </a:prstGeom>
+          <a:noFill/>
+          <a:ln>
+            <a:solidFill>
+              <a:schemeClr val="accent1"/>
+            </a:solidFill>
+          </a:ln>
+        </p:spPr>
+        <p:style>
+          <a:lnRef idx="2">
+            <a:schemeClr val="accent1">
+              <a:shade val="50000"/>
+            </a:schemeClr>
+          </a:lnRef>
+          <a:fillRef idx="1">
+            <a:schemeClr val="accent1"/>
+          </a:fillRef>
+          <a:effectRef idx="0">
+            <a:schemeClr val="accent1"/>
+          </a:effectRef>
+          <a:fontRef idx="minor">
+            <a:schemeClr val="lt1"/>
+          </a:fontRef>
+        </p:style>
+        <p:txBody>
+          <a:bodyPr rtlCol="0" anchor="ctr"/>
+          <a:lstStyle/>
+          <a:p>
+            <a:pPr algn="ctr"/>
+            <a:endParaRPr lang="en-GB"/>
+          </a:p>
+        </p:txBody>
+      </p:sp>
+      <p:sp>
+        <p:nvSpPr>
+          <p:cNvPr id="8" name="Rectangle 7">
+            <a:extLst>
+              <a:ext uri="{FF2B5EF4-FFF2-40B4-BE49-F238E27FC236}">
+                <a16:creationId xmlns:a16="http://schemas.microsoft.com/office/drawing/2014/main" id="{A86865F9-BF65-484E-8D37-7E5B6DA8E793}"/>
+              </a:ext>
+            </a:extLst>
+          </p:cNvPr>
+          <p:cNvSpPr/>
+          <p:nvPr/>
+        </p:nvSpPr>
+        <p:spPr>
+          <a:xfrm>
+            <a:off x="2299982" y="6400799"/>
+            <a:ext cx="862668" cy="134224"/>
+          </a:xfrm>
+          <a:prstGeom prst="rect">
+            <a:avLst/>
+          </a:prstGeom>
+          <a:noFill/>
+          <a:ln>
+            <a:solidFill>
+              <a:schemeClr val="accent1"/>
+            </a:solidFill>
+          </a:ln>
+        </p:spPr>
+        <p:style>
+          <a:lnRef idx="2">
+            <a:schemeClr val="accent1">
+              <a:shade val="50000"/>
+            </a:schemeClr>
+          </a:lnRef>
+          <a:fillRef idx="1">
+            <a:schemeClr val="accent1"/>
+          </a:fillRef>
+          <a:effectRef idx="0">
+            <a:schemeClr val="accent1"/>
+          </a:effectRef>
+          <a:fontRef idx="minor">
+            <a:schemeClr val="lt1"/>
+          </a:fontRef>
+        </p:style>
+        <p:txBody>
+          <a:bodyPr rtlCol="0" anchor="ctr"/>
+          <a:lstStyle/>
+          <a:p>
+            <a:pPr algn="ctr"/>
+            <a:endParaRPr lang="en-GB"/>
+          </a:p>
+        </p:txBody>
+      </p:sp>
     </p:spTree>
     <p:extLst>
       <p:ext uri="{BB962C8B-B14F-4D97-AF65-F5344CB8AC3E}">
-        <p14:creationId xmlns:p14="http://schemas.microsoft.com/office/powerpoint/2010/main" val="3383773395"/>
+        <p14:creationId xmlns:p14="http://schemas.microsoft.com/office/powerpoint/2010/main" val="3896025406"/>
       </p:ext>
     </p:extLst>
   </p:cSld>
@@ -4466,7 +7581,7 @@
           <p:cNvPr id="2" name="Title 1">
             <a:extLst>
               <a:ext uri="{FF2B5EF4-FFF2-40B4-BE49-F238E27FC236}">
-                <a16:creationId xmlns:a16="http://schemas.microsoft.com/office/drawing/2014/main" id="{1D53A767-3152-4E61-AD7F-507F8312A893}"/>
+                <a16:creationId xmlns:a16="http://schemas.microsoft.com/office/drawing/2014/main" id="{AE377DAD-C204-409E-975C-A64B89D54F43}"/>
               </a:ext>
             </a:extLst>
           </p:cNvPr>
@@ -4491,7 +7606,7 @@
           <p:cNvPr id="5" name="Content Placeholder 4" descr="Graphical user interface, text, application&#10;&#10;Description automatically generated">
             <a:extLst>
               <a:ext uri="{FF2B5EF4-FFF2-40B4-BE49-F238E27FC236}">
-                <a16:creationId xmlns:a16="http://schemas.microsoft.com/office/drawing/2014/main" id="{19C5325C-5855-457E-8F9D-6B060BA44A57}"/>
+                <a16:creationId xmlns:a16="http://schemas.microsoft.com/office/drawing/2014/main" id="{E70BFE19-B132-4AD3-BBB9-06CAA5D7EDD8}"/>
               </a:ext>
             </a:extLst>
           </p:cNvPr>
@@ -4516,15 +7631,155 @@
         </p:blipFill>
         <p:spPr>
           <a:xfrm>
-            <a:off x="1853590" y="105066"/>
-            <a:ext cx="8052371" cy="6295734"/>
-          </a:xfrm>
+            <a:off x="0" y="21260"/>
+            <a:ext cx="12192754" cy="6585358"/>
+          </a:xfrm>
+        </p:spPr>
+      </p:pic>
+      <p:sp>
+        <p:nvSpPr>
+          <p:cNvPr id="6" name="Rectangle 5">
+            <a:extLst>
+              <a:ext uri="{FF2B5EF4-FFF2-40B4-BE49-F238E27FC236}">
+                <a16:creationId xmlns:a16="http://schemas.microsoft.com/office/drawing/2014/main" id="{D484E037-5CD3-4BB6-A1DB-57FF08200263}"/>
+              </a:ext>
+            </a:extLst>
+          </p:cNvPr>
+          <p:cNvSpPr/>
+          <p:nvPr/>
+        </p:nvSpPr>
+        <p:spPr>
+          <a:xfrm>
+            <a:off x="3212983" y="989901"/>
+            <a:ext cx="3212984" cy="4899171"/>
+          </a:xfrm>
+          <a:prstGeom prst="rect">
+            <a:avLst/>
+          </a:prstGeom>
+          <a:noFill/>
+          <a:ln>
+            <a:solidFill>
+              <a:srgbClr val="92D050"/>
+            </a:solidFill>
+          </a:ln>
+        </p:spPr>
+        <p:style>
+          <a:lnRef idx="2">
+            <a:schemeClr val="accent1">
+              <a:shade val="50000"/>
+            </a:schemeClr>
+          </a:lnRef>
+          <a:fillRef idx="1">
+            <a:schemeClr val="accent1"/>
+          </a:fillRef>
+          <a:effectRef idx="0">
+            <a:schemeClr val="accent1"/>
+          </a:effectRef>
+          <a:fontRef idx="minor">
+            <a:schemeClr val="lt1"/>
+          </a:fontRef>
+        </p:style>
+        <p:txBody>
+          <a:bodyPr rtlCol="0" anchor="ctr"/>
+          <a:lstStyle/>
+          <a:p>
+            <a:pPr algn="ctr"/>
+            <a:endParaRPr lang="en-GB"/>
+          </a:p>
+        </p:txBody>
+      </p:sp>
+      <p:sp>
+        <p:nvSpPr>
+          <p:cNvPr id="7" name="Rectangle 6">
+            <a:extLst>
+              <a:ext uri="{FF2B5EF4-FFF2-40B4-BE49-F238E27FC236}">
+                <a16:creationId xmlns:a16="http://schemas.microsoft.com/office/drawing/2014/main" id="{33812E91-6317-43E8-AE11-48DF333C3C01}"/>
+              </a:ext>
+            </a:extLst>
+          </p:cNvPr>
+          <p:cNvSpPr/>
+          <p:nvPr/>
+        </p:nvSpPr>
+        <p:spPr>
+          <a:xfrm>
+            <a:off x="3145872" y="968928"/>
+            <a:ext cx="4001548" cy="5637690"/>
+          </a:xfrm>
+          <a:prstGeom prst="rect">
+            <a:avLst/>
+          </a:prstGeom>
+          <a:noFill/>
+          <a:ln>
+            <a:solidFill>
+              <a:srgbClr val="FF0000"/>
+            </a:solidFill>
+          </a:ln>
+        </p:spPr>
+        <p:style>
+          <a:lnRef idx="2">
+            <a:schemeClr val="accent1">
+              <a:shade val="50000"/>
+            </a:schemeClr>
+          </a:lnRef>
+          <a:fillRef idx="1">
+            <a:schemeClr val="accent1"/>
+          </a:fillRef>
+          <a:effectRef idx="0">
+            <a:schemeClr val="accent1"/>
+          </a:effectRef>
+          <a:fontRef idx="minor">
+            <a:schemeClr val="lt1"/>
+          </a:fontRef>
+        </p:style>
+        <p:txBody>
+          <a:bodyPr rtlCol="0" anchor="ctr"/>
+          <a:lstStyle/>
+          <a:p>
+            <a:pPr algn="ctr"/>
+            <a:endParaRPr lang="en-GB"/>
+          </a:p>
+        </p:txBody>
+      </p:sp>
+      <p:pic>
+        <p:nvPicPr>
+          <p:cNvPr id="9" name="Picture 8">
+            <a:extLst>
+              <a:ext uri="{FF2B5EF4-FFF2-40B4-BE49-F238E27FC236}">
+                <a16:creationId xmlns:a16="http://schemas.microsoft.com/office/drawing/2014/main" id="{05877374-8837-4ACD-9BF1-9C0A57EC28A7}"/>
+              </a:ext>
+            </a:extLst>
+          </p:cNvPr>
+          <p:cNvPicPr>
+            <a:picLocks noChangeAspect="1"/>
+          </p:cNvPicPr>
+          <p:nvPr/>
+        </p:nvPicPr>
+        <p:blipFill>
+          <a:blip r:embed="rId3">
+            <a:extLst>
+              <a:ext uri="{28A0092B-C50C-407E-A947-70E740481C1C}">
+                <a14:useLocalDpi xmlns:a14="http://schemas.microsoft.com/office/drawing/2010/main" val="0"/>
+              </a:ext>
+            </a:extLst>
+          </a:blip>
+          <a:stretch>
+            <a:fillRect/>
+          </a:stretch>
+        </p:blipFill>
+        <p:spPr>
+          <a:xfrm>
+            <a:off x="7607687" y="2999315"/>
+            <a:ext cx="4258269" cy="171474"/>
+          </a:xfrm>
+          <a:prstGeom prst="rect">
+            <a:avLst/>
+          </a:prstGeom>
         </p:spPr>
       </p:pic>
     </p:spTree>
     <p:extLst>
       <p:ext uri="{BB962C8B-B14F-4D97-AF65-F5344CB8AC3E}">
-        <p14:creationId xmlns:p14="http://schemas.microsoft.com/office/powerpoint/2010/main" val="706164345"/>
+        <p14:creationId xmlns:p14="http://schemas.microsoft.com/office/powerpoint/2010/main" val="2290978399"/>
       </p:ext>
     </p:extLst>
   </p:cSld>
@@ -4556,7 +7811,7 @@
           <p:cNvPr id="2" name="Title 1">
             <a:extLst>
               <a:ext uri="{FF2B5EF4-FFF2-40B4-BE49-F238E27FC236}">
-                <a16:creationId xmlns:a16="http://schemas.microsoft.com/office/drawing/2014/main" id="{8AFD0B0A-98E8-4DB5-8F64-FB056ECADC05}"/>
+                <a16:creationId xmlns:a16="http://schemas.microsoft.com/office/drawing/2014/main" id="{6CB12656-E531-4B41-94F9-C96A5CC2DF87}"/>
               </a:ext>
             </a:extLst>
           </p:cNvPr>
@@ -4578,10 +7833,10 @@
       </p:sp>
       <p:pic>
         <p:nvPicPr>
-          <p:cNvPr id="9" name="Content Placeholder 8" descr="Text&#10;&#10;Description automatically generated">
+          <p:cNvPr id="5" name="Content Placeholder 4" descr="Graphical user interface, text, application&#10;&#10;Description automatically generated">
             <a:extLst>
               <a:ext uri="{FF2B5EF4-FFF2-40B4-BE49-F238E27FC236}">
-                <a16:creationId xmlns:a16="http://schemas.microsoft.com/office/drawing/2014/main" id="{9E6A32D0-A6F1-40DB-A6B4-C640BA008C36}"/>
+                <a16:creationId xmlns:a16="http://schemas.microsoft.com/office/drawing/2014/main" id="{80B704F9-B203-4BD7-8E3F-EA29C7498455}"/>
               </a:ext>
             </a:extLst>
           </p:cNvPr>
@@ -4606,15 +7861,51 @@
         </p:blipFill>
         <p:spPr>
           <a:xfrm>
-            <a:off x="186089" y="482877"/>
-            <a:ext cx="12005911" cy="5892246"/>
-          </a:xfrm>
+            <a:off x="0" y="1"/>
+            <a:ext cx="12166730" cy="6405282"/>
+          </a:xfrm>
+        </p:spPr>
+      </p:pic>
+      <p:pic>
+        <p:nvPicPr>
+          <p:cNvPr id="7" name="Picture 6">
+            <a:extLst>
+              <a:ext uri="{FF2B5EF4-FFF2-40B4-BE49-F238E27FC236}">
+                <a16:creationId xmlns:a16="http://schemas.microsoft.com/office/drawing/2014/main" id="{F9A3CB61-583B-4DF2-AE73-00BCFD029E6F}"/>
+              </a:ext>
+            </a:extLst>
+          </p:cNvPr>
+          <p:cNvPicPr>
+            <a:picLocks noChangeAspect="1"/>
+          </p:cNvPicPr>
+          <p:nvPr/>
+        </p:nvPicPr>
+        <p:blipFill>
+          <a:blip r:embed="rId3">
+            <a:extLst>
+              <a:ext uri="{28A0092B-C50C-407E-A947-70E740481C1C}">
+                <a14:useLocalDpi xmlns:a14="http://schemas.microsoft.com/office/drawing/2010/main" val="0"/>
+              </a:ext>
+            </a:extLst>
+          </a:blip>
+          <a:stretch>
+            <a:fillRect/>
+          </a:stretch>
+        </p:blipFill>
+        <p:spPr>
+          <a:xfrm>
+            <a:off x="1579114" y="6405282"/>
+            <a:ext cx="8276948" cy="380550"/>
+          </a:xfrm>
+          <a:prstGeom prst="rect">
+            <a:avLst/>
+          </a:prstGeom>
         </p:spPr>
       </p:pic>
     </p:spTree>
     <p:extLst>
       <p:ext uri="{BB962C8B-B14F-4D97-AF65-F5344CB8AC3E}">
-        <p14:creationId xmlns:p14="http://schemas.microsoft.com/office/powerpoint/2010/main" val="1738902975"/>
+        <p14:creationId xmlns:p14="http://schemas.microsoft.com/office/powerpoint/2010/main" val="1548493189"/>
       </p:ext>
     </p:extLst>
   </p:cSld>
@@ -4646,7 +7937,7 @@
           <p:cNvPr id="2" name="Title 1">
             <a:extLst>
               <a:ext uri="{FF2B5EF4-FFF2-40B4-BE49-F238E27FC236}">
-                <a16:creationId xmlns:a16="http://schemas.microsoft.com/office/drawing/2014/main" id="{E4F173DE-3262-482F-B844-6CF73A023E5E}"/>
+                <a16:creationId xmlns:a16="http://schemas.microsoft.com/office/drawing/2014/main" id="{0B1B3E41-D867-4D6B-922A-AE243278601A}"/>
               </a:ext>
             </a:extLst>
           </p:cNvPr>
@@ -4668,10 +7959,10 @@
       </p:sp>
       <p:pic>
         <p:nvPicPr>
-          <p:cNvPr id="5" name="Content Placeholder 4" descr="Graphical user interface, website&#10;&#10;Description automatically generated">
+          <p:cNvPr id="5" name="Content Placeholder 4" descr="Graphical user interface, application&#10;&#10;Description automatically generated">
             <a:extLst>
               <a:ext uri="{FF2B5EF4-FFF2-40B4-BE49-F238E27FC236}">
-                <a16:creationId xmlns:a16="http://schemas.microsoft.com/office/drawing/2014/main" id="{D14916AE-9164-47AD-95BD-99DBDFE0297D}"/>
+                <a16:creationId xmlns:a16="http://schemas.microsoft.com/office/drawing/2014/main" id="{900898F7-91D0-4544-A1E6-EF3C80F96058}"/>
               </a:ext>
             </a:extLst>
           </p:cNvPr>
@@ -4696,15 +7987,62 @@
         </p:blipFill>
         <p:spPr>
           <a:xfrm>
-            <a:off x="759812" y="365125"/>
-            <a:ext cx="10900716" cy="5597136"/>
+            <a:off x="-67155" y="-1"/>
+            <a:ext cx="12211536" cy="6627303"/>
           </a:xfrm>
         </p:spPr>
       </p:pic>
+      <p:sp>
+        <p:nvSpPr>
+          <p:cNvPr id="6" name="Rectangle 5">
+            <a:extLst>
+              <a:ext uri="{FF2B5EF4-FFF2-40B4-BE49-F238E27FC236}">
+                <a16:creationId xmlns:a16="http://schemas.microsoft.com/office/drawing/2014/main" id="{B6BF25DF-02A1-4C8D-915F-DFC2455A3F29}"/>
+              </a:ext>
+            </a:extLst>
+          </p:cNvPr>
+          <p:cNvSpPr/>
+          <p:nvPr/>
+        </p:nvSpPr>
+        <p:spPr>
+          <a:xfrm>
+            <a:off x="5595457" y="1375794"/>
+            <a:ext cx="335560" cy="151002"/>
+          </a:xfrm>
+          <a:prstGeom prst="rect">
+            <a:avLst/>
+          </a:prstGeom>
+          <a:noFill/>
+        </p:spPr>
+        <p:style>
+          <a:lnRef idx="2">
+            <a:schemeClr val="accent1">
+              <a:shade val="50000"/>
+            </a:schemeClr>
+          </a:lnRef>
+          <a:fillRef idx="1">
+            <a:schemeClr val="accent1"/>
+          </a:fillRef>
+          <a:effectRef idx="0">
+            <a:schemeClr val="accent1"/>
+          </a:effectRef>
+          <a:fontRef idx="minor">
+            <a:schemeClr val="lt1"/>
+          </a:fontRef>
+        </p:style>
+        <p:txBody>
+          <a:bodyPr rtlCol="0" anchor="ctr"/>
+          <a:lstStyle/>
+          <a:p>
+            <a:pPr algn="ctr"/>
+            <a:endParaRPr lang="en-GB"/>
+          </a:p>
+        </p:txBody>
+      </p:sp>
     </p:spTree>
     <p:extLst>
       <p:ext uri="{BB962C8B-B14F-4D97-AF65-F5344CB8AC3E}">
-        <p14:creationId xmlns:p14="http://schemas.microsoft.com/office/powerpoint/2010/main" val="1394260443"/>
+        <p14:creationId xmlns:p14="http://schemas.microsoft.com/office/powerpoint/2010/main" val="2871939427"/>
       </p:ext>
     </p:extLst>
   </p:cSld>
@@ -4715,9 +8053,9 @@
 </file>
 
 <file path=ppt/theme/theme1.xml><?xml version="1.0" encoding="utf-8"?>
-<a:theme xmlns:a="http://schemas.openxmlformats.org/drawingml/2006/main" name="Office Theme">
+<a:theme xmlns:a="http://schemas.openxmlformats.org/drawingml/2006/main" name="Ion">
   <a:themeElements>
-    <a:clrScheme name="Office">
+    <a:clrScheme name="Ion">
       <a:dk1>
         <a:sysClr val="windowText" lastClr="000000"/>
       </a:dk1>
@@ -4725,44 +8063,44 @@
         <a:sysClr val="window" lastClr="FFFFFF"/>
       </a:lt1>
       <a:dk2>
-        <a:srgbClr val="44546A"/>
+        <a:srgbClr val="1E5155"/>
       </a:dk2>
       <a:lt2>
-        <a:srgbClr val="E7E6E6"/>
+        <a:srgbClr val="EBEBEB"/>
       </a:lt2>
       <a:accent1>
-        <a:srgbClr val="4472C4"/>
+        <a:srgbClr val="B01513"/>
       </a:accent1>
       <a:accent2>
-        <a:srgbClr val="ED7D31"/>
+        <a:srgbClr val="EA6312"/>
       </a:accent2>
       <a:accent3>
-        <a:srgbClr val="A5A5A5"/>
+        <a:srgbClr val="E6B729"/>
       </a:accent3>
       <a:accent4>
-        <a:srgbClr val="FFC000"/>
+        <a:srgbClr val="6AAC90"/>
       </a:accent4>
       <a:accent5>
-        <a:srgbClr val="5B9BD5"/>
+        <a:srgbClr val="54849A"/>
       </a:accent5>
       <a:accent6>
-        <a:srgbClr val="70AD47"/>
+        <a:srgbClr val="9E5E9B"/>
       </a:accent6>
       <a:hlink>
-        <a:srgbClr val="0563C1"/>
+        <a:srgbClr val="58C1BA"/>
       </a:hlink>
       <a:folHlink>
-        <a:srgbClr val="954F72"/>
+        <a:srgbClr val="9DFFCB"/>
       </a:folHlink>
     </a:clrScheme>
-    <a:fontScheme name="Office">
+    <a:fontScheme name="Ion">
       <a:majorFont>
-        <a:latin typeface="Calibri Light" panose="020F0302020204030204"/>
+        <a:latin typeface="Century Gothic" panose="020B0502020202020204"/>
         <a:ea typeface=""/>
         <a:cs typeface=""/>
-        <a:font script="Jpan" typeface="游ゴシック Light"/>
+        <a:font script="Jpan" typeface="メイリオ"/>
         <a:font script="Hang" typeface="맑은 고딕"/>
-        <a:font script="Hans" typeface="等线 Light"/>
+        <a:font script="Hans" typeface="宋体"/>
         <a:font script="Hant" typeface="新細明體"/>
         <a:font script="Arab" typeface="Times New Roman"/>
         <a:font script="Hebr" typeface="Times New Roman"/>
@@ -4790,31 +8128,14 @@
         <a:font script="Viet" typeface="Times New Roman"/>
         <a:font script="Uigh" typeface="Microsoft Uighur"/>
         <a:font script="Geor" typeface="Sylfaen"/>
-        <a:font script="Armn" typeface="Arial"/>
-        <a:font script="Bugi" typeface="Leelawadee UI"/>
-        <a:font script="Bopo" typeface="Microsoft JhengHei"/>
-        <a:font script="Java" typeface="Javanese Text"/>
-        <a:font script="Lisu" typeface="Segoe UI"/>
-        <a:font script="Mymr" typeface="Myanmar Text"/>
-        <a:font script="Nkoo" typeface="Ebrima"/>
-        <a:font script="Olck" typeface="Nirmala UI"/>
-        <a:font script="Osma" typeface="Ebrima"/>
-        <a:font script="Phag" typeface="Phagspa"/>
-        <a:font script="Syrn" typeface="Estrangelo Edessa"/>
-        <a:font script="Syrj" typeface="Estrangelo Edessa"/>
-        <a:font script="Syre" typeface="Estrangelo Edessa"/>
-        <a:font script="Sora" typeface="Nirmala UI"/>
-        <a:font script="Tale" typeface="Microsoft Tai Le"/>
-        <a:font script="Talu" typeface="Microsoft New Tai Lue"/>
-        <a:font script="Tfng" typeface="Ebrima"/>
       </a:majorFont>
       <a:minorFont>
-        <a:latin typeface="Calibri" panose="020F0502020204030204"/>
+        <a:latin typeface="Century Gothic" panose="020B0502020202020204"/>
         <a:ea typeface=""/>
         <a:cs typeface=""/>
-        <a:font script="Jpan" typeface="游ゴシック"/>
+        <a:font script="Jpan" typeface="メイリオ"/>
         <a:font script="Hang" typeface="맑은 고딕"/>
-        <a:font script="Hans" typeface="等线"/>
+        <a:font script="Hans" typeface="宋体"/>
         <a:font script="Hant" typeface="新細明體"/>
         <a:font script="Arab" typeface="Arial"/>
         <a:font script="Hebr" typeface="Arial"/>
@@ -4842,26 +8163,9 @@
         <a:font script="Viet" typeface="Arial"/>
         <a:font script="Uigh" typeface="Microsoft Uighur"/>
         <a:font script="Geor" typeface="Sylfaen"/>
-        <a:font script="Armn" typeface="Arial"/>
-        <a:font script="Bugi" typeface="Leelawadee UI"/>
-        <a:font script="Bopo" typeface="Microsoft JhengHei"/>
-        <a:font script="Java" typeface="Javanese Text"/>
-        <a:font script="Lisu" typeface="Segoe UI"/>
-        <a:font script="Mymr" typeface="Myanmar Text"/>
-        <a:font script="Nkoo" typeface="Ebrima"/>
-        <a:font script="Olck" typeface="Nirmala UI"/>
-        <a:font script="Osma" typeface="Ebrima"/>
-        <a:font script="Phag" typeface="Phagspa"/>
-        <a:font script="Syrn" typeface="Estrangelo Edessa"/>
-        <a:font script="Syrj" typeface="Estrangelo Edessa"/>
-        <a:font script="Syre" typeface="Estrangelo Edessa"/>
-        <a:font script="Sora" typeface="Nirmala UI"/>
-        <a:font script="Tale" typeface="Microsoft Tai Le"/>
-        <a:font script="Talu" typeface="Microsoft New Tai Lue"/>
-        <a:font script="Tfng" typeface="Ebrima"/>
       </a:minorFont>
     </a:fontScheme>
-    <a:fmtScheme name="Office">
+    <a:fmtScheme name="Ion">
       <a:fillStyleLst>
         <a:solidFill>
           <a:schemeClr val="phClr"/>
@@ -4870,23 +8174,15 @@
           <a:gsLst>
             <a:gs pos="0">
               <a:schemeClr val="phClr">
-                <a:lumMod val="110000"/>
-                <a:satMod val="105000"/>
-                <a:tint val="67000"/>
-              </a:schemeClr>
-            </a:gs>
-            <a:gs pos="50000">
-              <a:schemeClr val="phClr">
-                <a:lumMod val="105000"/>
-                <a:satMod val="103000"/>
-                <a:tint val="73000"/>
+                <a:tint val="64000"/>
+                <a:lumMod val="118000"/>
               </a:schemeClr>
             </a:gs>
             <a:gs pos="100000">
               <a:schemeClr val="phClr">
-                <a:lumMod val="105000"/>
-                <a:satMod val="109000"/>
-                <a:tint val="81000"/>
+                <a:tint val="92000"/>
+                <a:alpha val="100000"/>
+                <a:lumMod val="110000"/>
               </a:schemeClr>
             </a:gs>
           </a:gsLst>
@@ -4896,23 +8192,14 @@
           <a:gsLst>
             <a:gs pos="0">
               <a:schemeClr val="phClr">
-                <a:satMod val="103000"/>
-                <a:lumMod val="102000"/>
-                <a:tint val="94000"/>
-              </a:schemeClr>
-            </a:gs>
-            <a:gs pos="50000">
-              <a:schemeClr val="phClr">
-                <a:satMod val="110000"/>
-                <a:lumMod val="100000"/>
-                <a:shade val="100000"/>
+                <a:tint val="98000"/>
+                <a:lumMod val="114000"/>
               </a:schemeClr>
             </a:gs>
             <a:gs pos="100000">
               <a:schemeClr val="phClr">
-                <a:lumMod val="99000"/>
-                <a:satMod val="120000"/>
-                <a:shade val="78000"/>
+                <a:shade val="90000"/>
+                <a:lumMod val="84000"/>
               </a:schemeClr>
             </a:gs>
           </a:gsLst>
@@ -4920,26 +8207,23 @@
         </a:gradFill>
       </a:fillStyleLst>
       <a:lnStyleLst>
-        <a:ln w="6350" cap="flat" cmpd="sng" algn="ctr">
+        <a:ln w="9525" cap="rnd" cmpd="sng" algn="ctr">
           <a:solidFill>
             <a:schemeClr val="phClr"/>
           </a:solidFill>
           <a:prstDash val="solid"/>
-          <a:miter lim="800000"/>
         </a:ln>
-        <a:ln w="12700" cap="flat" cmpd="sng" algn="ctr">
+        <a:ln w="19050" cap="rnd" cmpd="sng" algn="ctr">
           <a:solidFill>
             <a:schemeClr val="phClr"/>
           </a:solidFill>
           <a:prstDash val="solid"/>
-          <a:miter lim="800000"/>
         </a:ln>
-        <a:ln w="19050" cap="flat" cmpd="sng" algn="ctr">
+        <a:ln w="28575" cap="rnd" cmpd="sng" algn="ctr">
           <a:solidFill>
             <a:schemeClr val="phClr"/>
           </a:solidFill>
           <a:prstDash val="solid"/>
-          <a:miter lim="800000"/>
         </a:ln>
       </a:lnStyleLst>
       <a:effectStyleLst>
@@ -4947,55 +8231,80 @@
           <a:effectLst/>
         </a:effectStyle>
         <a:effectStyle>
-          <a:effectLst/>
+          <a:effectLst>
+            <a:outerShdw blurRad="38100" dist="25400" dir="5400000" rotWithShape="0">
+              <a:srgbClr val="000000">
+                <a:alpha val="45000"/>
+              </a:srgbClr>
+            </a:outerShdw>
+          </a:effectLst>
         </a:effectStyle>
         <a:effectStyle>
           <a:effectLst>
-            <a:outerShdw blurRad="57150" dist="19050" dir="5400000" algn="ctr" rotWithShape="0">
+            <a:outerShdw blurRad="63500" dist="38100" dir="5400000" rotWithShape="0">
               <a:srgbClr val="000000">
-                <a:alpha val="63000"/>
+                <a:alpha val="60000"/>
               </a:srgbClr>
             </a:outerShdw>
           </a:effectLst>
+          <a:scene3d>
+            <a:camera prst="orthographicFront">
+              <a:rot lat="0" lon="0" rev="0"/>
+            </a:camera>
+            <a:lightRig rig="threePt" dir="tl"/>
+          </a:scene3d>
+          <a:sp3d prstMaterial="plastic">
+            <a:bevelT w="0" h="0"/>
+          </a:sp3d>
         </a:effectStyle>
       </a:effectStyleLst>
       <a:bgFillStyleLst>
         <a:solidFill>
           <a:schemeClr val="phClr"/>
         </a:solidFill>
-        <a:solidFill>
-          <a:schemeClr val="phClr">
-            <a:tint val="95000"/>
-            <a:satMod val="170000"/>
-          </a:schemeClr>
-        </a:solidFill>
         <a:gradFill rotWithShape="1">
           <a:gsLst>
             <a:gs pos="0">
               <a:schemeClr val="phClr">
-                <a:tint val="93000"/>
-                <a:satMod val="150000"/>
-                <a:shade val="98000"/>
-                <a:lumMod val="102000"/>
-              </a:schemeClr>
-            </a:gs>
-            <a:gs pos="50000">
-              <a:schemeClr val="phClr">
-                <a:tint val="98000"/>
+                <a:tint val="97000"/>
+                <a:hueMod val="88000"/>
                 <a:satMod val="130000"/>
-                <a:shade val="90000"/>
-                <a:lumMod val="103000"/>
+                <a:lumMod val="124000"/>
               </a:schemeClr>
             </a:gs>
             <a:gs pos="100000">
               <a:schemeClr val="phClr">
-                <a:shade val="63000"/>
-                <a:satMod val="120000"/>
+                <a:tint val="96000"/>
+                <a:shade val="88000"/>
+                <a:hueMod val="108000"/>
+                <a:satMod val="164000"/>
+                <a:lumMod val="76000"/>
               </a:schemeClr>
             </a:gs>
           </a:gsLst>
-          <a:lin ang="5400000" scaled="0"/>
+          <a:path path="circle">
+            <a:fillToRect l="45000" t="65000" r="125000" b="100000"/>
+          </a:path>
         </a:gradFill>
+        <a:blipFill rotWithShape="1">
+          <a:blip xmlns:r="http://schemas.openxmlformats.org/officeDocument/2006/relationships" r:embed="rId1">
+            <a:duotone>
+              <a:schemeClr val="phClr">
+                <a:shade val="69000"/>
+                <a:hueMod val="108000"/>
+                <a:satMod val="164000"/>
+                <a:lumMod val="74000"/>
+              </a:schemeClr>
+              <a:schemeClr val="phClr">
+                <a:tint val="96000"/>
+                <a:hueMod val="88000"/>
+                <a:satMod val="140000"/>
+                <a:lumMod val="132000"/>
+              </a:schemeClr>
+            </a:duotone>
+          </a:blip>
+          <a:stretch/>
+        </a:blipFill>
       </a:bgFillStyleLst>
     </a:fmtScheme>
   </a:themeElements>
@@ -5003,7 +8312,7 @@
   <a:extraClrSchemeLst/>
   <a:extLst>
     <a:ext uri="{05A4C25C-085E-4340-85A3-A5531E510DB2}">
-      <thm15:themeFamily xmlns:thm15="http://schemas.microsoft.com/office/thememl/2012/main" name="Office Theme" id="{62F939B6-93AF-4DB8-9C6B-D6C7DFDC589F}" vid="{4A3C46E8-61CC-4603-A589-7422A47A8E4A}"/>
+      <thm15:themeFamily xmlns:thm15="http://schemas.microsoft.com/office/thememl/2012/main" name="Ion" id="{B8441ADB-2E43-4AF7-B97A-BD870242C6A8}" vid="{292E63A9-BB86-4E3D-B92A-7223C6510D2E}"/>
     </a:ext>
   </a:extLst>
 </a:theme>

--- a/web scraping/AI-Core prezzy.pptx
+++ b/web scraping/AI-Core prezzy.pptx
@@ -18,6 +18,9 @@
     <p:sldId id="283" r:id="rId12"/>
     <p:sldId id="284" r:id="rId13"/>
     <p:sldId id="285" r:id="rId14"/>
+    <p:sldId id="288" r:id="rId15"/>
+    <p:sldId id="286" r:id="rId16"/>
+    <p:sldId id="287" r:id="rId17"/>
   </p:sldIdLst>
   <p:sldSz cx="12192000" cy="6858000"/>
   <p:notesSz cx="6858000" cy="9144000"/>
@@ -6796,7 +6799,10 @@
           <a:bodyPr/>
           <a:lstStyle/>
           <a:p>
-            <a:endParaRPr lang="en-GB"/>
+            <a:r>
+              <a:rPr lang="en-GB" dirty="0"/>
+              <a:t>Interesting error!</a:t>
+            </a:r>
           </a:p>
         </p:txBody>
       </p:sp>
@@ -6806,6 +6812,260 @@
             <a:extLst>
               <a:ext uri="{FF2B5EF4-FFF2-40B4-BE49-F238E27FC236}">
                 <a16:creationId xmlns:a16="http://schemas.microsoft.com/office/drawing/2014/main" id="{FFAABD50-2E13-43AB-8F26-0BF0EF1E1008}"/>
+              </a:ext>
+            </a:extLst>
+          </p:cNvPr>
+          <p:cNvPicPr>
+            <a:picLocks noGrp="1" noChangeAspect="1"/>
+          </p:cNvPicPr>
+          <p:nvPr>
+            <p:ph idx="1"/>
+          </p:nvPr>
+        </p:nvPicPr>
+        <p:blipFill rotWithShape="1">
+          <a:blip r:embed="rId2">
+            <a:extLst>
+              <a:ext uri="{28A0092B-C50C-407E-A947-70E740481C1C}">
+                <a14:useLocalDpi xmlns:a14="http://schemas.microsoft.com/office/drawing/2010/main" val="0"/>
+              </a:ext>
+            </a:extLst>
+          </a:blip>
+          <a:srcRect r="40308"/>
+          <a:stretch/>
+        </p:blipFill>
+        <p:spPr>
+          <a:xfrm>
+            <a:off x="1194145" y="1325461"/>
+            <a:ext cx="3203474" cy="299155"/>
+          </a:xfrm>
+        </p:spPr>
+      </p:pic>
+      <p:pic>
+        <p:nvPicPr>
+          <p:cNvPr id="4" name="Picture 3">
+            <a:extLst>
+              <a:ext uri="{FF2B5EF4-FFF2-40B4-BE49-F238E27FC236}">
+                <a16:creationId xmlns:a16="http://schemas.microsoft.com/office/drawing/2014/main" id="{55461B7D-42F7-4AB4-8680-DFEE2B9D8FDD}"/>
+              </a:ext>
+            </a:extLst>
+          </p:cNvPr>
+          <p:cNvPicPr>
+            <a:picLocks noChangeAspect="1"/>
+          </p:cNvPicPr>
+          <p:nvPr/>
+        </p:nvPicPr>
+        <p:blipFill rotWithShape="1">
+          <a:blip r:embed="rId3">
+            <a:extLst>
+              <a:ext uri="{28A0092B-C50C-407E-A947-70E740481C1C}">
+                <a14:useLocalDpi xmlns:a14="http://schemas.microsoft.com/office/drawing/2010/main" val="0"/>
+              </a:ext>
+            </a:extLst>
+          </a:blip>
+          <a:srcRect t="36228" b="11742"/>
+          <a:stretch/>
+        </p:blipFill>
+        <p:spPr>
+          <a:xfrm>
+            <a:off x="1328369" y="1624616"/>
+            <a:ext cx="3203475" cy="228632"/>
+          </a:xfrm>
+          <a:prstGeom prst="rect">
+            <a:avLst/>
+          </a:prstGeom>
+        </p:spPr>
+      </p:pic>
+    </p:spTree>
+    <p:extLst>
+      <p:ext uri="{BB962C8B-B14F-4D97-AF65-F5344CB8AC3E}">
+        <p14:creationId xmlns:p14="http://schemas.microsoft.com/office/powerpoint/2010/main" val="1521295419"/>
+      </p:ext>
+    </p:extLst>
+  </p:cSld>
+  <p:clrMapOvr>
+    <a:masterClrMapping/>
+  </p:clrMapOvr>
+</p:sld>
+</file>
+
+<file path=ppt/slides/slide14.xml><?xml version="1.0" encoding="utf-8"?>
+<p:sld xmlns:a="http://schemas.openxmlformats.org/drawingml/2006/main" xmlns:r="http://schemas.openxmlformats.org/officeDocument/2006/relationships" xmlns:p="http://schemas.openxmlformats.org/presentationml/2006/main">
+  <p:cSld>
+    <p:spTree>
+      <p:nvGrpSpPr>
+        <p:cNvPr id="1" name=""/>
+        <p:cNvGrpSpPr/>
+        <p:nvPr/>
+      </p:nvGrpSpPr>
+      <p:grpSpPr>
+        <a:xfrm>
+          <a:off x="0" y="0"/>
+          <a:ext cx="0" cy="0"/>
+          <a:chOff x="0" y="0"/>
+          <a:chExt cx="0" cy="0"/>
+        </a:xfrm>
+      </p:grpSpPr>
+      <p:sp>
+        <p:nvSpPr>
+          <p:cNvPr id="2" name="Title 1">
+            <a:extLst>
+              <a:ext uri="{FF2B5EF4-FFF2-40B4-BE49-F238E27FC236}">
+                <a16:creationId xmlns:a16="http://schemas.microsoft.com/office/drawing/2014/main" id="{54EF0CAB-9463-4815-996C-827127649A38}"/>
+              </a:ext>
+            </a:extLst>
+          </p:cNvPr>
+          <p:cNvSpPr>
+            <a:spLocks noGrp="1"/>
+          </p:cNvSpPr>
+          <p:nvPr>
+            <p:ph type="title"/>
+          </p:nvPr>
+        </p:nvSpPr>
+        <p:spPr/>
+        <p:txBody>
+          <a:bodyPr/>
+          <a:lstStyle/>
+          <a:p>
+            <a:r>
+              <a:rPr lang="en-GB" dirty="0"/>
+              <a:t>Interesting error!</a:t>
+            </a:r>
+          </a:p>
+        </p:txBody>
+      </p:sp>
+      <p:pic>
+        <p:nvPicPr>
+          <p:cNvPr id="5" name="Content Placeholder 4">
+            <a:extLst>
+              <a:ext uri="{FF2B5EF4-FFF2-40B4-BE49-F238E27FC236}">
+                <a16:creationId xmlns:a16="http://schemas.microsoft.com/office/drawing/2014/main" id="{FFAABD50-2E13-43AB-8F26-0BF0EF1E1008}"/>
+              </a:ext>
+            </a:extLst>
+          </p:cNvPr>
+          <p:cNvPicPr>
+            <a:picLocks noGrp="1" noChangeAspect="1"/>
+          </p:cNvPicPr>
+          <p:nvPr>
+            <p:ph idx="1"/>
+          </p:nvPr>
+        </p:nvPicPr>
+        <p:blipFill rotWithShape="1">
+          <a:blip r:embed="rId2">
+            <a:extLst>
+              <a:ext uri="{28A0092B-C50C-407E-A947-70E740481C1C}">
+                <a14:useLocalDpi xmlns:a14="http://schemas.microsoft.com/office/drawing/2010/main" val="0"/>
+              </a:ext>
+            </a:extLst>
+          </a:blip>
+          <a:srcRect r="26149"/>
+          <a:stretch/>
+        </p:blipFill>
+        <p:spPr>
+          <a:xfrm>
+            <a:off x="1328369" y="1325461"/>
+            <a:ext cx="3203475" cy="299155"/>
+          </a:xfrm>
+        </p:spPr>
+      </p:pic>
+      <p:pic>
+        <p:nvPicPr>
+          <p:cNvPr id="4" name="Picture 3">
+            <a:extLst>
+              <a:ext uri="{FF2B5EF4-FFF2-40B4-BE49-F238E27FC236}">
+                <a16:creationId xmlns:a16="http://schemas.microsoft.com/office/drawing/2014/main" id="{55461B7D-42F7-4AB4-8680-DFEE2B9D8FDD}"/>
+              </a:ext>
+            </a:extLst>
+          </p:cNvPr>
+          <p:cNvPicPr>
+            <a:picLocks noChangeAspect="1"/>
+          </p:cNvPicPr>
+          <p:nvPr/>
+        </p:nvPicPr>
+        <p:blipFill rotWithShape="1">
+          <a:blip r:embed="rId3">
+            <a:extLst>
+              <a:ext uri="{28A0092B-C50C-407E-A947-70E740481C1C}">
+                <a14:useLocalDpi xmlns:a14="http://schemas.microsoft.com/office/drawing/2010/main" val="0"/>
+              </a:ext>
+            </a:extLst>
+          </a:blip>
+          <a:srcRect t="36228" b="11742"/>
+          <a:stretch/>
+        </p:blipFill>
+        <p:spPr>
+          <a:xfrm>
+            <a:off x="1328369" y="1624616"/>
+            <a:ext cx="3203475" cy="228632"/>
+          </a:xfrm>
+          <a:prstGeom prst="rect">
+            <a:avLst/>
+          </a:prstGeom>
+        </p:spPr>
+      </p:pic>
+    </p:spTree>
+    <p:extLst>
+      <p:ext uri="{BB962C8B-B14F-4D97-AF65-F5344CB8AC3E}">
+        <p14:creationId xmlns:p14="http://schemas.microsoft.com/office/powerpoint/2010/main" val="3111212257"/>
+      </p:ext>
+    </p:extLst>
+  </p:cSld>
+  <p:clrMapOvr>
+    <a:masterClrMapping/>
+  </p:clrMapOvr>
+</p:sld>
+</file>
+
+<file path=ppt/slides/slide15.xml><?xml version="1.0" encoding="utf-8"?>
+<p:sld xmlns:a="http://schemas.openxmlformats.org/drawingml/2006/main" xmlns:r="http://schemas.openxmlformats.org/officeDocument/2006/relationships" xmlns:p="http://schemas.openxmlformats.org/presentationml/2006/main">
+  <p:cSld>
+    <p:spTree>
+      <p:nvGrpSpPr>
+        <p:cNvPr id="1" name=""/>
+        <p:cNvGrpSpPr/>
+        <p:nvPr/>
+      </p:nvGrpSpPr>
+      <p:grpSpPr>
+        <a:xfrm>
+          <a:off x="0" y="0"/>
+          <a:ext cx="0" cy="0"/>
+          <a:chOff x="0" y="0"/>
+          <a:chExt cx="0" cy="0"/>
+        </a:xfrm>
+      </p:grpSpPr>
+      <p:sp>
+        <p:nvSpPr>
+          <p:cNvPr id="2" name="Title 1">
+            <a:extLst>
+              <a:ext uri="{FF2B5EF4-FFF2-40B4-BE49-F238E27FC236}">
+                <a16:creationId xmlns:a16="http://schemas.microsoft.com/office/drawing/2014/main" id="{3DFCB665-E64B-49DA-900E-E1E0F1CDC8BD}"/>
+              </a:ext>
+            </a:extLst>
+          </p:cNvPr>
+          <p:cNvSpPr>
+            <a:spLocks noGrp="1"/>
+          </p:cNvSpPr>
+          <p:nvPr>
+            <p:ph type="title"/>
+          </p:nvPr>
+        </p:nvSpPr>
+        <p:spPr/>
+        <p:txBody>
+          <a:bodyPr/>
+          <a:lstStyle/>
+          <a:p>
+            <a:r>
+              <a:rPr lang="en-GB" dirty="0"/>
+              <a:t>Cleaning the data</a:t>
+            </a:r>
+          </a:p>
+        </p:txBody>
+      </p:sp>
+      <p:pic>
+        <p:nvPicPr>
+          <p:cNvPr id="5" name="Content Placeholder 4" descr="Graphical user interface, text, application, email, Excel&#10;&#10;Description automatically generated">
+            <a:extLst>
+              <a:ext uri="{FF2B5EF4-FFF2-40B4-BE49-F238E27FC236}">
+                <a16:creationId xmlns:a16="http://schemas.microsoft.com/office/drawing/2014/main" id="{9C3F827A-DE27-4F1A-AF30-3ABA4A12C393}"/>
               </a:ext>
             </a:extLst>
           </p:cNvPr>
@@ -6830,15 +7090,105 @@
         </p:blipFill>
         <p:spPr>
           <a:xfrm>
-            <a:off x="4237036" y="2377123"/>
-            <a:ext cx="3315163" cy="228632"/>
+            <a:off x="323137" y="1152982"/>
+            <a:ext cx="11106178" cy="4613335"/>
           </a:xfrm>
         </p:spPr>
       </p:pic>
     </p:spTree>
     <p:extLst>
       <p:ext uri="{BB962C8B-B14F-4D97-AF65-F5344CB8AC3E}">
-        <p14:creationId xmlns:p14="http://schemas.microsoft.com/office/powerpoint/2010/main" val="1521295419"/>
+        <p14:creationId xmlns:p14="http://schemas.microsoft.com/office/powerpoint/2010/main" val="2899726508"/>
+      </p:ext>
+    </p:extLst>
+  </p:cSld>
+  <p:clrMapOvr>
+    <a:masterClrMapping/>
+  </p:clrMapOvr>
+</p:sld>
+</file>
+
+<file path=ppt/slides/slide16.xml><?xml version="1.0" encoding="utf-8"?>
+<p:sld xmlns:a="http://schemas.openxmlformats.org/drawingml/2006/main" xmlns:r="http://schemas.openxmlformats.org/officeDocument/2006/relationships" xmlns:p="http://schemas.openxmlformats.org/presentationml/2006/main">
+  <p:cSld>
+    <p:spTree>
+      <p:nvGrpSpPr>
+        <p:cNvPr id="1" name=""/>
+        <p:cNvGrpSpPr/>
+        <p:nvPr/>
+      </p:nvGrpSpPr>
+      <p:grpSpPr>
+        <a:xfrm>
+          <a:off x="0" y="0"/>
+          <a:ext cx="0" cy="0"/>
+          <a:chOff x="0" y="0"/>
+          <a:chExt cx="0" cy="0"/>
+        </a:xfrm>
+      </p:grpSpPr>
+      <p:sp>
+        <p:nvSpPr>
+          <p:cNvPr id="2" name="Title 1">
+            <a:extLst>
+              <a:ext uri="{FF2B5EF4-FFF2-40B4-BE49-F238E27FC236}">
+                <a16:creationId xmlns:a16="http://schemas.microsoft.com/office/drawing/2014/main" id="{4500F107-EEDC-4933-B1F3-8F5E8EAC1662}"/>
+              </a:ext>
+            </a:extLst>
+          </p:cNvPr>
+          <p:cNvSpPr>
+            <a:spLocks noGrp="1"/>
+          </p:cNvSpPr>
+          <p:nvPr>
+            <p:ph type="title"/>
+          </p:nvPr>
+        </p:nvSpPr>
+        <p:spPr/>
+        <p:txBody>
+          <a:bodyPr/>
+          <a:lstStyle/>
+          <a:p>
+            <a:endParaRPr lang="en-GB" dirty="0"/>
+          </a:p>
+        </p:txBody>
+      </p:sp>
+      <p:pic>
+        <p:nvPicPr>
+          <p:cNvPr id="5" name="Content Placeholder 4" descr="Table, Excel&#10;&#10;Description automatically generated">
+            <a:extLst>
+              <a:ext uri="{FF2B5EF4-FFF2-40B4-BE49-F238E27FC236}">
+                <a16:creationId xmlns:a16="http://schemas.microsoft.com/office/drawing/2014/main" id="{E7AC6F63-92DE-457E-A45D-6B014487034B}"/>
+              </a:ext>
+            </a:extLst>
+          </p:cNvPr>
+          <p:cNvPicPr>
+            <a:picLocks noGrp="1" noChangeAspect="1"/>
+          </p:cNvPicPr>
+          <p:nvPr>
+            <p:ph idx="1"/>
+          </p:nvPr>
+        </p:nvPicPr>
+        <p:blipFill>
+          <a:blip r:embed="rId2">
+            <a:extLst>
+              <a:ext uri="{28A0092B-C50C-407E-A947-70E740481C1C}">
+                <a14:useLocalDpi xmlns:a14="http://schemas.microsoft.com/office/drawing/2010/main" val="0"/>
+              </a:ext>
+            </a:extLst>
+          </a:blip>
+          <a:stretch>
+            <a:fillRect/>
+          </a:stretch>
+        </p:blipFill>
+        <p:spPr>
+          <a:xfrm>
+            <a:off x="247747" y="452717"/>
+            <a:ext cx="11545170" cy="5509543"/>
+          </a:xfrm>
+        </p:spPr>
+      </p:pic>
+    </p:spTree>
+    <p:extLst>
+      <p:ext uri="{BB962C8B-B14F-4D97-AF65-F5344CB8AC3E}">
+        <p14:creationId xmlns:p14="http://schemas.microsoft.com/office/powerpoint/2010/main" val="3063796195"/>
       </p:ext>
     </p:extLst>
   </p:cSld>
